--- a/3 Interfacing data conversion.pptx
+++ b/3 Interfacing data conversion.pptx
@@ -13,33 +13,38 @@
     <p:sldId id="261" r:id="rId7"/>
     <p:sldId id="262" r:id="rId8"/>
     <p:sldId id="263" r:id="rId9"/>
-    <p:sldId id="264" r:id="rId10"/>
-    <p:sldId id="265" r:id="rId11"/>
-    <p:sldId id="266" r:id="rId12"/>
-    <p:sldId id="267" r:id="rId13"/>
-    <p:sldId id="268" r:id="rId14"/>
-    <p:sldId id="269" r:id="rId15"/>
-    <p:sldId id="270" r:id="rId16"/>
-    <p:sldId id="271" r:id="rId17"/>
-    <p:sldId id="272" r:id="rId18"/>
-    <p:sldId id="273" r:id="rId19"/>
-    <p:sldId id="274" r:id="rId20"/>
-    <p:sldId id="275" r:id="rId21"/>
-    <p:sldId id="276" r:id="rId22"/>
-    <p:sldId id="277" r:id="rId23"/>
-    <p:sldId id="278" r:id="rId24"/>
-    <p:sldId id="279" r:id="rId25"/>
-    <p:sldId id="280" r:id="rId26"/>
-    <p:sldId id="281" r:id="rId27"/>
-    <p:sldId id="282" r:id="rId28"/>
-    <p:sldId id="283" r:id="rId29"/>
-    <p:sldId id="284" r:id="rId30"/>
-    <p:sldId id="285" r:id="rId31"/>
-    <p:sldId id="286" r:id="rId32"/>
-    <p:sldId id="287" r:id="rId33"/>
-    <p:sldId id="288" r:id="rId34"/>
-    <p:sldId id="289" r:id="rId35"/>
-    <p:sldId id="290" r:id="rId36"/>
+    <p:sldId id="291" r:id="rId10"/>
+    <p:sldId id="264" r:id="rId11"/>
+    <p:sldId id="292" r:id="rId12"/>
+    <p:sldId id="293" r:id="rId13"/>
+    <p:sldId id="265" r:id="rId14"/>
+    <p:sldId id="266" r:id="rId15"/>
+    <p:sldId id="267" r:id="rId16"/>
+    <p:sldId id="294" r:id="rId17"/>
+    <p:sldId id="268" r:id="rId18"/>
+    <p:sldId id="269" r:id="rId19"/>
+    <p:sldId id="270" r:id="rId20"/>
+    <p:sldId id="271" r:id="rId21"/>
+    <p:sldId id="272" r:id="rId22"/>
+    <p:sldId id="273" r:id="rId23"/>
+    <p:sldId id="274" r:id="rId24"/>
+    <p:sldId id="275" r:id="rId25"/>
+    <p:sldId id="276" r:id="rId26"/>
+    <p:sldId id="277" r:id="rId27"/>
+    <p:sldId id="278" r:id="rId28"/>
+    <p:sldId id="279" r:id="rId29"/>
+    <p:sldId id="280" r:id="rId30"/>
+    <p:sldId id="281" r:id="rId31"/>
+    <p:sldId id="282" r:id="rId32"/>
+    <p:sldId id="283" r:id="rId33"/>
+    <p:sldId id="284" r:id="rId34"/>
+    <p:sldId id="285" r:id="rId35"/>
+    <p:sldId id="286" r:id="rId36"/>
+    <p:sldId id="287" r:id="rId37"/>
+    <p:sldId id="288" r:id="rId38"/>
+    <p:sldId id="289" r:id="rId39"/>
+    <p:sldId id="290" r:id="rId40"/>
+    <p:sldId id="295" r:id="rId41"/>
   </p:sldIdLst>
   <p:sldSz cx="9144000" cy="6858000" type="screen4x3"/>
   <p:notesSz cx="9144000" cy="6858000"/>
@@ -218,7 +223,7 @@
           <a:p>
             <a:fld id="{1D8BD707-D9CF-40AE-B4C6-C98DA3205C09}" type="datetimeFigureOut">
               <a:rPr lang="en-US"/>
-              <a:t>11/20/2024</a:t>
+              <a:t>12/16/2024</a:t>
             </a:fld>
             <a:endParaRPr lang="en-US"/>
           </a:p>
@@ -395,7 +400,7 @@
           <a:p>
             <a:fld id="{1D8BD707-D9CF-40AE-B4C6-C98DA3205C09}" type="datetimeFigureOut">
               <a:rPr lang="en-US"/>
-              <a:t>11/20/2024</a:t>
+              <a:t>12/16/2024</a:t>
             </a:fld>
             <a:endParaRPr lang="en-US"/>
           </a:p>
@@ -621,7 +626,7 @@
           <a:p>
             <a:fld id="{1D8BD707-D9CF-40AE-B4C6-C98DA3205C09}" type="datetimeFigureOut">
               <a:rPr lang="en-US"/>
-              <a:t>11/20/2024</a:t>
+              <a:t>12/16/2024</a:t>
             </a:fld>
             <a:endParaRPr lang="en-US"/>
           </a:p>
@@ -769,7 +774,7 @@
           <a:p>
             <a:fld id="{1D8BD707-D9CF-40AE-B4C6-C98DA3205C09}" type="datetimeFigureOut">
               <a:rPr lang="en-US"/>
-              <a:t>11/20/2024</a:t>
+              <a:t>12/16/2024</a:t>
             </a:fld>
             <a:endParaRPr lang="en-US"/>
           </a:p>
@@ -888,7 +893,7 @@
           <a:p>
             <a:fld id="{1D8BD707-D9CF-40AE-B4C6-C98DA3205C09}" type="datetimeFigureOut">
               <a:rPr lang="en-US"/>
-              <a:t>11/20/2024</a:t>
+              <a:t>12/16/2024</a:t>
             </a:fld>
             <a:endParaRPr lang="en-US"/>
           </a:p>
@@ -1113,7 +1118,7 @@
           <a:p>
             <a:fld id="{1D8BD707-D9CF-40AE-B4C6-C98DA3205C09}" type="datetimeFigureOut">
               <a:rPr lang="en-US"/>
-              <a:t>11/20/2024</a:t>
+              <a:t>12/16/2024</a:t>
             </a:fld>
             <a:endParaRPr lang="en-US"/>
           </a:p>
@@ -1428,74 +1433,23 @@
           <a:chExt cx="0" cy="0"/>
         </a:xfrm>
       </p:grpSpPr>
-      <p:sp>
-        <p:nvSpPr>
-          <p:cNvPr id="2" name="object 2"/>
-          <p:cNvSpPr txBox="1">
-            <a:spLocks noGrp="1"/>
-          </p:cNvSpPr>
-          <p:nvPr>
-            <p:ph type="title"/>
-          </p:nvPr>
-        </p:nvSpPr>
-        <p:spPr>
-          <a:prstGeom prst="rect">
-            <a:avLst/>
-          </a:prstGeom>
-        </p:spPr>
-        <p:txBody>
-          <a:bodyPr vert="horz" wrap="square" lIns="0" tIns="12700" rIns="0" bIns="0" rtlCol="0">
-            <a:spAutoFit/>
-          </a:bodyPr>
-          <a:lstStyle/>
-          <a:p>
-            <a:pPr marL="1994535">
-              <a:lnSpc>
-                <a:spcPct val="100000"/>
-              </a:lnSpc>
-              <a:spcBef>
-                <a:spcPts val="100"/>
-              </a:spcBef>
-            </a:pPr>
-            <a:r>
-              <a:rPr dirty="0"/>
-              <a:t>Flash</a:t>
-            </a:r>
-            <a:r>
-              <a:rPr spc="-105" dirty="0"/>
-              <a:t> </a:t>
-            </a:r>
-            <a:r>
-              <a:rPr dirty="0"/>
-              <a:t>ADC</a:t>
-            </a:r>
-            <a:r>
-              <a:rPr spc="-105" dirty="0"/>
-              <a:t> </a:t>
-            </a:r>
-            <a:r>
-              <a:rPr spc="-10" dirty="0"/>
-              <a:t>Circuit</a:t>
-            </a:r>
-          </a:p>
-        </p:txBody>
-      </p:sp>
       <p:pic>
         <p:nvPicPr>
-          <p:cNvPr id="3" name="object 3"/>
-          <p:cNvPicPr/>
+          <p:cNvPr id="6" name="Picture 5"/>
+          <p:cNvPicPr>
+            <a:picLocks noChangeAspect="1"/>
+          </p:cNvPicPr>
           <p:nvPr/>
         </p:nvPicPr>
-        <p:blipFill>
-          <a:blip r:embed="rId2" cstate="print"/>
-          <a:stretch>
-            <a:fillRect/>
-          </a:stretch>
+        <p:blipFill rotWithShape="1">
+          <a:blip r:embed="rId2"/>
+          <a:srcRect l="10001" t="3334" r="19583" b="48518"/>
+          <a:stretch/>
         </p:blipFill>
         <p:spPr>
           <a:xfrm>
-            <a:off x="2809869" y="1733546"/>
-            <a:ext cx="3505192" cy="4343391"/>
+            <a:off x="30480" y="152400"/>
+            <a:ext cx="9144000" cy="4495800"/>
           </a:xfrm>
           <a:prstGeom prst="rect">
             <a:avLst/>
@@ -1527,66 +1481,23 @@
           <a:chExt cx="0" cy="0"/>
         </a:xfrm>
       </p:grpSpPr>
-      <p:sp>
-        <p:nvSpPr>
-          <p:cNvPr id="2" name="object 2"/>
-          <p:cNvSpPr txBox="1">
-            <a:spLocks noGrp="1"/>
-          </p:cNvSpPr>
-          <p:nvPr>
-            <p:ph type="title"/>
-          </p:nvPr>
-        </p:nvSpPr>
-        <p:spPr>
-          <a:prstGeom prst="rect">
-            <a:avLst/>
-          </a:prstGeom>
-        </p:spPr>
-        <p:txBody>
-          <a:bodyPr vert="horz" wrap="square" lIns="0" tIns="12700" rIns="0" bIns="0" rtlCol="0">
-            <a:spAutoFit/>
-          </a:bodyPr>
-          <a:lstStyle/>
-          <a:p>
-            <a:pPr marL="2560955">
-              <a:lnSpc>
-                <a:spcPct val="100000"/>
-              </a:lnSpc>
-              <a:spcBef>
-                <a:spcPts val="100"/>
-              </a:spcBef>
-            </a:pPr>
-            <a:r>
-              <a:rPr dirty="0"/>
-              <a:t>ADC</a:t>
-            </a:r>
-            <a:r>
-              <a:rPr spc="-95" dirty="0"/>
-              <a:t> </a:t>
-            </a:r>
-            <a:r>
-              <a:rPr spc="-10" dirty="0"/>
-              <a:t>Output</a:t>
-            </a:r>
-          </a:p>
-        </p:txBody>
-      </p:sp>
       <p:pic>
         <p:nvPicPr>
-          <p:cNvPr id="3" name="object 3"/>
-          <p:cNvPicPr/>
+          <p:cNvPr id="2" name="Picture 1"/>
+          <p:cNvPicPr>
+            <a:picLocks noChangeAspect="1"/>
+          </p:cNvPicPr>
           <p:nvPr/>
         </p:nvPicPr>
-        <p:blipFill>
-          <a:blip r:embed="rId2" cstate="print"/>
-          <a:stretch>
-            <a:fillRect/>
-          </a:stretch>
+        <p:blipFill rotWithShape="1">
+          <a:blip r:embed="rId2"/>
+          <a:srcRect l="8333" t="4444" r="13334" b="6666"/>
+          <a:stretch/>
         </p:blipFill>
         <p:spPr>
           <a:xfrm>
-            <a:off x="2081208" y="2605069"/>
-            <a:ext cx="4952977" cy="2590794"/>
+            <a:off x="152400" y="76200"/>
+            <a:ext cx="8763000" cy="6705600"/>
           </a:xfrm>
           <a:prstGeom prst="rect">
             <a:avLst/>
@@ -1594,6 +1505,11 @@
         </p:spPr>
       </p:pic>
     </p:spTree>
+    <p:extLst>
+      <p:ext uri="{BB962C8B-B14F-4D97-AF65-F5344CB8AC3E}">
+        <p14:creationId xmlns:p14="http://schemas.microsoft.com/office/powerpoint/2010/main" val="2335282005"/>
+      </p:ext>
+    </p:extLst>
   </p:cSld>
   <p:clrMapOvr>
     <a:masterClrMapping/>
@@ -1618,815 +1534,73 @@
           <a:chExt cx="0" cy="0"/>
         </a:xfrm>
       </p:grpSpPr>
-      <p:sp>
-        <p:nvSpPr>
-          <p:cNvPr id="2" name="object 2"/>
-          <p:cNvSpPr txBox="1">
-            <a:spLocks noGrp="1"/>
-          </p:cNvSpPr>
-          <p:nvPr>
-            <p:ph type="title"/>
-          </p:nvPr>
-        </p:nvSpPr>
+      <p:pic>
+        <p:nvPicPr>
+          <p:cNvPr id="3" name="Picture 2"/>
+          <p:cNvPicPr>
+            <a:picLocks noChangeAspect="1"/>
+          </p:cNvPicPr>
+          <p:nvPr/>
+        </p:nvPicPr>
+        <p:blipFill rotWithShape="1">
+          <a:blip r:embed="rId2"/>
+          <a:srcRect l="7222" t="4878" r="13890" b="7317"/>
+          <a:stretch/>
+        </p:blipFill>
         <p:spPr>
+          <a:xfrm>
+            <a:off x="0" y="533400"/>
+            <a:ext cx="9144000" cy="6324600"/>
+          </a:xfrm>
           <a:prstGeom prst="rect">
             <a:avLst/>
           </a:prstGeom>
         </p:spPr>
-        <p:txBody>
-          <a:bodyPr vert="horz" wrap="square" lIns="0" tIns="12700" rIns="0" bIns="0" rtlCol="0">
-            <a:spAutoFit/>
-          </a:bodyPr>
-          <a:lstStyle/>
-          <a:p>
-            <a:pPr marL="3336290">
-              <a:lnSpc>
-                <a:spcPct val="100000"/>
-              </a:lnSpc>
-              <a:spcBef>
-                <a:spcPts val="100"/>
-              </a:spcBef>
-            </a:pPr>
-            <a:r>
-              <a:rPr spc="-10" dirty="0"/>
-              <a:t>Flash</a:t>
-            </a:r>
-          </a:p>
-        </p:txBody>
-      </p:sp>
+      </p:pic>
       <p:sp>
         <p:nvSpPr>
-          <p:cNvPr id="3" name="object 3"/>
+          <p:cNvPr id="4" name="TextBox 3"/>
           <p:cNvSpPr txBox="1"/>
           <p:nvPr/>
         </p:nvSpPr>
         <p:spPr>
           <a:xfrm>
-            <a:off x="579756" y="1677527"/>
-            <a:ext cx="3721735" cy="3319779"/>
+            <a:off x="0" y="0"/>
+            <a:ext cx="8839200" cy="369332"/>
           </a:xfrm>
           <a:prstGeom prst="rect">
             <a:avLst/>
           </a:prstGeom>
+          <a:noFill/>
         </p:spPr>
         <p:txBody>
-          <a:bodyPr vert="horz" wrap="square" lIns="0" tIns="34925" rIns="0" bIns="0" rtlCol="0">
+          <a:bodyPr wrap="square" rtlCol="0">
             <a:spAutoFit/>
           </a:bodyPr>
           <a:lstStyle/>
           <a:p>
-            <a:pPr marL="1115060">
-              <a:lnSpc>
-                <a:spcPct val="100000"/>
-              </a:lnSpc>
-              <a:spcBef>
-                <a:spcPts val="275"/>
-              </a:spcBef>
-            </a:pPr>
-            <a:r>
-              <a:rPr sz="2600" spc="-10" dirty="0">
+            <a:r>
+              <a:rPr lang="en-US" b="1" dirty="0" smtClean="0">
                 <a:solidFill>
-                  <a:srgbClr val="BF4F4D"/>
+                  <a:srgbClr val="FF0000"/>
                 </a:solidFill>
-                <a:latin typeface="Carlito"/>
-                <a:cs typeface="Carlito"/>
-              </a:rPr>
-              <a:t>Advantages</a:t>
-            </a:r>
-            <a:endParaRPr sz="2600">
-              <a:latin typeface="Carlito"/>
-              <a:cs typeface="Carlito"/>
-            </a:endParaRPr>
-          </a:p>
-          <a:p>
-            <a:pPr marL="305435" marR="734695" indent="-293370">
-              <a:lnSpc>
-                <a:spcPts val="2780"/>
-              </a:lnSpc>
-              <a:spcBef>
-                <a:spcPts val="550"/>
-              </a:spcBef>
-              <a:buFont typeface="Arial"/>
-              <a:buChar char="•"/>
-              <a:tabLst>
-                <a:tab pos="305435" algn="l"/>
-              </a:tabLst>
-            </a:pPr>
-            <a:r>
-              <a:rPr sz="2600" dirty="0">
-                <a:latin typeface="Carlito"/>
-                <a:cs typeface="Carlito"/>
-              </a:rPr>
-              <a:t>Simplest</a:t>
-            </a:r>
-            <a:r>
-              <a:rPr sz="2600" spc="-25" dirty="0">
-                <a:latin typeface="Carlito"/>
-                <a:cs typeface="Carlito"/>
-              </a:rPr>
-              <a:t> </a:t>
-            </a:r>
-            <a:r>
-              <a:rPr sz="2600" dirty="0">
-                <a:latin typeface="Carlito"/>
-                <a:cs typeface="Carlito"/>
-              </a:rPr>
-              <a:t>in</a:t>
-            </a:r>
-            <a:r>
-              <a:rPr sz="2600" spc="-25" dirty="0">
-                <a:latin typeface="Carlito"/>
-                <a:cs typeface="Carlito"/>
-              </a:rPr>
-              <a:t> </a:t>
-            </a:r>
-            <a:r>
-              <a:rPr sz="2600" dirty="0">
-                <a:latin typeface="Carlito"/>
-                <a:cs typeface="Carlito"/>
-              </a:rPr>
-              <a:t>terms</a:t>
-            </a:r>
-            <a:r>
-              <a:rPr sz="2600" spc="-25" dirty="0">
-                <a:latin typeface="Carlito"/>
-                <a:cs typeface="Carlito"/>
-              </a:rPr>
-              <a:t> of </a:t>
-            </a:r>
-            <a:r>
-              <a:rPr sz="2600" spc="-10" dirty="0">
-                <a:latin typeface="Carlito"/>
-                <a:cs typeface="Carlito"/>
-              </a:rPr>
-              <a:t>operational</a:t>
-            </a:r>
-            <a:r>
-              <a:rPr sz="2600" spc="-70" dirty="0">
-                <a:latin typeface="Carlito"/>
-                <a:cs typeface="Carlito"/>
-              </a:rPr>
-              <a:t> </a:t>
-            </a:r>
-            <a:r>
-              <a:rPr sz="2600" spc="-10" dirty="0">
-                <a:latin typeface="Carlito"/>
-                <a:cs typeface="Carlito"/>
-              </a:rPr>
-              <a:t>theory</a:t>
-            </a:r>
-            <a:endParaRPr sz="2600">
-              <a:latin typeface="Carlito"/>
-              <a:cs typeface="Carlito"/>
-            </a:endParaRPr>
-          </a:p>
-          <a:p>
-            <a:pPr>
-              <a:lnSpc>
-                <a:spcPct val="100000"/>
-              </a:lnSpc>
-              <a:spcBef>
-                <a:spcPts val="640"/>
-              </a:spcBef>
-              <a:buFont typeface="Arial"/>
-              <a:buChar char="•"/>
-            </a:pPr>
-            <a:endParaRPr sz="2600">
-              <a:latin typeface="Carlito"/>
-              <a:cs typeface="Carlito"/>
-            </a:endParaRPr>
-          </a:p>
-          <a:p>
-            <a:pPr marL="305435" marR="5080" indent="-293370">
-              <a:lnSpc>
-                <a:spcPts val="2780"/>
-              </a:lnSpc>
-              <a:buFont typeface="Arial"/>
-              <a:buChar char="•"/>
-              <a:tabLst>
-                <a:tab pos="305435" algn="l"/>
-              </a:tabLst>
-            </a:pPr>
-            <a:r>
-              <a:rPr sz="2600" dirty="0">
-                <a:latin typeface="Carlito"/>
-                <a:cs typeface="Carlito"/>
-              </a:rPr>
-              <a:t>Most</a:t>
-            </a:r>
-            <a:r>
-              <a:rPr sz="2600" spc="-40" dirty="0">
-                <a:latin typeface="Carlito"/>
-                <a:cs typeface="Carlito"/>
-              </a:rPr>
-              <a:t> </a:t>
-            </a:r>
-            <a:r>
-              <a:rPr sz="2600" dirty="0">
-                <a:latin typeface="Carlito"/>
-                <a:cs typeface="Carlito"/>
-              </a:rPr>
-              <a:t>efficient</a:t>
-            </a:r>
-            <a:r>
-              <a:rPr sz="2600" spc="-40" dirty="0">
-                <a:latin typeface="Carlito"/>
-                <a:cs typeface="Carlito"/>
-              </a:rPr>
-              <a:t> </a:t>
-            </a:r>
-            <a:r>
-              <a:rPr sz="2600" dirty="0">
-                <a:latin typeface="Carlito"/>
-                <a:cs typeface="Carlito"/>
-              </a:rPr>
-              <a:t>in</a:t>
-            </a:r>
-            <a:r>
-              <a:rPr sz="2600" spc="-40" dirty="0">
-                <a:latin typeface="Carlito"/>
-                <a:cs typeface="Carlito"/>
-              </a:rPr>
-              <a:t> </a:t>
-            </a:r>
-            <a:r>
-              <a:rPr sz="2600" dirty="0">
-                <a:latin typeface="Carlito"/>
-                <a:cs typeface="Carlito"/>
-              </a:rPr>
-              <a:t>terms</a:t>
-            </a:r>
-            <a:r>
-              <a:rPr sz="2600" spc="-35" dirty="0">
-                <a:latin typeface="Carlito"/>
-                <a:cs typeface="Carlito"/>
-              </a:rPr>
-              <a:t> </a:t>
-            </a:r>
-            <a:r>
-              <a:rPr sz="2600" spc="-25" dirty="0">
-                <a:latin typeface="Carlito"/>
-                <a:cs typeface="Carlito"/>
-              </a:rPr>
-              <a:t>of </a:t>
-            </a:r>
-            <a:r>
-              <a:rPr sz="2600" dirty="0">
-                <a:latin typeface="Carlito"/>
-                <a:cs typeface="Carlito"/>
-              </a:rPr>
-              <a:t>speed,</a:t>
-            </a:r>
-            <a:r>
-              <a:rPr sz="2600" spc="-25" dirty="0">
-                <a:latin typeface="Carlito"/>
-                <a:cs typeface="Carlito"/>
-              </a:rPr>
-              <a:t> </a:t>
-            </a:r>
-            <a:r>
-              <a:rPr sz="2600" dirty="0">
-                <a:latin typeface="Carlito"/>
-                <a:cs typeface="Carlito"/>
-              </a:rPr>
-              <a:t>very</a:t>
-            </a:r>
-            <a:r>
-              <a:rPr sz="2600" spc="-25" dirty="0">
-                <a:latin typeface="Carlito"/>
-                <a:cs typeface="Carlito"/>
-              </a:rPr>
-              <a:t> </a:t>
-            </a:r>
-            <a:r>
-              <a:rPr sz="2600" spc="-20" dirty="0">
-                <a:latin typeface="Carlito"/>
-                <a:cs typeface="Carlito"/>
-              </a:rPr>
-              <a:t>fast</a:t>
-            </a:r>
-            <a:endParaRPr sz="2600">
-              <a:latin typeface="Carlito"/>
-              <a:cs typeface="Carlito"/>
-            </a:endParaRPr>
-          </a:p>
-          <a:p>
-            <a:pPr marL="1105535" marR="90805" lvl="1" indent="-189230">
-              <a:lnSpc>
-                <a:spcPct val="89900"/>
-              </a:lnSpc>
-              <a:spcBef>
-                <a:spcPts val="360"/>
-              </a:spcBef>
-              <a:buFont typeface="Arial"/>
-              <a:buChar char="•"/>
-              <a:tabLst>
-                <a:tab pos="1105535" algn="l"/>
-              </a:tabLst>
-            </a:pPr>
-            <a:r>
-              <a:rPr sz="2100" dirty="0">
-                <a:latin typeface="Carlito"/>
-                <a:cs typeface="Carlito"/>
-              </a:rPr>
-              <a:t>limited</a:t>
-            </a:r>
-            <a:r>
-              <a:rPr sz="2100" spc="-65" dirty="0">
-                <a:latin typeface="Carlito"/>
-                <a:cs typeface="Carlito"/>
-              </a:rPr>
-              <a:t> </a:t>
-            </a:r>
-            <a:r>
-              <a:rPr sz="2100" dirty="0">
-                <a:latin typeface="Carlito"/>
-                <a:cs typeface="Carlito"/>
-              </a:rPr>
-              <a:t>only</a:t>
-            </a:r>
-            <a:r>
-              <a:rPr sz="2100" spc="-65" dirty="0">
-                <a:latin typeface="Carlito"/>
-                <a:cs typeface="Carlito"/>
-              </a:rPr>
-              <a:t> </a:t>
-            </a:r>
-            <a:r>
-              <a:rPr sz="2100" dirty="0">
-                <a:latin typeface="Carlito"/>
-                <a:cs typeface="Carlito"/>
-              </a:rPr>
-              <a:t>in</a:t>
-            </a:r>
-            <a:r>
-              <a:rPr sz="2100" spc="-60" dirty="0">
-                <a:latin typeface="Carlito"/>
-                <a:cs typeface="Carlito"/>
-              </a:rPr>
-              <a:t> </a:t>
-            </a:r>
-            <a:r>
-              <a:rPr sz="2100" dirty="0">
-                <a:latin typeface="Carlito"/>
-                <a:cs typeface="Carlito"/>
-              </a:rPr>
-              <a:t>terms</a:t>
-            </a:r>
-            <a:r>
-              <a:rPr sz="2100" spc="-65" dirty="0">
-                <a:latin typeface="Carlito"/>
-                <a:cs typeface="Carlito"/>
-              </a:rPr>
-              <a:t> </a:t>
-            </a:r>
-            <a:r>
-              <a:rPr sz="2100" spc="-25" dirty="0">
-                <a:latin typeface="Carlito"/>
-                <a:cs typeface="Carlito"/>
-              </a:rPr>
-              <a:t>of </a:t>
-            </a:r>
-            <a:r>
-              <a:rPr sz="2100" dirty="0">
-                <a:latin typeface="Carlito"/>
-                <a:cs typeface="Carlito"/>
-              </a:rPr>
-              <a:t>comparator</a:t>
-            </a:r>
-            <a:r>
-              <a:rPr sz="2100" spc="-45" dirty="0">
-                <a:latin typeface="Carlito"/>
-                <a:cs typeface="Carlito"/>
-              </a:rPr>
-              <a:t> </a:t>
-            </a:r>
-            <a:r>
-              <a:rPr sz="2100" dirty="0">
-                <a:latin typeface="Carlito"/>
-                <a:cs typeface="Carlito"/>
-              </a:rPr>
-              <a:t>and</a:t>
-            </a:r>
-            <a:r>
-              <a:rPr sz="2100" spc="-30" dirty="0">
-                <a:latin typeface="Carlito"/>
-                <a:cs typeface="Carlito"/>
-              </a:rPr>
-              <a:t> </a:t>
-            </a:r>
-            <a:r>
-              <a:rPr sz="2100" spc="-20" dirty="0">
-                <a:latin typeface="Carlito"/>
-                <a:cs typeface="Carlito"/>
-              </a:rPr>
-              <a:t>gate </a:t>
-            </a:r>
-            <a:r>
-              <a:rPr sz="2100" dirty="0">
-                <a:latin typeface="Carlito"/>
-                <a:cs typeface="Carlito"/>
-              </a:rPr>
-              <a:t>propagation</a:t>
-            </a:r>
-            <a:r>
-              <a:rPr sz="2100" spc="-55" dirty="0">
-                <a:latin typeface="Carlito"/>
-                <a:cs typeface="Carlito"/>
-              </a:rPr>
-              <a:t> </a:t>
-            </a:r>
-            <a:r>
-              <a:rPr sz="2100" spc="-10" dirty="0">
-                <a:latin typeface="Carlito"/>
-                <a:cs typeface="Carlito"/>
-              </a:rPr>
-              <a:t>delays</a:t>
-            </a:r>
-            <a:endParaRPr sz="2100">
-              <a:latin typeface="Carlito"/>
-              <a:cs typeface="Carlito"/>
-            </a:endParaRPr>
-          </a:p>
-        </p:txBody>
-      </p:sp>
-      <p:sp>
-        <p:nvSpPr>
-          <p:cNvPr id="4" name="object 4"/>
-          <p:cNvSpPr txBox="1">
-            <a:spLocks noGrp="1"/>
-          </p:cNvSpPr>
-          <p:nvPr>
-            <p:ph sz="half" idx="3"/>
-          </p:nvPr>
-        </p:nvSpPr>
-        <p:spPr>
-          <a:prstGeom prst="rect">
-            <a:avLst/>
-          </a:prstGeom>
-        </p:spPr>
-        <p:txBody>
-          <a:bodyPr vert="horz" wrap="square" lIns="0" tIns="12700" rIns="0" bIns="0" rtlCol="0">
-            <a:spAutoFit/>
-          </a:bodyPr>
-          <a:lstStyle/>
-          <a:p>
-            <a:pPr marL="927735">
-              <a:lnSpc>
-                <a:spcPct val="100000"/>
-              </a:lnSpc>
-              <a:spcBef>
-                <a:spcPts val="100"/>
-              </a:spcBef>
-            </a:pPr>
-            <a:r>
-              <a:rPr spc="-10" dirty="0"/>
-              <a:t>Disadvantages</a:t>
-            </a:r>
-          </a:p>
-          <a:p>
-            <a:pPr>
-              <a:lnSpc>
-                <a:spcPct val="100000"/>
-              </a:lnSpc>
-              <a:spcBef>
-                <a:spcPts val="300"/>
-              </a:spcBef>
-            </a:pPr>
-            <a:endParaRPr spc="-10" dirty="0"/>
-          </a:p>
-          <a:p>
-            <a:pPr marL="305435" indent="-292735">
-              <a:lnSpc>
-                <a:spcPct val="100000"/>
-              </a:lnSpc>
-              <a:buFont typeface="Arial"/>
-              <a:buChar char="•"/>
-              <a:tabLst>
-                <a:tab pos="305435" algn="l"/>
-              </a:tabLst>
-            </a:pPr>
-            <a:r>
-              <a:rPr dirty="0">
-                <a:solidFill>
-                  <a:srgbClr val="000000"/>
-                </a:solidFill>
-              </a:rPr>
-              <a:t>Lower</a:t>
-            </a:r>
-            <a:r>
-              <a:rPr spc="-95" dirty="0">
-                <a:solidFill>
-                  <a:srgbClr val="000000"/>
-                </a:solidFill>
-              </a:rPr>
-              <a:t> </a:t>
-            </a:r>
-            <a:r>
-              <a:rPr spc="-10" dirty="0">
-                <a:solidFill>
-                  <a:srgbClr val="000000"/>
-                </a:solidFill>
-              </a:rPr>
-              <a:t>resolution</a:t>
-            </a:r>
-          </a:p>
-          <a:p>
-            <a:pPr marL="305435" indent="-292735">
-              <a:lnSpc>
-                <a:spcPct val="100000"/>
-              </a:lnSpc>
-              <a:spcBef>
-                <a:spcPts val="180"/>
-              </a:spcBef>
-              <a:buFont typeface="Arial"/>
-              <a:buChar char="•"/>
-              <a:tabLst>
-                <a:tab pos="305435" algn="l"/>
-              </a:tabLst>
-            </a:pPr>
-            <a:r>
-              <a:rPr spc="-10" dirty="0">
-                <a:solidFill>
-                  <a:srgbClr val="000000"/>
-                </a:solidFill>
-              </a:rPr>
-              <a:t>Expensive</a:t>
-            </a:r>
-          </a:p>
-          <a:p>
-            <a:pPr marL="305435" marR="5080" indent="-293370">
-              <a:lnSpc>
-                <a:spcPct val="89000"/>
-              </a:lnSpc>
-              <a:spcBef>
-                <a:spcPts val="525"/>
-              </a:spcBef>
-              <a:buFont typeface="Arial"/>
-              <a:buChar char="•"/>
-              <a:tabLst>
-                <a:tab pos="305435" algn="l"/>
-              </a:tabLst>
-            </a:pPr>
-            <a:r>
-              <a:rPr dirty="0">
-                <a:solidFill>
-                  <a:srgbClr val="000000"/>
-                </a:solidFill>
-              </a:rPr>
-              <a:t>For</a:t>
-            </a:r>
-            <a:r>
-              <a:rPr spc="-35" dirty="0">
-                <a:solidFill>
-                  <a:srgbClr val="000000"/>
-                </a:solidFill>
-              </a:rPr>
-              <a:t> </a:t>
-            </a:r>
-            <a:r>
-              <a:rPr dirty="0">
-                <a:solidFill>
-                  <a:srgbClr val="000000"/>
-                </a:solidFill>
-              </a:rPr>
-              <a:t>each</a:t>
-            </a:r>
-            <a:r>
-              <a:rPr spc="-35" dirty="0">
-                <a:solidFill>
-                  <a:srgbClr val="000000"/>
-                </a:solidFill>
-              </a:rPr>
-              <a:t> </a:t>
-            </a:r>
-            <a:r>
-              <a:rPr spc="-10" dirty="0">
-                <a:solidFill>
-                  <a:srgbClr val="000000"/>
-                </a:solidFill>
-              </a:rPr>
-              <a:t>additional </a:t>
-            </a:r>
-            <a:r>
-              <a:rPr dirty="0">
-                <a:solidFill>
-                  <a:srgbClr val="000000"/>
-                </a:solidFill>
-              </a:rPr>
-              <a:t>output</a:t>
-            </a:r>
-            <a:r>
-              <a:rPr spc="-55" dirty="0">
-                <a:solidFill>
-                  <a:srgbClr val="000000"/>
-                </a:solidFill>
-              </a:rPr>
-              <a:t> </a:t>
-            </a:r>
-            <a:r>
-              <a:rPr dirty="0">
-                <a:solidFill>
-                  <a:srgbClr val="000000"/>
-                </a:solidFill>
-              </a:rPr>
-              <a:t>bit,</a:t>
-            </a:r>
-            <a:r>
-              <a:rPr spc="-50" dirty="0">
-                <a:solidFill>
-                  <a:srgbClr val="000000"/>
-                </a:solidFill>
-              </a:rPr>
-              <a:t> </a:t>
-            </a:r>
-            <a:r>
-              <a:rPr dirty="0">
-                <a:solidFill>
-                  <a:srgbClr val="000000"/>
-                </a:solidFill>
-              </a:rPr>
-              <a:t>the</a:t>
-            </a:r>
-            <a:r>
-              <a:rPr spc="-50" dirty="0">
-                <a:solidFill>
-                  <a:srgbClr val="000000"/>
-                </a:solidFill>
-              </a:rPr>
-              <a:t> </a:t>
-            </a:r>
-            <a:r>
-              <a:rPr dirty="0">
-                <a:solidFill>
-                  <a:srgbClr val="000000"/>
-                </a:solidFill>
-              </a:rPr>
-              <a:t>number</a:t>
-            </a:r>
-            <a:r>
-              <a:rPr spc="-50" dirty="0">
-                <a:solidFill>
-                  <a:srgbClr val="000000"/>
-                </a:solidFill>
-              </a:rPr>
-              <a:t> </a:t>
-            </a:r>
-            <a:r>
-              <a:rPr spc="-35" dirty="0">
-                <a:solidFill>
-                  <a:srgbClr val="000000"/>
-                </a:solidFill>
-              </a:rPr>
-              <a:t>of </a:t>
-            </a:r>
-            <a:r>
-              <a:rPr spc="-10" dirty="0">
-                <a:solidFill>
-                  <a:srgbClr val="000000"/>
-                </a:solidFill>
-              </a:rPr>
-              <a:t>comparators</a:t>
-            </a:r>
-            <a:r>
-              <a:rPr spc="-55" dirty="0">
-                <a:solidFill>
-                  <a:srgbClr val="000000"/>
-                </a:solidFill>
-              </a:rPr>
-              <a:t> </a:t>
-            </a:r>
-            <a:r>
-              <a:rPr dirty="0">
-                <a:solidFill>
-                  <a:srgbClr val="000000"/>
-                </a:solidFill>
-              </a:rPr>
-              <a:t>is</a:t>
-            </a:r>
-            <a:r>
-              <a:rPr spc="-45" dirty="0">
-                <a:solidFill>
-                  <a:srgbClr val="000000"/>
-                </a:solidFill>
-              </a:rPr>
-              <a:t> </a:t>
-            </a:r>
-            <a:r>
-              <a:rPr spc="-10" dirty="0">
-                <a:solidFill>
-                  <a:srgbClr val="000000"/>
-                </a:solidFill>
-              </a:rPr>
-              <a:t>doubled</a:t>
-            </a:r>
-          </a:p>
-          <a:p>
-            <a:pPr marL="1105535" marR="383540" lvl="1" indent="-189230">
-              <a:lnSpc>
-                <a:spcPts val="2280"/>
-              </a:lnSpc>
-              <a:spcBef>
-                <a:spcPts val="415"/>
-              </a:spcBef>
-              <a:buFont typeface="Arial"/>
-              <a:buChar char="•"/>
-              <a:tabLst>
-                <a:tab pos="1105535" algn="l"/>
-              </a:tabLst>
-            </a:pPr>
-            <a:r>
-              <a:rPr sz="2100" dirty="0">
-                <a:latin typeface="Carlito"/>
-                <a:cs typeface="Carlito"/>
-              </a:rPr>
-              <a:t>i.e.</a:t>
-            </a:r>
-            <a:r>
-              <a:rPr sz="2100" spc="-40" dirty="0">
-                <a:latin typeface="Carlito"/>
-                <a:cs typeface="Carlito"/>
-              </a:rPr>
-              <a:t> </a:t>
-            </a:r>
-            <a:r>
-              <a:rPr sz="2100" dirty="0">
-                <a:latin typeface="Carlito"/>
-                <a:cs typeface="Carlito"/>
-              </a:rPr>
-              <a:t>for</a:t>
-            </a:r>
-            <a:r>
-              <a:rPr sz="2100" spc="-40" dirty="0">
-                <a:latin typeface="Carlito"/>
-                <a:cs typeface="Carlito"/>
-              </a:rPr>
-              <a:t> </a:t>
-            </a:r>
-            <a:r>
-              <a:rPr sz="2100" dirty="0">
-                <a:latin typeface="Carlito"/>
-                <a:cs typeface="Carlito"/>
-              </a:rPr>
-              <a:t>8</a:t>
-            </a:r>
-            <a:r>
-              <a:rPr sz="2100" spc="-35" dirty="0">
-                <a:latin typeface="Carlito"/>
-                <a:cs typeface="Carlito"/>
-              </a:rPr>
-              <a:t> </a:t>
-            </a:r>
-            <a:r>
-              <a:rPr sz="2100" dirty="0">
-                <a:latin typeface="Carlito"/>
-                <a:cs typeface="Carlito"/>
-              </a:rPr>
-              <a:t>bits,</a:t>
-            </a:r>
-            <a:r>
-              <a:rPr sz="2100" spc="-40" dirty="0">
-                <a:latin typeface="Carlito"/>
-                <a:cs typeface="Carlito"/>
-              </a:rPr>
-              <a:t> </a:t>
-            </a:r>
-            <a:r>
-              <a:rPr sz="2100" spc="-25" dirty="0">
-                <a:latin typeface="Carlito"/>
-                <a:cs typeface="Carlito"/>
-              </a:rPr>
-              <a:t>256 </a:t>
-            </a:r>
-            <a:r>
-              <a:rPr sz="2100" spc="-10" dirty="0">
-                <a:latin typeface="Carlito"/>
-                <a:cs typeface="Carlito"/>
-              </a:rPr>
-              <a:t>comparators</a:t>
-            </a:r>
-            <a:r>
-              <a:rPr sz="2100" spc="-55" dirty="0">
-                <a:latin typeface="Carlito"/>
-                <a:cs typeface="Carlito"/>
-              </a:rPr>
-              <a:t> </a:t>
-            </a:r>
-            <a:r>
-              <a:rPr sz="2100" spc="-10" dirty="0">
-                <a:latin typeface="Carlito"/>
-                <a:cs typeface="Carlito"/>
-              </a:rPr>
-              <a:t>needed</a:t>
-            </a:r>
-            <a:endParaRPr sz="2100">
-              <a:latin typeface="Carlito"/>
-              <a:cs typeface="Carlito"/>
+              </a:rPr>
+              <a:t>Working of Flash ADC</a:t>
+            </a:r>
+            <a:endParaRPr lang="en-US" b="1" dirty="0">
+              <a:solidFill>
+                <a:srgbClr val="FF0000"/>
+              </a:solidFill>
             </a:endParaRPr>
           </a:p>
         </p:txBody>
       </p:sp>
     </p:spTree>
+    <p:extLst>
+      <p:ext uri="{BB962C8B-B14F-4D97-AF65-F5344CB8AC3E}">
+        <p14:creationId xmlns:p14="http://schemas.microsoft.com/office/powerpoint/2010/main" val="3601114166"/>
+      </p:ext>
+    </p:extLst>
   </p:cSld>
   <p:clrMapOvr>
     <a:masterClrMapping/>
@@ -2472,7 +1646,7 @@
           </a:bodyPr>
           <a:lstStyle/>
           <a:p>
-            <a:pPr marL="2026920">
+            <a:pPr marL="1994535">
               <a:lnSpc>
                 <a:spcPct val="100000"/>
               </a:lnSpc>
@@ -2482,548 +1656,30 @@
             </a:pPr>
             <a:r>
               <a:rPr dirty="0"/>
-              <a:t>Sigma</a:t>
-            </a:r>
-            <a:r>
-              <a:rPr spc="-110" dirty="0"/>
+              <a:t>Flash</a:t>
+            </a:r>
+            <a:r>
+              <a:rPr spc="-105" dirty="0"/>
               <a:t> </a:t>
             </a:r>
             <a:r>
               <a:rPr dirty="0"/>
-              <a:t>Delta</a:t>
+              <a:t>ADC</a:t>
             </a:r>
             <a:r>
               <a:rPr spc="-105" dirty="0"/>
               <a:t> </a:t>
             </a:r>
             <a:r>
-              <a:rPr spc="-25" dirty="0"/>
-              <a:t>ADC</a:t>
-            </a:r>
-          </a:p>
-        </p:txBody>
-      </p:sp>
-      <p:sp>
-        <p:nvSpPr>
-          <p:cNvPr id="3" name="object 3"/>
-          <p:cNvSpPr txBox="1"/>
-          <p:nvPr/>
-        </p:nvSpPr>
-        <p:spPr>
-          <a:xfrm>
-            <a:off x="554356" y="1731450"/>
-            <a:ext cx="3849370" cy="3822065"/>
-          </a:xfrm>
-          <a:prstGeom prst="rect">
-            <a:avLst/>
-          </a:prstGeom>
-        </p:spPr>
-        <p:txBody>
-          <a:bodyPr vert="horz" wrap="square" lIns="0" tIns="8255" rIns="0" bIns="0" rtlCol="0">
-            <a:spAutoFit/>
-          </a:bodyPr>
-          <a:lstStyle/>
-          <a:p>
-            <a:pPr marL="330835" marR="30480" indent="-293370">
-              <a:lnSpc>
-                <a:spcPct val="101000"/>
-              </a:lnSpc>
-              <a:spcBef>
-                <a:spcPts val="65"/>
-              </a:spcBef>
-              <a:buFont typeface="Arial"/>
-              <a:buChar char="•"/>
-              <a:tabLst>
-                <a:tab pos="330835" algn="l"/>
-              </a:tabLst>
-            </a:pPr>
-            <a:r>
-              <a:rPr sz="2600" dirty="0">
-                <a:latin typeface="Carlito"/>
-                <a:cs typeface="Carlito"/>
-              </a:rPr>
-              <a:t>Over</a:t>
-            </a:r>
-            <a:r>
-              <a:rPr sz="2600" spc="-45" dirty="0">
-                <a:latin typeface="Carlito"/>
-                <a:cs typeface="Carlito"/>
-              </a:rPr>
-              <a:t> </a:t>
-            </a:r>
-            <a:r>
-              <a:rPr sz="2600" dirty="0">
-                <a:latin typeface="Carlito"/>
-                <a:cs typeface="Carlito"/>
-              </a:rPr>
-              <a:t>sampled</a:t>
-            </a:r>
-            <a:r>
-              <a:rPr sz="2600" spc="-45" dirty="0">
-                <a:latin typeface="Carlito"/>
-                <a:cs typeface="Carlito"/>
-              </a:rPr>
-              <a:t> </a:t>
-            </a:r>
-            <a:r>
-              <a:rPr sz="2600" dirty="0">
-                <a:latin typeface="Carlito"/>
-                <a:cs typeface="Carlito"/>
-              </a:rPr>
-              <a:t>input</a:t>
-            </a:r>
-            <a:r>
-              <a:rPr sz="2600" spc="-45" dirty="0">
-                <a:latin typeface="Carlito"/>
-                <a:cs typeface="Carlito"/>
-              </a:rPr>
-              <a:t> </a:t>
-            </a:r>
-            <a:r>
-              <a:rPr sz="2600" spc="-10" dirty="0">
-                <a:latin typeface="Carlito"/>
-                <a:cs typeface="Carlito"/>
-              </a:rPr>
-              <a:t>signal </a:t>
-            </a:r>
-            <a:r>
-              <a:rPr sz="2600" dirty="0">
-                <a:latin typeface="Carlito"/>
-                <a:cs typeface="Carlito"/>
-              </a:rPr>
-              <a:t>goes</a:t>
-            </a:r>
-            <a:r>
-              <a:rPr sz="2600" spc="-25" dirty="0">
-                <a:latin typeface="Carlito"/>
-                <a:cs typeface="Carlito"/>
-              </a:rPr>
-              <a:t> </a:t>
-            </a:r>
-            <a:r>
-              <a:rPr sz="2600" dirty="0">
-                <a:latin typeface="Carlito"/>
-                <a:cs typeface="Carlito"/>
-              </a:rPr>
-              <a:t>to</a:t>
-            </a:r>
-            <a:r>
-              <a:rPr sz="2600" spc="-20" dirty="0">
-                <a:latin typeface="Carlito"/>
-                <a:cs typeface="Carlito"/>
-              </a:rPr>
-              <a:t> </a:t>
-            </a:r>
-            <a:r>
-              <a:rPr sz="2600" dirty="0">
-                <a:latin typeface="Carlito"/>
-                <a:cs typeface="Carlito"/>
-              </a:rPr>
-              <a:t>the</a:t>
-            </a:r>
-            <a:r>
-              <a:rPr sz="2600" spc="-25" dirty="0">
-                <a:latin typeface="Carlito"/>
-                <a:cs typeface="Carlito"/>
-              </a:rPr>
-              <a:t> </a:t>
-            </a:r>
-            <a:r>
-              <a:rPr sz="2600" spc="-10" dirty="0">
-                <a:latin typeface="Carlito"/>
-                <a:cs typeface="Carlito"/>
-              </a:rPr>
-              <a:t>integrator</a:t>
-            </a:r>
-            <a:endParaRPr sz="2600">
-              <a:latin typeface="Carlito"/>
-              <a:cs typeface="Carlito"/>
-            </a:endParaRPr>
-          </a:p>
-          <a:p>
-            <a:pPr marL="330835" marR="362585" indent="-293370">
-              <a:lnSpc>
-                <a:spcPct val="101099"/>
-              </a:lnSpc>
-              <a:spcBef>
-                <a:spcPts val="520"/>
-              </a:spcBef>
-              <a:buFont typeface="Arial"/>
-              <a:buChar char="•"/>
-              <a:tabLst>
-                <a:tab pos="330835" algn="l"/>
-              </a:tabLst>
-            </a:pPr>
-            <a:r>
-              <a:rPr sz="2600" dirty="0">
-                <a:latin typeface="Carlito"/>
-                <a:cs typeface="Carlito"/>
-              </a:rPr>
-              <a:t>Output</a:t>
-            </a:r>
-            <a:r>
-              <a:rPr sz="2600" spc="-60" dirty="0">
-                <a:latin typeface="Carlito"/>
-                <a:cs typeface="Carlito"/>
-              </a:rPr>
-              <a:t> </a:t>
-            </a:r>
-            <a:r>
-              <a:rPr sz="2600" dirty="0">
-                <a:latin typeface="Carlito"/>
-                <a:cs typeface="Carlito"/>
-              </a:rPr>
-              <a:t>of</a:t>
-            </a:r>
-            <a:r>
-              <a:rPr sz="2600" spc="-60" dirty="0">
-                <a:latin typeface="Carlito"/>
-                <a:cs typeface="Carlito"/>
-              </a:rPr>
-              <a:t> </a:t>
-            </a:r>
-            <a:r>
-              <a:rPr sz="2600" spc="-10" dirty="0">
-                <a:latin typeface="Carlito"/>
-                <a:cs typeface="Carlito"/>
-              </a:rPr>
-              <a:t>integration</a:t>
-            </a:r>
-            <a:r>
-              <a:rPr sz="2600" spc="-60" dirty="0">
-                <a:latin typeface="Carlito"/>
-                <a:cs typeface="Carlito"/>
-              </a:rPr>
-              <a:t> </a:t>
-            </a:r>
-            <a:r>
-              <a:rPr sz="2600" spc="-25" dirty="0">
-                <a:latin typeface="Carlito"/>
-                <a:cs typeface="Carlito"/>
-              </a:rPr>
-              <a:t>is </a:t>
-            </a:r>
-            <a:r>
-              <a:rPr sz="2600" dirty="0">
-                <a:latin typeface="Carlito"/>
-                <a:cs typeface="Carlito"/>
-              </a:rPr>
-              <a:t>compared</a:t>
-            </a:r>
-            <a:r>
-              <a:rPr sz="2600" spc="-40" dirty="0">
-                <a:latin typeface="Carlito"/>
-                <a:cs typeface="Carlito"/>
-              </a:rPr>
-              <a:t> </a:t>
-            </a:r>
-            <a:r>
-              <a:rPr sz="2600" dirty="0">
-                <a:latin typeface="Carlito"/>
-                <a:cs typeface="Carlito"/>
-              </a:rPr>
-              <a:t>to</a:t>
-            </a:r>
-            <a:r>
-              <a:rPr sz="2600" spc="-35" dirty="0">
-                <a:latin typeface="Carlito"/>
-                <a:cs typeface="Carlito"/>
-              </a:rPr>
-              <a:t> </a:t>
-            </a:r>
-            <a:r>
-              <a:rPr sz="2600" spc="-25" dirty="0">
-                <a:latin typeface="Carlito"/>
-                <a:cs typeface="Carlito"/>
-              </a:rPr>
-              <a:t>GND</a:t>
-            </a:r>
-            <a:endParaRPr sz="2600">
-              <a:latin typeface="Carlito"/>
-              <a:cs typeface="Carlito"/>
-            </a:endParaRPr>
-          </a:p>
-          <a:p>
-            <a:pPr marL="330835" marR="695960" indent="-293370">
-              <a:lnSpc>
-                <a:spcPct val="101099"/>
-              </a:lnSpc>
-              <a:spcBef>
-                <a:spcPts val="515"/>
-              </a:spcBef>
-              <a:buFont typeface="Arial"/>
-              <a:buChar char="•"/>
-              <a:tabLst>
-                <a:tab pos="330835" algn="l"/>
-              </a:tabLst>
-            </a:pPr>
-            <a:r>
-              <a:rPr sz="2600" dirty="0">
-                <a:latin typeface="Carlito"/>
-                <a:cs typeface="Carlito"/>
-              </a:rPr>
-              <a:t>Iterates</a:t>
-            </a:r>
-            <a:r>
-              <a:rPr sz="2600" spc="-40" dirty="0">
-                <a:latin typeface="Carlito"/>
-                <a:cs typeface="Carlito"/>
-              </a:rPr>
-              <a:t> </a:t>
-            </a:r>
-            <a:r>
-              <a:rPr sz="2600" dirty="0">
-                <a:latin typeface="Carlito"/>
-                <a:cs typeface="Carlito"/>
-              </a:rPr>
-              <a:t>to</a:t>
-            </a:r>
-            <a:r>
-              <a:rPr sz="2600" spc="-35" dirty="0">
-                <a:latin typeface="Carlito"/>
-                <a:cs typeface="Carlito"/>
-              </a:rPr>
-              <a:t> </a:t>
-            </a:r>
-            <a:r>
-              <a:rPr sz="2600" dirty="0">
-                <a:latin typeface="Carlito"/>
-                <a:cs typeface="Carlito"/>
-              </a:rPr>
-              <a:t>produce</a:t>
-            </a:r>
-            <a:r>
-              <a:rPr sz="2600" spc="-35" dirty="0">
-                <a:latin typeface="Carlito"/>
-                <a:cs typeface="Carlito"/>
-              </a:rPr>
-              <a:t> </a:t>
-            </a:r>
-            <a:r>
-              <a:rPr sz="2600" spc="-50" dirty="0">
-                <a:latin typeface="Carlito"/>
-                <a:cs typeface="Carlito"/>
-              </a:rPr>
-              <a:t>a </a:t>
-            </a:r>
-            <a:r>
-              <a:rPr sz="2600" dirty="0">
-                <a:latin typeface="Carlito"/>
-                <a:cs typeface="Carlito"/>
-              </a:rPr>
-              <a:t>serial</a:t>
-            </a:r>
-            <a:r>
-              <a:rPr sz="2600" spc="-65" dirty="0">
-                <a:latin typeface="Carlito"/>
-                <a:cs typeface="Carlito"/>
-              </a:rPr>
-              <a:t> </a:t>
-            </a:r>
-            <a:r>
-              <a:rPr sz="2600" dirty="0">
-                <a:latin typeface="Carlito"/>
-                <a:cs typeface="Carlito"/>
-              </a:rPr>
-              <a:t>bit</a:t>
-            </a:r>
-            <a:r>
-              <a:rPr sz="2600" spc="-65" dirty="0">
-                <a:latin typeface="Carlito"/>
-                <a:cs typeface="Carlito"/>
-              </a:rPr>
-              <a:t> </a:t>
-            </a:r>
-            <a:r>
-              <a:rPr sz="2600" spc="-10" dirty="0">
-                <a:latin typeface="Carlito"/>
-                <a:cs typeface="Carlito"/>
-              </a:rPr>
-              <a:t>stream</a:t>
-            </a:r>
-            <a:endParaRPr sz="2600">
-              <a:latin typeface="Carlito"/>
-              <a:cs typeface="Carlito"/>
-            </a:endParaRPr>
-          </a:p>
-          <a:p>
-            <a:pPr marL="330835" marR="32384" indent="-293370" algn="just">
-              <a:lnSpc>
-                <a:spcPct val="101000"/>
-              </a:lnSpc>
-              <a:spcBef>
-                <a:spcPts val="515"/>
-              </a:spcBef>
-              <a:buFont typeface="Arial"/>
-              <a:buChar char="•"/>
-              <a:tabLst>
-                <a:tab pos="330835" algn="l"/>
-              </a:tabLst>
-            </a:pPr>
-            <a:r>
-              <a:rPr sz="2600" dirty="0">
-                <a:latin typeface="Carlito"/>
-                <a:cs typeface="Carlito"/>
-              </a:rPr>
-              <a:t>Output</a:t>
-            </a:r>
-            <a:r>
-              <a:rPr sz="2600" spc="-65" dirty="0">
-                <a:latin typeface="Carlito"/>
-                <a:cs typeface="Carlito"/>
-              </a:rPr>
-              <a:t> </a:t>
-            </a:r>
-            <a:r>
-              <a:rPr sz="2600" dirty="0">
-                <a:latin typeface="Carlito"/>
-                <a:cs typeface="Carlito"/>
-              </a:rPr>
-              <a:t>is</a:t>
-            </a:r>
-            <a:r>
-              <a:rPr sz="2600" spc="-60" dirty="0">
-                <a:latin typeface="Carlito"/>
-                <a:cs typeface="Carlito"/>
-              </a:rPr>
-              <a:t> </a:t>
-            </a:r>
-            <a:r>
-              <a:rPr sz="2600" dirty="0">
-                <a:latin typeface="Carlito"/>
-                <a:cs typeface="Carlito"/>
-              </a:rPr>
-              <a:t>serial</a:t>
-            </a:r>
-            <a:r>
-              <a:rPr sz="2600" spc="-60" dirty="0">
-                <a:latin typeface="Carlito"/>
-                <a:cs typeface="Carlito"/>
-              </a:rPr>
-              <a:t> </a:t>
-            </a:r>
-            <a:r>
-              <a:rPr sz="2600" dirty="0">
-                <a:latin typeface="Carlito"/>
-                <a:cs typeface="Carlito"/>
-              </a:rPr>
-              <a:t>bit</a:t>
-            </a:r>
-            <a:r>
-              <a:rPr sz="2600" spc="-65" dirty="0">
-                <a:latin typeface="Carlito"/>
-                <a:cs typeface="Carlito"/>
-              </a:rPr>
-              <a:t> </a:t>
-            </a:r>
-            <a:r>
-              <a:rPr sz="2600" spc="-10" dirty="0">
-                <a:latin typeface="Carlito"/>
-                <a:cs typeface="Carlito"/>
-              </a:rPr>
-              <a:t>stream </a:t>
-            </a:r>
-            <a:r>
-              <a:rPr sz="2600" dirty="0">
-                <a:latin typeface="Carlito"/>
-                <a:cs typeface="Carlito"/>
-              </a:rPr>
-              <a:t>with</a:t>
-            </a:r>
-            <a:r>
-              <a:rPr sz="2600" spc="-30" dirty="0">
-                <a:latin typeface="Carlito"/>
-                <a:cs typeface="Carlito"/>
-              </a:rPr>
-              <a:t> </a:t>
-            </a:r>
-            <a:r>
-              <a:rPr sz="2600" dirty="0">
-                <a:latin typeface="Carlito"/>
-                <a:cs typeface="Carlito"/>
-              </a:rPr>
-              <a:t>#</a:t>
-            </a:r>
-            <a:r>
-              <a:rPr sz="2600" spc="-25" dirty="0">
-                <a:latin typeface="Carlito"/>
-                <a:cs typeface="Carlito"/>
-              </a:rPr>
-              <a:t> </a:t>
-            </a:r>
-            <a:r>
-              <a:rPr sz="2600" dirty="0">
-                <a:latin typeface="Carlito"/>
-                <a:cs typeface="Carlito"/>
-              </a:rPr>
-              <a:t>of</a:t>
-            </a:r>
-            <a:r>
-              <a:rPr sz="2600" spc="-30" dirty="0">
-                <a:latin typeface="Carlito"/>
-                <a:cs typeface="Carlito"/>
-              </a:rPr>
-              <a:t> </a:t>
-            </a:r>
-            <a:r>
-              <a:rPr sz="2600" dirty="0">
-                <a:latin typeface="Carlito"/>
-                <a:cs typeface="Carlito"/>
-              </a:rPr>
-              <a:t>1’s</a:t>
-            </a:r>
-            <a:r>
-              <a:rPr sz="2600" spc="-25" dirty="0">
-                <a:latin typeface="Carlito"/>
-                <a:cs typeface="Carlito"/>
-              </a:rPr>
-              <a:t> </a:t>
-            </a:r>
-            <a:r>
-              <a:rPr sz="2600" spc="-10" dirty="0">
-                <a:latin typeface="Carlito"/>
-                <a:cs typeface="Carlito"/>
-              </a:rPr>
-              <a:t>proportional </a:t>
-            </a:r>
-            <a:r>
-              <a:rPr sz="2600" dirty="0">
-                <a:latin typeface="Carlito"/>
-                <a:cs typeface="Carlito"/>
-              </a:rPr>
-              <a:t>to</a:t>
-            </a:r>
-            <a:r>
-              <a:rPr sz="2600" spc="-35" dirty="0">
-                <a:latin typeface="Carlito"/>
-                <a:cs typeface="Carlito"/>
-              </a:rPr>
-              <a:t> </a:t>
-            </a:r>
-            <a:r>
-              <a:rPr sz="2600" spc="-25" dirty="0">
-                <a:latin typeface="Carlito"/>
-                <a:cs typeface="Carlito"/>
-              </a:rPr>
-              <a:t>V</a:t>
-            </a:r>
-            <a:r>
-              <a:rPr sz="2550" spc="-37" baseline="-31045" dirty="0">
-                <a:latin typeface="Carlito"/>
-                <a:cs typeface="Carlito"/>
-              </a:rPr>
-              <a:t>in</a:t>
-            </a:r>
-            <a:endParaRPr sz="2550" baseline="-31045">
-              <a:latin typeface="Carlito"/>
-              <a:cs typeface="Carlito"/>
-            </a:endParaRPr>
+              <a:rPr spc="-10" dirty="0"/>
+              <a:t>Circuit</a:t>
+            </a:r>
           </a:p>
         </p:txBody>
       </p:sp>
       <p:pic>
         <p:nvPicPr>
-          <p:cNvPr id="4" name="object 4"/>
+          <p:cNvPr id="3" name="object 3"/>
           <p:cNvPicPr/>
           <p:nvPr/>
         </p:nvPicPr>
@@ -3035,8 +1691,8 @@
         </p:blipFill>
         <p:spPr>
           <a:xfrm>
-            <a:off x="4648190" y="2611419"/>
-            <a:ext cx="4038591" cy="2618281"/>
+            <a:off x="2809869" y="1733546"/>
+            <a:ext cx="3505192" cy="4343391"/>
           </a:xfrm>
           <a:prstGeom prst="rect">
             <a:avLst/>
@@ -3089,7 +1745,7 @@
           </a:bodyPr>
           <a:lstStyle/>
           <a:p>
-            <a:pPr marL="2550160">
+            <a:pPr marL="2560955">
               <a:lnSpc>
                 <a:spcPct val="100000"/>
               </a:lnSpc>
@@ -3098,296 +1754,42 @@
               </a:spcBef>
             </a:pPr>
             <a:r>
-              <a:rPr spc="-30" dirty="0"/>
-              <a:t>Sigma-</a:t>
+              <a:rPr dirty="0"/>
+              <a:t>ADC</a:t>
+            </a:r>
+            <a:r>
+              <a:rPr spc="-95" dirty="0"/>
+              <a:t> </a:t>
             </a:r>
             <a:r>
               <a:rPr spc="-10" dirty="0"/>
-              <a:t>Delta</a:t>
+              <a:t>Output</a:t>
             </a:r>
           </a:p>
         </p:txBody>
       </p:sp>
-      <p:sp>
-        <p:nvSpPr>
+      <p:pic>
+        <p:nvPicPr>
           <p:cNvPr id="3" name="object 3"/>
-          <p:cNvSpPr txBox="1"/>
+          <p:cNvPicPr/>
           <p:nvPr/>
-        </p:nvSpPr>
+        </p:nvPicPr>
+        <p:blipFill>
+          <a:blip r:embed="rId2" cstate="print"/>
+          <a:stretch>
+            <a:fillRect/>
+          </a:stretch>
+        </p:blipFill>
         <p:spPr>
           <a:xfrm>
-            <a:off x="579756" y="1731450"/>
-            <a:ext cx="7970520" cy="2688590"/>
+            <a:off x="2081208" y="2605069"/>
+            <a:ext cx="4952977" cy="2590794"/>
           </a:xfrm>
           <a:prstGeom prst="rect">
             <a:avLst/>
           </a:prstGeom>
         </p:spPr>
-        <p:txBody>
-          <a:bodyPr vert="horz" wrap="square" lIns="0" tIns="12700" rIns="0" bIns="0" rtlCol="0">
-            <a:spAutoFit/>
-          </a:bodyPr>
-          <a:lstStyle/>
-          <a:p>
-            <a:pPr marL="201295" algn="ctr">
-              <a:lnSpc>
-                <a:spcPct val="100000"/>
-              </a:lnSpc>
-              <a:spcBef>
-                <a:spcPts val="100"/>
-              </a:spcBef>
-              <a:tabLst>
-                <a:tab pos="4204970" algn="l"/>
-              </a:tabLst>
-            </a:pPr>
-            <a:r>
-              <a:rPr sz="2600" spc="-10" dirty="0">
-                <a:solidFill>
-                  <a:srgbClr val="BF4F4D"/>
-                </a:solidFill>
-                <a:latin typeface="Carlito"/>
-                <a:cs typeface="Carlito"/>
-              </a:rPr>
-              <a:t>Advantages</a:t>
-            </a:r>
-            <a:r>
-              <a:rPr sz="2600" dirty="0">
-                <a:solidFill>
-                  <a:srgbClr val="BF4F4D"/>
-                </a:solidFill>
-                <a:latin typeface="Carlito"/>
-                <a:cs typeface="Carlito"/>
-              </a:rPr>
-              <a:t>	</a:t>
-            </a:r>
-            <a:r>
-              <a:rPr sz="2600" spc="-10" dirty="0">
-                <a:solidFill>
-                  <a:srgbClr val="4F80BC"/>
-                </a:solidFill>
-                <a:latin typeface="Carlito"/>
-                <a:cs typeface="Carlito"/>
-              </a:rPr>
-              <a:t>Disadvantages</a:t>
-            </a:r>
-            <a:endParaRPr sz="2600">
-              <a:latin typeface="Carlito"/>
-              <a:cs typeface="Carlito"/>
-            </a:endParaRPr>
-          </a:p>
-          <a:p>
-            <a:pPr>
-              <a:lnSpc>
-                <a:spcPct val="100000"/>
-              </a:lnSpc>
-              <a:spcBef>
-                <a:spcPts val="1050"/>
-              </a:spcBef>
-            </a:pPr>
-            <a:endParaRPr sz="2600">
-              <a:latin typeface="Carlito"/>
-              <a:cs typeface="Carlito"/>
-            </a:endParaRPr>
-          </a:p>
-          <a:p>
-            <a:pPr marL="305435" indent="-292735">
-              <a:lnSpc>
-                <a:spcPct val="100000"/>
-              </a:lnSpc>
-              <a:buFont typeface="Arial"/>
-              <a:buChar char="•"/>
-              <a:tabLst>
-                <a:tab pos="305435" algn="l"/>
-                <a:tab pos="4203065" algn="l"/>
-                <a:tab pos="4496435" algn="l"/>
-              </a:tabLst>
-            </a:pPr>
-            <a:r>
-              <a:rPr sz="2600" dirty="0">
-                <a:latin typeface="Carlito"/>
-                <a:cs typeface="Carlito"/>
-              </a:rPr>
-              <a:t>High</a:t>
-            </a:r>
-            <a:r>
-              <a:rPr sz="2600" spc="-70" dirty="0">
-                <a:latin typeface="Carlito"/>
-                <a:cs typeface="Carlito"/>
-              </a:rPr>
-              <a:t> </a:t>
-            </a:r>
-            <a:r>
-              <a:rPr sz="2600" spc="-10" dirty="0">
-                <a:latin typeface="Carlito"/>
-                <a:cs typeface="Carlito"/>
-              </a:rPr>
-              <a:t>resolution</a:t>
-            </a:r>
-            <a:r>
-              <a:rPr sz="2600" dirty="0">
-                <a:latin typeface="Carlito"/>
-                <a:cs typeface="Carlito"/>
-              </a:rPr>
-              <a:t>	</a:t>
-            </a:r>
-            <a:r>
-              <a:rPr sz="2600" spc="-50" dirty="0">
-                <a:latin typeface="Arial"/>
-                <a:cs typeface="Arial"/>
-              </a:rPr>
-              <a:t>•</a:t>
-            </a:r>
-            <a:r>
-              <a:rPr sz="2600" dirty="0">
-                <a:latin typeface="Arial"/>
-                <a:cs typeface="Arial"/>
-              </a:rPr>
-              <a:t>	</a:t>
-            </a:r>
-            <a:r>
-              <a:rPr sz="2600" dirty="0">
-                <a:latin typeface="Carlito"/>
-                <a:cs typeface="Carlito"/>
-              </a:rPr>
-              <a:t>Slow</a:t>
-            </a:r>
-            <a:r>
-              <a:rPr sz="2600" spc="-40" dirty="0">
-                <a:latin typeface="Carlito"/>
-                <a:cs typeface="Carlito"/>
-              </a:rPr>
-              <a:t> </a:t>
-            </a:r>
-            <a:r>
-              <a:rPr sz="2600" dirty="0">
-                <a:latin typeface="Carlito"/>
-                <a:cs typeface="Carlito"/>
-              </a:rPr>
-              <a:t>due</a:t>
-            </a:r>
-            <a:r>
-              <a:rPr sz="2600" spc="-40" dirty="0">
-                <a:latin typeface="Carlito"/>
-                <a:cs typeface="Carlito"/>
-              </a:rPr>
-              <a:t> </a:t>
-            </a:r>
-            <a:r>
-              <a:rPr sz="2600" dirty="0">
-                <a:latin typeface="Carlito"/>
-                <a:cs typeface="Carlito"/>
-              </a:rPr>
-              <a:t>to</a:t>
-            </a:r>
-            <a:r>
-              <a:rPr sz="2600" spc="-40" dirty="0">
-                <a:latin typeface="Carlito"/>
-                <a:cs typeface="Carlito"/>
-              </a:rPr>
-              <a:t> </a:t>
-            </a:r>
-            <a:r>
-              <a:rPr sz="2600" spc="-10" dirty="0">
-                <a:latin typeface="Carlito"/>
-                <a:cs typeface="Carlito"/>
-              </a:rPr>
-              <a:t>oversampling</a:t>
-            </a:r>
-            <a:endParaRPr sz="2600">
-              <a:latin typeface="Carlito"/>
-              <a:cs typeface="Carlito"/>
-            </a:endParaRPr>
-          </a:p>
-          <a:p>
-            <a:pPr>
-              <a:lnSpc>
-                <a:spcPct val="100000"/>
-              </a:lnSpc>
-              <a:spcBef>
-                <a:spcPts val="1019"/>
-              </a:spcBef>
-              <a:buFont typeface="Arial"/>
-              <a:buChar char="•"/>
-            </a:pPr>
-            <a:endParaRPr sz="2600">
-              <a:latin typeface="Carlito"/>
-              <a:cs typeface="Carlito"/>
-            </a:endParaRPr>
-          </a:p>
-          <a:p>
-            <a:pPr marL="305435" marR="4796790" indent="-293370">
-              <a:lnSpc>
-                <a:spcPct val="101099"/>
-              </a:lnSpc>
-              <a:buFont typeface="Arial"/>
-              <a:buChar char="•"/>
-              <a:tabLst>
-                <a:tab pos="305435" algn="l"/>
-              </a:tabLst>
-            </a:pPr>
-            <a:r>
-              <a:rPr sz="2600" dirty="0">
-                <a:latin typeface="Carlito"/>
-                <a:cs typeface="Carlito"/>
-              </a:rPr>
-              <a:t>No</a:t>
-            </a:r>
-            <a:r>
-              <a:rPr sz="2600" spc="-45" dirty="0">
-                <a:latin typeface="Carlito"/>
-                <a:cs typeface="Carlito"/>
-              </a:rPr>
-              <a:t> </a:t>
-            </a:r>
-            <a:r>
-              <a:rPr sz="2600" dirty="0">
-                <a:latin typeface="Carlito"/>
-                <a:cs typeface="Carlito"/>
-              </a:rPr>
-              <a:t>precision</a:t>
-            </a:r>
-            <a:r>
-              <a:rPr sz="2600" spc="-45" dirty="0">
-                <a:latin typeface="Carlito"/>
-                <a:cs typeface="Carlito"/>
-              </a:rPr>
-              <a:t> </a:t>
-            </a:r>
-            <a:r>
-              <a:rPr sz="2600" spc="-10" dirty="0">
-                <a:latin typeface="Carlito"/>
-                <a:cs typeface="Carlito"/>
-              </a:rPr>
-              <a:t>external </a:t>
-            </a:r>
-            <a:r>
-              <a:rPr sz="2600" dirty="0">
-                <a:latin typeface="Carlito"/>
-                <a:cs typeface="Carlito"/>
-              </a:rPr>
-              <a:t>components</a:t>
-            </a:r>
-            <a:r>
-              <a:rPr sz="2600" spc="-50" dirty="0">
-                <a:latin typeface="Carlito"/>
-                <a:cs typeface="Carlito"/>
-              </a:rPr>
-              <a:t> </a:t>
-            </a:r>
-            <a:r>
-              <a:rPr sz="2600" spc="-10" dirty="0">
-                <a:latin typeface="Carlito"/>
-                <a:cs typeface="Carlito"/>
-              </a:rPr>
-              <a:t>needed</a:t>
-            </a:r>
-            <a:endParaRPr sz="2600">
-              <a:latin typeface="Carlito"/>
-              <a:cs typeface="Carlito"/>
-            </a:endParaRPr>
-          </a:p>
-        </p:txBody>
-      </p:sp>
+      </p:pic>
     </p:spTree>
   </p:cSld>
   <p:clrMapOvr>
@@ -3434,7 +1836,7 @@
           </a:bodyPr>
           <a:lstStyle/>
           <a:p>
-            <a:pPr marL="1515110">
+            <a:pPr marL="3336290">
               <a:lnSpc>
                 <a:spcPct val="100000"/>
               </a:lnSpc>
@@ -3443,24 +1845,8 @@
               </a:spcBef>
             </a:pPr>
             <a:r>
-              <a:rPr dirty="0"/>
-              <a:t>Dual</a:t>
-            </a:r>
-            <a:r>
-              <a:rPr spc="-114" dirty="0"/>
-              <a:t> </a:t>
-            </a:r>
-            <a:r>
-              <a:rPr dirty="0"/>
-              <a:t>Slope</a:t>
-            </a:r>
-            <a:r>
-              <a:rPr spc="-114" dirty="0"/>
-              <a:t> </a:t>
-            </a:r>
-            <a:r>
               <a:rPr spc="-10" dirty="0"/>
-              <a:t>Converter</a:t>
+              <a:t>Flash</a:t>
             </a:r>
           </a:p>
         </p:txBody>
@@ -3473,7 +1859,1988 @@
         </p:nvSpPr>
         <p:spPr>
           <a:xfrm>
-            <a:off x="591179" y="1531311"/>
+            <a:off x="579756" y="1677527"/>
+            <a:ext cx="4144644" cy="3102772"/>
+          </a:xfrm>
+          <a:prstGeom prst="rect">
+            <a:avLst/>
+          </a:prstGeom>
+        </p:spPr>
+        <p:txBody>
+          <a:bodyPr vert="horz" wrap="square" lIns="0" tIns="34925" rIns="0" bIns="0" rtlCol="0">
+            <a:spAutoFit/>
+          </a:bodyPr>
+          <a:lstStyle/>
+          <a:p>
+            <a:pPr marL="1115060">
+              <a:lnSpc>
+                <a:spcPct val="100000"/>
+              </a:lnSpc>
+              <a:spcBef>
+                <a:spcPts val="275"/>
+              </a:spcBef>
+            </a:pPr>
+            <a:r>
+              <a:rPr sz="2600" spc="-10" dirty="0" smtClean="0">
+                <a:solidFill>
+                  <a:srgbClr val="BF4F4D"/>
+                </a:solidFill>
+                <a:latin typeface="Carlito"/>
+                <a:cs typeface="Carlito"/>
+              </a:rPr>
+              <a:t>Advantages</a:t>
+            </a:r>
+            <a:endParaRPr lang="en-US" sz="2600" dirty="0" smtClean="0">
+              <a:latin typeface="Carlito"/>
+              <a:cs typeface="Carlito"/>
+            </a:endParaRPr>
+          </a:p>
+          <a:p>
+            <a:pPr marL="305435" marR="734695" indent="-293370">
+              <a:lnSpc>
+                <a:spcPts val="2780"/>
+              </a:lnSpc>
+              <a:spcBef>
+                <a:spcPts val="550"/>
+              </a:spcBef>
+              <a:buFont typeface="Arial"/>
+              <a:buChar char="•"/>
+              <a:tabLst>
+                <a:tab pos="305435" algn="l"/>
+              </a:tabLst>
+            </a:pPr>
+            <a:r>
+              <a:rPr sz="1600" b="1" dirty="0" smtClean="0">
+                <a:latin typeface="Carlito"/>
+                <a:cs typeface="Carlito"/>
+              </a:rPr>
+              <a:t>Simplest</a:t>
+            </a:r>
+            <a:r>
+              <a:rPr sz="1600" spc="-25" dirty="0" smtClean="0">
+                <a:latin typeface="Carlito"/>
+                <a:cs typeface="Carlito"/>
+              </a:rPr>
+              <a:t> </a:t>
+            </a:r>
+            <a:r>
+              <a:rPr sz="1600" dirty="0">
+                <a:latin typeface="Carlito"/>
+                <a:cs typeface="Carlito"/>
+              </a:rPr>
+              <a:t>in</a:t>
+            </a:r>
+            <a:r>
+              <a:rPr sz="1600" spc="-25" dirty="0">
+                <a:latin typeface="Carlito"/>
+                <a:cs typeface="Carlito"/>
+              </a:rPr>
+              <a:t> </a:t>
+            </a:r>
+            <a:r>
+              <a:rPr sz="1600" dirty="0">
+                <a:latin typeface="Carlito"/>
+                <a:cs typeface="Carlito"/>
+              </a:rPr>
+              <a:t>terms</a:t>
+            </a:r>
+            <a:r>
+              <a:rPr sz="1600" spc="-25" dirty="0">
+                <a:latin typeface="Carlito"/>
+                <a:cs typeface="Carlito"/>
+              </a:rPr>
+              <a:t> of </a:t>
+            </a:r>
+            <a:r>
+              <a:rPr sz="1600" spc="-10" dirty="0">
+                <a:latin typeface="Carlito"/>
+                <a:cs typeface="Carlito"/>
+              </a:rPr>
+              <a:t>operational</a:t>
+            </a:r>
+            <a:r>
+              <a:rPr sz="1600" spc="-70" dirty="0">
+                <a:latin typeface="Carlito"/>
+                <a:cs typeface="Carlito"/>
+              </a:rPr>
+              <a:t> </a:t>
+            </a:r>
+            <a:r>
+              <a:rPr sz="1600" spc="-10" dirty="0" smtClean="0">
+                <a:latin typeface="Carlito"/>
+                <a:cs typeface="Carlito"/>
+              </a:rPr>
+              <a:t>theory</a:t>
+            </a:r>
+            <a:endParaRPr lang="en-US" sz="1600" dirty="0">
+              <a:latin typeface="Carlito"/>
+              <a:cs typeface="Carlito"/>
+            </a:endParaRPr>
+          </a:p>
+          <a:p>
+            <a:pPr marL="305435" marR="734695" indent="-293370">
+              <a:lnSpc>
+                <a:spcPts val="2780"/>
+              </a:lnSpc>
+              <a:spcBef>
+                <a:spcPts val="550"/>
+              </a:spcBef>
+              <a:buFont typeface="Arial"/>
+              <a:buChar char="•"/>
+              <a:tabLst>
+                <a:tab pos="305435" algn="l"/>
+              </a:tabLst>
+            </a:pPr>
+            <a:r>
+              <a:rPr lang="en-US" sz="1600" dirty="0" smtClean="0">
+                <a:latin typeface="Carlito"/>
+                <a:cs typeface="Carlito"/>
+              </a:rPr>
+              <a:t>Useful with </a:t>
+            </a:r>
+            <a:r>
+              <a:rPr lang="en-US" sz="1600" b="1" dirty="0" smtClean="0">
+                <a:latin typeface="Carlito"/>
+                <a:cs typeface="Carlito"/>
+              </a:rPr>
+              <a:t>large bandwidth</a:t>
+            </a:r>
+            <a:endParaRPr sz="1600" b="1" dirty="0">
+              <a:latin typeface="Carlito"/>
+              <a:cs typeface="Carlito"/>
+            </a:endParaRPr>
+          </a:p>
+          <a:p>
+            <a:pPr marL="305435" marR="5080" indent="-293370">
+              <a:lnSpc>
+                <a:spcPts val="2780"/>
+              </a:lnSpc>
+              <a:buFont typeface="Arial"/>
+              <a:buChar char="•"/>
+              <a:tabLst>
+                <a:tab pos="305435" algn="l"/>
+              </a:tabLst>
+            </a:pPr>
+            <a:r>
+              <a:rPr sz="1600" dirty="0">
+                <a:latin typeface="Carlito"/>
+                <a:cs typeface="Carlito"/>
+              </a:rPr>
+              <a:t>Most</a:t>
+            </a:r>
+            <a:r>
+              <a:rPr sz="1600" spc="-40" dirty="0">
+                <a:latin typeface="Carlito"/>
+                <a:cs typeface="Carlito"/>
+              </a:rPr>
+              <a:t> </a:t>
+            </a:r>
+            <a:r>
+              <a:rPr sz="1600" dirty="0">
+                <a:latin typeface="Carlito"/>
+                <a:cs typeface="Carlito"/>
+              </a:rPr>
+              <a:t>efficient</a:t>
+            </a:r>
+            <a:r>
+              <a:rPr sz="1600" spc="-40" dirty="0">
+                <a:latin typeface="Carlito"/>
+                <a:cs typeface="Carlito"/>
+              </a:rPr>
+              <a:t> </a:t>
+            </a:r>
+            <a:r>
+              <a:rPr sz="1600" dirty="0">
+                <a:latin typeface="Carlito"/>
+                <a:cs typeface="Carlito"/>
+              </a:rPr>
+              <a:t>in</a:t>
+            </a:r>
+            <a:r>
+              <a:rPr sz="1600" spc="-40" dirty="0">
+                <a:latin typeface="Carlito"/>
+                <a:cs typeface="Carlito"/>
+              </a:rPr>
+              <a:t> </a:t>
+            </a:r>
+            <a:r>
+              <a:rPr sz="1600" dirty="0">
+                <a:latin typeface="Carlito"/>
+                <a:cs typeface="Carlito"/>
+              </a:rPr>
+              <a:t>terms</a:t>
+            </a:r>
+            <a:r>
+              <a:rPr sz="1600" spc="-35" dirty="0">
+                <a:latin typeface="Carlito"/>
+                <a:cs typeface="Carlito"/>
+              </a:rPr>
+              <a:t> </a:t>
+            </a:r>
+            <a:r>
+              <a:rPr sz="1600" spc="-25" dirty="0">
+                <a:latin typeface="Carlito"/>
+                <a:cs typeface="Carlito"/>
+              </a:rPr>
+              <a:t>of </a:t>
+            </a:r>
+            <a:r>
+              <a:rPr sz="1600" dirty="0">
+                <a:latin typeface="Carlito"/>
+                <a:cs typeface="Carlito"/>
+              </a:rPr>
+              <a:t>speed,</a:t>
+            </a:r>
+            <a:r>
+              <a:rPr sz="1600" spc="-25" dirty="0">
+                <a:latin typeface="Carlito"/>
+                <a:cs typeface="Carlito"/>
+              </a:rPr>
+              <a:t> </a:t>
+            </a:r>
+            <a:r>
+              <a:rPr sz="1600" dirty="0">
+                <a:latin typeface="Carlito"/>
+                <a:cs typeface="Carlito"/>
+              </a:rPr>
+              <a:t>very</a:t>
+            </a:r>
+            <a:r>
+              <a:rPr sz="1600" spc="-25" dirty="0">
+                <a:latin typeface="Carlito"/>
+                <a:cs typeface="Carlito"/>
+              </a:rPr>
+              <a:t> </a:t>
+            </a:r>
+            <a:r>
+              <a:rPr sz="1600" spc="-20" dirty="0" smtClean="0">
+                <a:latin typeface="Carlito"/>
+                <a:cs typeface="Carlito"/>
+              </a:rPr>
+              <a:t>fast</a:t>
+            </a:r>
+            <a:r>
+              <a:rPr lang="en-US" sz="1600" spc="-20" dirty="0" smtClean="0">
+                <a:latin typeface="Carlito"/>
+                <a:cs typeface="Carlito"/>
+              </a:rPr>
+              <a:t> </a:t>
+            </a:r>
+            <a:r>
+              <a:rPr lang="en-US" sz="1600" dirty="0" smtClean="0">
+                <a:latin typeface="Carlito"/>
+                <a:cs typeface="Carlito"/>
+              </a:rPr>
+              <a:t>(Giga samples per second)</a:t>
+            </a:r>
+            <a:endParaRPr lang="en-US" sz="1600" dirty="0">
+              <a:latin typeface="Carlito"/>
+              <a:cs typeface="Carlito"/>
+            </a:endParaRPr>
+          </a:p>
+          <a:p>
+            <a:pPr marL="305435" marR="5080" indent="-293370">
+              <a:lnSpc>
+                <a:spcPts val="2780"/>
+              </a:lnSpc>
+              <a:buFont typeface="Arial"/>
+              <a:buChar char="•"/>
+              <a:tabLst>
+                <a:tab pos="305435" algn="l"/>
+              </a:tabLst>
+            </a:pPr>
+            <a:r>
+              <a:rPr sz="1600" dirty="0" smtClean="0">
+                <a:latin typeface="Carlito"/>
+                <a:cs typeface="Carlito"/>
+              </a:rPr>
+              <a:t>limited</a:t>
+            </a:r>
+            <a:r>
+              <a:rPr sz="1600" spc="-65" dirty="0" smtClean="0">
+                <a:latin typeface="Carlito"/>
+                <a:cs typeface="Carlito"/>
+              </a:rPr>
+              <a:t> </a:t>
+            </a:r>
+            <a:r>
+              <a:rPr sz="1600" dirty="0">
+                <a:latin typeface="Carlito"/>
+                <a:cs typeface="Carlito"/>
+              </a:rPr>
+              <a:t>only</a:t>
+            </a:r>
+            <a:r>
+              <a:rPr sz="1600" spc="-65" dirty="0">
+                <a:latin typeface="Carlito"/>
+                <a:cs typeface="Carlito"/>
+              </a:rPr>
+              <a:t> </a:t>
+            </a:r>
+            <a:r>
+              <a:rPr sz="1600" dirty="0">
+                <a:latin typeface="Carlito"/>
+                <a:cs typeface="Carlito"/>
+              </a:rPr>
+              <a:t>in</a:t>
+            </a:r>
+            <a:r>
+              <a:rPr sz="1600" spc="-60" dirty="0">
+                <a:latin typeface="Carlito"/>
+                <a:cs typeface="Carlito"/>
+              </a:rPr>
+              <a:t> </a:t>
+            </a:r>
+            <a:r>
+              <a:rPr sz="1600" dirty="0">
+                <a:latin typeface="Carlito"/>
+                <a:cs typeface="Carlito"/>
+              </a:rPr>
+              <a:t>terms</a:t>
+            </a:r>
+            <a:r>
+              <a:rPr sz="1600" spc="-65" dirty="0">
+                <a:latin typeface="Carlito"/>
+                <a:cs typeface="Carlito"/>
+              </a:rPr>
+              <a:t> </a:t>
+            </a:r>
+            <a:r>
+              <a:rPr sz="1600" spc="-25" dirty="0">
+                <a:latin typeface="Carlito"/>
+                <a:cs typeface="Carlito"/>
+              </a:rPr>
+              <a:t>of </a:t>
+            </a:r>
+            <a:r>
+              <a:rPr sz="1600" dirty="0">
+                <a:latin typeface="Carlito"/>
+                <a:cs typeface="Carlito"/>
+              </a:rPr>
+              <a:t>comparator</a:t>
+            </a:r>
+            <a:r>
+              <a:rPr sz="1600" spc="-45" dirty="0">
+                <a:latin typeface="Carlito"/>
+                <a:cs typeface="Carlito"/>
+              </a:rPr>
+              <a:t> </a:t>
+            </a:r>
+            <a:r>
+              <a:rPr sz="1600" dirty="0">
+                <a:latin typeface="Carlito"/>
+                <a:cs typeface="Carlito"/>
+              </a:rPr>
+              <a:t>and</a:t>
+            </a:r>
+            <a:r>
+              <a:rPr sz="1600" spc="-30" dirty="0">
+                <a:latin typeface="Carlito"/>
+                <a:cs typeface="Carlito"/>
+              </a:rPr>
+              <a:t> </a:t>
+            </a:r>
+            <a:r>
+              <a:rPr sz="1600" spc="-20" dirty="0">
+                <a:latin typeface="Carlito"/>
+                <a:cs typeface="Carlito"/>
+              </a:rPr>
+              <a:t>gate </a:t>
+            </a:r>
+            <a:r>
+              <a:rPr sz="1600" dirty="0">
+                <a:latin typeface="Carlito"/>
+                <a:cs typeface="Carlito"/>
+              </a:rPr>
+              <a:t>propagation</a:t>
+            </a:r>
+            <a:r>
+              <a:rPr sz="1600" spc="-55" dirty="0">
+                <a:latin typeface="Carlito"/>
+                <a:cs typeface="Carlito"/>
+              </a:rPr>
+              <a:t> </a:t>
+            </a:r>
+            <a:r>
+              <a:rPr sz="1600" spc="-10" dirty="0">
+                <a:latin typeface="Carlito"/>
+                <a:cs typeface="Carlito"/>
+              </a:rPr>
+              <a:t>delays</a:t>
+            </a:r>
+            <a:endParaRPr sz="1600" dirty="0">
+              <a:latin typeface="Carlito"/>
+              <a:cs typeface="Carlito"/>
+            </a:endParaRPr>
+          </a:p>
+        </p:txBody>
+      </p:sp>
+      <p:sp>
+        <p:nvSpPr>
+          <p:cNvPr id="4" name="object 4"/>
+          <p:cNvSpPr txBox="1">
+            <a:spLocks noGrp="1"/>
+          </p:cNvSpPr>
+          <p:nvPr>
+            <p:ph sz="half" idx="3"/>
+          </p:nvPr>
+        </p:nvSpPr>
+        <p:spPr>
+          <a:xfrm>
+            <a:off x="4770748" y="1699751"/>
+            <a:ext cx="4373252" cy="2380139"/>
+          </a:xfrm>
+          <a:prstGeom prst="rect">
+            <a:avLst/>
+          </a:prstGeom>
+        </p:spPr>
+        <p:txBody>
+          <a:bodyPr vert="horz" wrap="square" lIns="0" tIns="12700" rIns="0" bIns="0" rtlCol="0">
+            <a:spAutoFit/>
+          </a:bodyPr>
+          <a:lstStyle/>
+          <a:p>
+            <a:pPr marL="927735">
+              <a:lnSpc>
+                <a:spcPct val="100000"/>
+              </a:lnSpc>
+              <a:spcBef>
+                <a:spcPts val="100"/>
+              </a:spcBef>
+            </a:pPr>
+            <a:r>
+              <a:rPr spc="-10" dirty="0"/>
+              <a:t>Disadvantages</a:t>
+            </a:r>
+          </a:p>
+          <a:p>
+            <a:pPr>
+              <a:lnSpc>
+                <a:spcPct val="100000"/>
+              </a:lnSpc>
+              <a:spcBef>
+                <a:spcPts val="300"/>
+              </a:spcBef>
+            </a:pPr>
+            <a:endParaRPr spc="-10" dirty="0"/>
+          </a:p>
+          <a:p>
+            <a:pPr marL="305435" indent="-292735">
+              <a:lnSpc>
+                <a:spcPct val="100000"/>
+              </a:lnSpc>
+              <a:buFont typeface="Arial"/>
+              <a:buChar char="•"/>
+              <a:tabLst>
+                <a:tab pos="305435" algn="l"/>
+              </a:tabLst>
+            </a:pPr>
+            <a:r>
+              <a:rPr sz="1600" dirty="0">
+                <a:solidFill>
+                  <a:srgbClr val="000000"/>
+                </a:solidFill>
+              </a:rPr>
+              <a:t>Lower</a:t>
+            </a:r>
+            <a:r>
+              <a:rPr sz="1600" spc="-95" dirty="0">
+                <a:solidFill>
+                  <a:srgbClr val="000000"/>
+                </a:solidFill>
+              </a:rPr>
+              <a:t> </a:t>
+            </a:r>
+            <a:r>
+              <a:rPr sz="1600" spc="-10" dirty="0" smtClean="0">
+                <a:solidFill>
+                  <a:srgbClr val="000000"/>
+                </a:solidFill>
+              </a:rPr>
+              <a:t>resolution</a:t>
+            </a:r>
+            <a:r>
+              <a:rPr lang="en-US" sz="1600" spc="-10" dirty="0" smtClean="0">
+                <a:solidFill>
+                  <a:srgbClr val="000000"/>
+                </a:solidFill>
+              </a:rPr>
+              <a:t> (Up to 8 bits)</a:t>
+            </a:r>
+            <a:endParaRPr sz="1600" spc="-10" dirty="0">
+              <a:solidFill>
+                <a:srgbClr val="000000"/>
+              </a:solidFill>
+            </a:endParaRPr>
+          </a:p>
+          <a:p>
+            <a:pPr marL="305435" indent="-292735">
+              <a:lnSpc>
+                <a:spcPct val="100000"/>
+              </a:lnSpc>
+              <a:spcBef>
+                <a:spcPts val="180"/>
+              </a:spcBef>
+              <a:buFont typeface="Arial"/>
+              <a:buChar char="•"/>
+              <a:tabLst>
+                <a:tab pos="305435" algn="l"/>
+              </a:tabLst>
+            </a:pPr>
+            <a:r>
+              <a:rPr sz="1600" spc="-10" dirty="0" smtClean="0">
+                <a:solidFill>
+                  <a:srgbClr val="000000"/>
+                </a:solidFill>
+              </a:rPr>
+              <a:t>Expensive</a:t>
+            </a:r>
+            <a:endParaRPr lang="en-US" sz="1600" spc="-10" dirty="0" smtClean="0">
+              <a:solidFill>
+                <a:srgbClr val="000000"/>
+              </a:solidFill>
+            </a:endParaRPr>
+          </a:p>
+          <a:p>
+            <a:pPr marL="305435" indent="-292735">
+              <a:lnSpc>
+                <a:spcPct val="100000"/>
+              </a:lnSpc>
+              <a:spcBef>
+                <a:spcPts val="180"/>
+              </a:spcBef>
+              <a:buFont typeface="Arial"/>
+              <a:buChar char="•"/>
+              <a:tabLst>
+                <a:tab pos="305435" algn="l"/>
+              </a:tabLst>
+            </a:pPr>
+            <a:r>
+              <a:rPr lang="en-US" sz="1600" spc="-10" dirty="0" smtClean="0">
+                <a:solidFill>
+                  <a:srgbClr val="000000"/>
+                </a:solidFill>
+              </a:rPr>
+              <a:t>High power consumption because  </a:t>
+            </a:r>
+            <a:r>
+              <a:rPr sz="1600" dirty="0" smtClean="0">
+                <a:solidFill>
+                  <a:srgbClr val="000000"/>
+                </a:solidFill>
+              </a:rPr>
+              <a:t>For</a:t>
+            </a:r>
+            <a:r>
+              <a:rPr sz="1600" spc="-35" dirty="0" smtClean="0">
+                <a:solidFill>
+                  <a:srgbClr val="000000"/>
+                </a:solidFill>
+              </a:rPr>
+              <a:t> </a:t>
+            </a:r>
+            <a:r>
+              <a:rPr sz="1600" dirty="0">
+                <a:solidFill>
+                  <a:srgbClr val="000000"/>
+                </a:solidFill>
+              </a:rPr>
+              <a:t>each</a:t>
+            </a:r>
+            <a:r>
+              <a:rPr sz="1600" spc="-35" dirty="0">
+                <a:solidFill>
+                  <a:srgbClr val="000000"/>
+                </a:solidFill>
+              </a:rPr>
+              <a:t> </a:t>
+            </a:r>
+            <a:r>
+              <a:rPr sz="1600" spc="-10" dirty="0">
+                <a:solidFill>
+                  <a:srgbClr val="000000"/>
+                </a:solidFill>
+              </a:rPr>
+              <a:t>additional </a:t>
+            </a:r>
+            <a:r>
+              <a:rPr sz="1600" dirty="0">
+                <a:solidFill>
+                  <a:srgbClr val="000000"/>
+                </a:solidFill>
+              </a:rPr>
+              <a:t>output</a:t>
+            </a:r>
+            <a:r>
+              <a:rPr sz="1600" spc="-55" dirty="0">
+                <a:solidFill>
+                  <a:srgbClr val="000000"/>
+                </a:solidFill>
+              </a:rPr>
+              <a:t> </a:t>
+            </a:r>
+            <a:r>
+              <a:rPr sz="1600" dirty="0">
+                <a:solidFill>
+                  <a:srgbClr val="000000"/>
+                </a:solidFill>
+              </a:rPr>
+              <a:t>bit,</a:t>
+            </a:r>
+            <a:r>
+              <a:rPr sz="1600" spc="-50" dirty="0">
+                <a:solidFill>
+                  <a:srgbClr val="000000"/>
+                </a:solidFill>
+              </a:rPr>
+              <a:t> </a:t>
+            </a:r>
+            <a:r>
+              <a:rPr sz="1600" dirty="0">
+                <a:solidFill>
+                  <a:srgbClr val="000000"/>
+                </a:solidFill>
+              </a:rPr>
+              <a:t>the</a:t>
+            </a:r>
+            <a:r>
+              <a:rPr sz="1600" spc="-50" dirty="0">
+                <a:solidFill>
+                  <a:srgbClr val="000000"/>
+                </a:solidFill>
+              </a:rPr>
+              <a:t> </a:t>
+            </a:r>
+            <a:r>
+              <a:rPr sz="1600" dirty="0">
+                <a:solidFill>
+                  <a:srgbClr val="000000"/>
+                </a:solidFill>
+              </a:rPr>
+              <a:t>number</a:t>
+            </a:r>
+            <a:r>
+              <a:rPr sz="1600" spc="-50" dirty="0">
+                <a:solidFill>
+                  <a:srgbClr val="000000"/>
+                </a:solidFill>
+              </a:rPr>
+              <a:t> </a:t>
+            </a:r>
+            <a:r>
+              <a:rPr sz="1600" spc="-35" dirty="0">
+                <a:solidFill>
+                  <a:srgbClr val="000000"/>
+                </a:solidFill>
+              </a:rPr>
+              <a:t>of </a:t>
+            </a:r>
+            <a:r>
+              <a:rPr sz="1600" spc="-10" dirty="0">
+                <a:solidFill>
+                  <a:srgbClr val="000000"/>
+                </a:solidFill>
+              </a:rPr>
+              <a:t>comparators</a:t>
+            </a:r>
+            <a:r>
+              <a:rPr sz="1600" spc="-55" dirty="0">
+                <a:solidFill>
+                  <a:srgbClr val="000000"/>
+                </a:solidFill>
+              </a:rPr>
+              <a:t> </a:t>
+            </a:r>
+            <a:r>
+              <a:rPr sz="1600" dirty="0">
+                <a:solidFill>
+                  <a:srgbClr val="000000"/>
+                </a:solidFill>
+              </a:rPr>
+              <a:t>is</a:t>
+            </a:r>
+            <a:r>
+              <a:rPr sz="1600" spc="-45" dirty="0">
+                <a:solidFill>
+                  <a:srgbClr val="000000"/>
+                </a:solidFill>
+              </a:rPr>
+              <a:t> </a:t>
+            </a:r>
+            <a:r>
+              <a:rPr sz="1600" spc="-10" dirty="0" smtClean="0">
+                <a:solidFill>
+                  <a:srgbClr val="000000"/>
+                </a:solidFill>
+              </a:rPr>
+              <a:t>doubled</a:t>
+            </a:r>
+            <a:r>
+              <a:rPr lang="en-US" sz="1600" spc="-10" dirty="0" smtClean="0">
+                <a:solidFill>
+                  <a:srgbClr val="000000"/>
+                </a:solidFill>
+              </a:rPr>
+              <a:t> </a:t>
+            </a:r>
+            <a:r>
+              <a:rPr sz="1600" dirty="0" smtClean="0"/>
+              <a:t>i.e</a:t>
+            </a:r>
+            <a:r>
+              <a:rPr sz="1600" dirty="0"/>
+              <a:t>.</a:t>
+            </a:r>
+            <a:r>
+              <a:rPr sz="1600" spc="-40" dirty="0"/>
+              <a:t> </a:t>
+            </a:r>
+            <a:r>
+              <a:rPr sz="1600" dirty="0"/>
+              <a:t>for</a:t>
+            </a:r>
+            <a:r>
+              <a:rPr sz="1600" spc="-40" dirty="0"/>
+              <a:t> </a:t>
+            </a:r>
+            <a:r>
+              <a:rPr sz="1600" dirty="0"/>
+              <a:t>8</a:t>
+            </a:r>
+            <a:r>
+              <a:rPr sz="1600" spc="-35" dirty="0"/>
+              <a:t> </a:t>
+            </a:r>
+            <a:r>
+              <a:rPr sz="1600" dirty="0"/>
+              <a:t>bits,</a:t>
+            </a:r>
+            <a:r>
+              <a:rPr sz="1600" spc="-40" dirty="0"/>
+              <a:t> </a:t>
+            </a:r>
+            <a:r>
+              <a:rPr sz="1600" spc="-25" dirty="0"/>
+              <a:t>256 </a:t>
+            </a:r>
+            <a:r>
+              <a:rPr sz="1600" spc="-10" dirty="0"/>
+              <a:t>comparators</a:t>
+            </a:r>
+            <a:r>
+              <a:rPr sz="1600" spc="-55" dirty="0"/>
+              <a:t> </a:t>
+            </a:r>
+            <a:r>
+              <a:rPr sz="1600" spc="-10" dirty="0"/>
+              <a:t>needed</a:t>
+            </a:r>
+            <a:endParaRPr sz="1600" dirty="0"/>
+          </a:p>
+        </p:txBody>
+      </p:sp>
+    </p:spTree>
+  </p:cSld>
+  <p:clrMapOvr>
+    <a:masterClrMapping/>
+  </p:clrMapOvr>
+</p:sld>
+</file>
+
+<file path=ppt/slides/slide16.xml><?xml version="1.0" encoding="utf-8"?>
+<p:sld xmlns:a="http://schemas.openxmlformats.org/drawingml/2006/main" xmlns:r="http://schemas.openxmlformats.org/officeDocument/2006/relationships" xmlns:p="http://schemas.openxmlformats.org/presentationml/2006/main" showMasterSp="0">
+  <p:cSld>
+    <p:spTree>
+      <p:nvGrpSpPr>
+        <p:cNvPr id="1" name=""/>
+        <p:cNvGrpSpPr/>
+        <p:nvPr/>
+      </p:nvGrpSpPr>
+      <p:grpSpPr>
+        <a:xfrm>
+          <a:off x="0" y="0"/>
+          <a:ext cx="0" cy="0"/>
+          <a:chOff x="0" y="0"/>
+          <a:chExt cx="0" cy="0"/>
+        </a:xfrm>
+      </p:grpSpPr>
+      <p:sp>
+        <p:nvSpPr>
+          <p:cNvPr id="2" name="object 2"/>
+          <p:cNvSpPr txBox="1">
+            <a:spLocks noGrp="1"/>
+          </p:cNvSpPr>
+          <p:nvPr>
+            <p:ph type="title"/>
+          </p:nvPr>
+        </p:nvSpPr>
+        <p:spPr>
+          <a:xfrm>
+            <a:off x="-1828799" y="508316"/>
+            <a:ext cx="10972800" cy="689932"/>
+          </a:xfrm>
+          <a:prstGeom prst="rect">
+            <a:avLst/>
+          </a:prstGeom>
+        </p:spPr>
+        <p:txBody>
+          <a:bodyPr vert="horz" wrap="square" lIns="0" tIns="12700" rIns="0" bIns="0" rtlCol="0">
+            <a:spAutoFit/>
+          </a:bodyPr>
+          <a:lstStyle/>
+          <a:p>
+            <a:pPr marL="3336290">
+              <a:lnSpc>
+                <a:spcPct val="100000"/>
+              </a:lnSpc>
+              <a:spcBef>
+                <a:spcPts val="100"/>
+              </a:spcBef>
+            </a:pPr>
+            <a:r>
+              <a:rPr lang="en-US" spc="-10" dirty="0" smtClean="0"/>
+              <a:t>Applications of Flash ADC</a:t>
+            </a:r>
+            <a:endParaRPr spc="-10" dirty="0"/>
+          </a:p>
+        </p:txBody>
+      </p:sp>
+      <p:sp>
+        <p:nvSpPr>
+          <p:cNvPr id="3" name="object 3"/>
+          <p:cNvSpPr txBox="1"/>
+          <p:nvPr/>
+        </p:nvSpPr>
+        <p:spPr>
+          <a:xfrm>
+            <a:off x="579756" y="1677527"/>
+            <a:ext cx="7954644" cy="1312539"/>
+          </a:xfrm>
+          <a:prstGeom prst="rect">
+            <a:avLst/>
+          </a:prstGeom>
+        </p:spPr>
+        <p:txBody>
+          <a:bodyPr vert="horz" wrap="square" lIns="0" tIns="34925" rIns="0" bIns="0" rtlCol="0">
+            <a:spAutoFit/>
+          </a:bodyPr>
+          <a:lstStyle/>
+          <a:p>
+            <a:pPr marL="1629410" indent="-514350">
+              <a:lnSpc>
+                <a:spcPct val="100000"/>
+              </a:lnSpc>
+              <a:spcBef>
+                <a:spcPts val="275"/>
+              </a:spcBef>
+              <a:buFont typeface="+mj-lt"/>
+              <a:buAutoNum type="arabicPeriod"/>
+            </a:pPr>
+            <a:r>
+              <a:rPr lang="en-US" sz="2600" dirty="0" smtClean="0">
+                <a:latin typeface="Carlito"/>
+                <a:cs typeface="Carlito"/>
+              </a:rPr>
+              <a:t>Satellite Communication</a:t>
+            </a:r>
+          </a:p>
+          <a:p>
+            <a:pPr marL="1629410" indent="-514350">
+              <a:lnSpc>
+                <a:spcPct val="100000"/>
+              </a:lnSpc>
+              <a:spcBef>
+                <a:spcPts val="275"/>
+              </a:spcBef>
+              <a:buFont typeface="+mj-lt"/>
+              <a:buAutoNum type="arabicPeriod"/>
+            </a:pPr>
+            <a:r>
+              <a:rPr lang="en-US" sz="2600" dirty="0" smtClean="0">
+                <a:latin typeface="Carlito"/>
+                <a:cs typeface="Carlito"/>
+              </a:rPr>
+              <a:t>RADAR processing</a:t>
+            </a:r>
+          </a:p>
+          <a:p>
+            <a:pPr marL="1629410" indent="-514350">
+              <a:lnSpc>
+                <a:spcPct val="100000"/>
+              </a:lnSpc>
+              <a:spcBef>
+                <a:spcPts val="275"/>
+              </a:spcBef>
+              <a:buFont typeface="+mj-lt"/>
+              <a:buAutoNum type="arabicPeriod"/>
+            </a:pPr>
+            <a:r>
+              <a:rPr lang="en-US" sz="2600" dirty="0" smtClean="0">
+                <a:latin typeface="Carlito"/>
+                <a:cs typeface="Carlito"/>
+              </a:rPr>
+              <a:t>Oscilloscope</a:t>
+            </a:r>
+          </a:p>
+        </p:txBody>
+      </p:sp>
+    </p:spTree>
+    <p:extLst>
+      <p:ext uri="{BB962C8B-B14F-4D97-AF65-F5344CB8AC3E}">
+        <p14:creationId xmlns:p14="http://schemas.microsoft.com/office/powerpoint/2010/main" val="4006576147"/>
+      </p:ext>
+    </p:extLst>
+  </p:cSld>
+  <p:clrMapOvr>
+    <a:masterClrMapping/>
+  </p:clrMapOvr>
+</p:sld>
+</file>
+
+<file path=ppt/slides/slide17.xml><?xml version="1.0" encoding="utf-8"?>
+<p:sld xmlns:a="http://schemas.openxmlformats.org/drawingml/2006/main" xmlns:r="http://schemas.openxmlformats.org/officeDocument/2006/relationships" xmlns:p="http://schemas.openxmlformats.org/presentationml/2006/main" showMasterSp="0">
+  <p:cSld>
+    <p:spTree>
+      <p:nvGrpSpPr>
+        <p:cNvPr id="1" name=""/>
+        <p:cNvGrpSpPr/>
+        <p:nvPr/>
+      </p:nvGrpSpPr>
+      <p:grpSpPr>
+        <a:xfrm>
+          <a:off x="0" y="0"/>
+          <a:ext cx="0" cy="0"/>
+          <a:chOff x="0" y="0"/>
+          <a:chExt cx="0" cy="0"/>
+        </a:xfrm>
+      </p:grpSpPr>
+      <p:sp>
+        <p:nvSpPr>
+          <p:cNvPr id="2" name="object 2"/>
+          <p:cNvSpPr txBox="1">
+            <a:spLocks noGrp="1"/>
+          </p:cNvSpPr>
+          <p:nvPr>
+            <p:ph type="title"/>
+          </p:nvPr>
+        </p:nvSpPr>
+        <p:spPr>
+          <a:prstGeom prst="rect">
+            <a:avLst/>
+          </a:prstGeom>
+        </p:spPr>
+        <p:txBody>
+          <a:bodyPr vert="horz" wrap="square" lIns="0" tIns="12700" rIns="0" bIns="0" rtlCol="0">
+            <a:spAutoFit/>
+          </a:bodyPr>
+          <a:lstStyle/>
+          <a:p>
+            <a:pPr marL="2026920">
+              <a:lnSpc>
+                <a:spcPct val="100000"/>
+              </a:lnSpc>
+              <a:spcBef>
+                <a:spcPts val="100"/>
+              </a:spcBef>
+            </a:pPr>
+            <a:r>
+              <a:rPr dirty="0"/>
+              <a:t>Sigma</a:t>
+            </a:r>
+            <a:r>
+              <a:rPr spc="-110" dirty="0"/>
+              <a:t> </a:t>
+            </a:r>
+            <a:r>
+              <a:rPr dirty="0"/>
+              <a:t>Delta</a:t>
+            </a:r>
+            <a:r>
+              <a:rPr spc="-105" dirty="0"/>
+              <a:t> </a:t>
+            </a:r>
+            <a:r>
+              <a:rPr spc="-25" dirty="0"/>
+              <a:t>ADC</a:t>
+            </a:r>
+          </a:p>
+        </p:txBody>
+      </p:sp>
+      <p:sp>
+        <p:nvSpPr>
+          <p:cNvPr id="3" name="object 3"/>
+          <p:cNvSpPr txBox="1"/>
+          <p:nvPr/>
+        </p:nvSpPr>
+        <p:spPr>
+          <a:xfrm>
+            <a:off x="554356" y="1731450"/>
+            <a:ext cx="3849370" cy="3822065"/>
+          </a:xfrm>
+          <a:prstGeom prst="rect">
+            <a:avLst/>
+          </a:prstGeom>
+        </p:spPr>
+        <p:txBody>
+          <a:bodyPr vert="horz" wrap="square" lIns="0" tIns="8255" rIns="0" bIns="0" rtlCol="0">
+            <a:spAutoFit/>
+          </a:bodyPr>
+          <a:lstStyle/>
+          <a:p>
+            <a:pPr marL="330835" marR="30480" indent="-293370">
+              <a:lnSpc>
+                <a:spcPct val="101000"/>
+              </a:lnSpc>
+              <a:spcBef>
+                <a:spcPts val="65"/>
+              </a:spcBef>
+              <a:buFont typeface="Arial"/>
+              <a:buChar char="•"/>
+              <a:tabLst>
+                <a:tab pos="330835" algn="l"/>
+              </a:tabLst>
+            </a:pPr>
+            <a:r>
+              <a:rPr sz="2600" dirty="0">
+                <a:latin typeface="Carlito"/>
+                <a:cs typeface="Carlito"/>
+              </a:rPr>
+              <a:t>Over</a:t>
+            </a:r>
+            <a:r>
+              <a:rPr sz="2600" spc="-45" dirty="0">
+                <a:latin typeface="Carlito"/>
+                <a:cs typeface="Carlito"/>
+              </a:rPr>
+              <a:t> </a:t>
+            </a:r>
+            <a:r>
+              <a:rPr sz="2600" dirty="0">
+                <a:latin typeface="Carlito"/>
+                <a:cs typeface="Carlito"/>
+              </a:rPr>
+              <a:t>sampled</a:t>
+            </a:r>
+            <a:r>
+              <a:rPr sz="2600" spc="-45" dirty="0">
+                <a:latin typeface="Carlito"/>
+                <a:cs typeface="Carlito"/>
+              </a:rPr>
+              <a:t> </a:t>
+            </a:r>
+            <a:r>
+              <a:rPr sz="2600" dirty="0">
+                <a:latin typeface="Carlito"/>
+                <a:cs typeface="Carlito"/>
+              </a:rPr>
+              <a:t>input</a:t>
+            </a:r>
+            <a:r>
+              <a:rPr sz="2600" spc="-45" dirty="0">
+                <a:latin typeface="Carlito"/>
+                <a:cs typeface="Carlito"/>
+              </a:rPr>
+              <a:t> </a:t>
+            </a:r>
+            <a:r>
+              <a:rPr sz="2600" spc="-10" dirty="0">
+                <a:latin typeface="Carlito"/>
+                <a:cs typeface="Carlito"/>
+              </a:rPr>
+              <a:t>signal </a:t>
+            </a:r>
+            <a:r>
+              <a:rPr sz="2600" dirty="0">
+                <a:latin typeface="Carlito"/>
+                <a:cs typeface="Carlito"/>
+              </a:rPr>
+              <a:t>goes</a:t>
+            </a:r>
+            <a:r>
+              <a:rPr sz="2600" spc="-25" dirty="0">
+                <a:latin typeface="Carlito"/>
+                <a:cs typeface="Carlito"/>
+              </a:rPr>
+              <a:t> </a:t>
+            </a:r>
+            <a:r>
+              <a:rPr sz="2600" dirty="0">
+                <a:latin typeface="Carlito"/>
+                <a:cs typeface="Carlito"/>
+              </a:rPr>
+              <a:t>to</a:t>
+            </a:r>
+            <a:r>
+              <a:rPr sz="2600" spc="-20" dirty="0">
+                <a:latin typeface="Carlito"/>
+                <a:cs typeface="Carlito"/>
+              </a:rPr>
+              <a:t> </a:t>
+            </a:r>
+            <a:r>
+              <a:rPr sz="2600" dirty="0">
+                <a:latin typeface="Carlito"/>
+                <a:cs typeface="Carlito"/>
+              </a:rPr>
+              <a:t>the</a:t>
+            </a:r>
+            <a:r>
+              <a:rPr sz="2600" spc="-25" dirty="0">
+                <a:latin typeface="Carlito"/>
+                <a:cs typeface="Carlito"/>
+              </a:rPr>
+              <a:t> </a:t>
+            </a:r>
+            <a:r>
+              <a:rPr sz="2600" spc="-10" dirty="0">
+                <a:latin typeface="Carlito"/>
+                <a:cs typeface="Carlito"/>
+              </a:rPr>
+              <a:t>integrator</a:t>
+            </a:r>
+            <a:endParaRPr sz="2600">
+              <a:latin typeface="Carlito"/>
+              <a:cs typeface="Carlito"/>
+            </a:endParaRPr>
+          </a:p>
+          <a:p>
+            <a:pPr marL="330835" marR="362585" indent="-293370">
+              <a:lnSpc>
+                <a:spcPct val="101099"/>
+              </a:lnSpc>
+              <a:spcBef>
+                <a:spcPts val="520"/>
+              </a:spcBef>
+              <a:buFont typeface="Arial"/>
+              <a:buChar char="•"/>
+              <a:tabLst>
+                <a:tab pos="330835" algn="l"/>
+              </a:tabLst>
+            </a:pPr>
+            <a:r>
+              <a:rPr sz="2600" dirty="0">
+                <a:latin typeface="Carlito"/>
+                <a:cs typeface="Carlito"/>
+              </a:rPr>
+              <a:t>Output</a:t>
+            </a:r>
+            <a:r>
+              <a:rPr sz="2600" spc="-60" dirty="0">
+                <a:latin typeface="Carlito"/>
+                <a:cs typeface="Carlito"/>
+              </a:rPr>
+              <a:t> </a:t>
+            </a:r>
+            <a:r>
+              <a:rPr sz="2600" dirty="0">
+                <a:latin typeface="Carlito"/>
+                <a:cs typeface="Carlito"/>
+              </a:rPr>
+              <a:t>of</a:t>
+            </a:r>
+            <a:r>
+              <a:rPr sz="2600" spc="-60" dirty="0">
+                <a:latin typeface="Carlito"/>
+                <a:cs typeface="Carlito"/>
+              </a:rPr>
+              <a:t> </a:t>
+            </a:r>
+            <a:r>
+              <a:rPr sz="2600" spc="-10" dirty="0">
+                <a:latin typeface="Carlito"/>
+                <a:cs typeface="Carlito"/>
+              </a:rPr>
+              <a:t>integration</a:t>
+            </a:r>
+            <a:r>
+              <a:rPr sz="2600" spc="-60" dirty="0">
+                <a:latin typeface="Carlito"/>
+                <a:cs typeface="Carlito"/>
+              </a:rPr>
+              <a:t> </a:t>
+            </a:r>
+            <a:r>
+              <a:rPr sz="2600" spc="-25" dirty="0">
+                <a:latin typeface="Carlito"/>
+                <a:cs typeface="Carlito"/>
+              </a:rPr>
+              <a:t>is </a:t>
+            </a:r>
+            <a:r>
+              <a:rPr sz="2600" dirty="0">
+                <a:latin typeface="Carlito"/>
+                <a:cs typeface="Carlito"/>
+              </a:rPr>
+              <a:t>compared</a:t>
+            </a:r>
+            <a:r>
+              <a:rPr sz="2600" spc="-40" dirty="0">
+                <a:latin typeface="Carlito"/>
+                <a:cs typeface="Carlito"/>
+              </a:rPr>
+              <a:t> </a:t>
+            </a:r>
+            <a:r>
+              <a:rPr sz="2600" dirty="0">
+                <a:latin typeface="Carlito"/>
+                <a:cs typeface="Carlito"/>
+              </a:rPr>
+              <a:t>to</a:t>
+            </a:r>
+            <a:r>
+              <a:rPr sz="2600" spc="-35" dirty="0">
+                <a:latin typeface="Carlito"/>
+                <a:cs typeface="Carlito"/>
+              </a:rPr>
+              <a:t> </a:t>
+            </a:r>
+            <a:r>
+              <a:rPr sz="2600" spc="-25" dirty="0">
+                <a:latin typeface="Carlito"/>
+                <a:cs typeface="Carlito"/>
+              </a:rPr>
+              <a:t>GND</a:t>
+            </a:r>
+            <a:endParaRPr sz="2600">
+              <a:latin typeface="Carlito"/>
+              <a:cs typeface="Carlito"/>
+            </a:endParaRPr>
+          </a:p>
+          <a:p>
+            <a:pPr marL="330835" marR="695960" indent="-293370">
+              <a:lnSpc>
+                <a:spcPct val="101099"/>
+              </a:lnSpc>
+              <a:spcBef>
+                <a:spcPts val="515"/>
+              </a:spcBef>
+              <a:buFont typeface="Arial"/>
+              <a:buChar char="•"/>
+              <a:tabLst>
+                <a:tab pos="330835" algn="l"/>
+              </a:tabLst>
+            </a:pPr>
+            <a:r>
+              <a:rPr sz="2600" dirty="0">
+                <a:latin typeface="Carlito"/>
+                <a:cs typeface="Carlito"/>
+              </a:rPr>
+              <a:t>Iterates</a:t>
+            </a:r>
+            <a:r>
+              <a:rPr sz="2600" spc="-40" dirty="0">
+                <a:latin typeface="Carlito"/>
+                <a:cs typeface="Carlito"/>
+              </a:rPr>
+              <a:t> </a:t>
+            </a:r>
+            <a:r>
+              <a:rPr sz="2600" dirty="0">
+                <a:latin typeface="Carlito"/>
+                <a:cs typeface="Carlito"/>
+              </a:rPr>
+              <a:t>to</a:t>
+            </a:r>
+            <a:r>
+              <a:rPr sz="2600" spc="-35" dirty="0">
+                <a:latin typeface="Carlito"/>
+                <a:cs typeface="Carlito"/>
+              </a:rPr>
+              <a:t> </a:t>
+            </a:r>
+            <a:r>
+              <a:rPr sz="2600" dirty="0">
+                <a:latin typeface="Carlito"/>
+                <a:cs typeface="Carlito"/>
+              </a:rPr>
+              <a:t>produce</a:t>
+            </a:r>
+            <a:r>
+              <a:rPr sz="2600" spc="-35" dirty="0">
+                <a:latin typeface="Carlito"/>
+                <a:cs typeface="Carlito"/>
+              </a:rPr>
+              <a:t> </a:t>
+            </a:r>
+            <a:r>
+              <a:rPr sz="2600" spc="-50" dirty="0">
+                <a:latin typeface="Carlito"/>
+                <a:cs typeface="Carlito"/>
+              </a:rPr>
+              <a:t>a </a:t>
+            </a:r>
+            <a:r>
+              <a:rPr sz="2600" dirty="0">
+                <a:latin typeface="Carlito"/>
+                <a:cs typeface="Carlito"/>
+              </a:rPr>
+              <a:t>serial</a:t>
+            </a:r>
+            <a:r>
+              <a:rPr sz="2600" spc="-65" dirty="0">
+                <a:latin typeface="Carlito"/>
+                <a:cs typeface="Carlito"/>
+              </a:rPr>
+              <a:t> </a:t>
+            </a:r>
+            <a:r>
+              <a:rPr sz="2600" dirty="0">
+                <a:latin typeface="Carlito"/>
+                <a:cs typeface="Carlito"/>
+              </a:rPr>
+              <a:t>bit</a:t>
+            </a:r>
+            <a:r>
+              <a:rPr sz="2600" spc="-65" dirty="0">
+                <a:latin typeface="Carlito"/>
+                <a:cs typeface="Carlito"/>
+              </a:rPr>
+              <a:t> </a:t>
+            </a:r>
+            <a:r>
+              <a:rPr sz="2600" spc="-10" dirty="0">
+                <a:latin typeface="Carlito"/>
+                <a:cs typeface="Carlito"/>
+              </a:rPr>
+              <a:t>stream</a:t>
+            </a:r>
+            <a:endParaRPr sz="2600">
+              <a:latin typeface="Carlito"/>
+              <a:cs typeface="Carlito"/>
+            </a:endParaRPr>
+          </a:p>
+          <a:p>
+            <a:pPr marL="330835" marR="32384" indent="-293370" algn="just">
+              <a:lnSpc>
+                <a:spcPct val="101000"/>
+              </a:lnSpc>
+              <a:spcBef>
+                <a:spcPts val="515"/>
+              </a:spcBef>
+              <a:buFont typeface="Arial"/>
+              <a:buChar char="•"/>
+              <a:tabLst>
+                <a:tab pos="330835" algn="l"/>
+              </a:tabLst>
+            </a:pPr>
+            <a:r>
+              <a:rPr sz="2600" dirty="0">
+                <a:latin typeface="Carlito"/>
+                <a:cs typeface="Carlito"/>
+              </a:rPr>
+              <a:t>Output</a:t>
+            </a:r>
+            <a:r>
+              <a:rPr sz="2600" spc="-65" dirty="0">
+                <a:latin typeface="Carlito"/>
+                <a:cs typeface="Carlito"/>
+              </a:rPr>
+              <a:t> </a:t>
+            </a:r>
+            <a:r>
+              <a:rPr sz="2600" dirty="0">
+                <a:latin typeface="Carlito"/>
+                <a:cs typeface="Carlito"/>
+              </a:rPr>
+              <a:t>is</a:t>
+            </a:r>
+            <a:r>
+              <a:rPr sz="2600" spc="-60" dirty="0">
+                <a:latin typeface="Carlito"/>
+                <a:cs typeface="Carlito"/>
+              </a:rPr>
+              <a:t> </a:t>
+            </a:r>
+            <a:r>
+              <a:rPr sz="2600" dirty="0">
+                <a:latin typeface="Carlito"/>
+                <a:cs typeface="Carlito"/>
+              </a:rPr>
+              <a:t>serial</a:t>
+            </a:r>
+            <a:r>
+              <a:rPr sz="2600" spc="-60" dirty="0">
+                <a:latin typeface="Carlito"/>
+                <a:cs typeface="Carlito"/>
+              </a:rPr>
+              <a:t> </a:t>
+            </a:r>
+            <a:r>
+              <a:rPr sz="2600" dirty="0">
+                <a:latin typeface="Carlito"/>
+                <a:cs typeface="Carlito"/>
+              </a:rPr>
+              <a:t>bit</a:t>
+            </a:r>
+            <a:r>
+              <a:rPr sz="2600" spc="-65" dirty="0">
+                <a:latin typeface="Carlito"/>
+                <a:cs typeface="Carlito"/>
+              </a:rPr>
+              <a:t> </a:t>
+            </a:r>
+            <a:r>
+              <a:rPr sz="2600" spc="-10" dirty="0">
+                <a:latin typeface="Carlito"/>
+                <a:cs typeface="Carlito"/>
+              </a:rPr>
+              <a:t>stream </a:t>
+            </a:r>
+            <a:r>
+              <a:rPr sz="2600" dirty="0">
+                <a:latin typeface="Carlito"/>
+                <a:cs typeface="Carlito"/>
+              </a:rPr>
+              <a:t>with</a:t>
+            </a:r>
+            <a:r>
+              <a:rPr sz="2600" spc="-30" dirty="0">
+                <a:latin typeface="Carlito"/>
+                <a:cs typeface="Carlito"/>
+              </a:rPr>
+              <a:t> </a:t>
+            </a:r>
+            <a:r>
+              <a:rPr sz="2600" dirty="0">
+                <a:latin typeface="Carlito"/>
+                <a:cs typeface="Carlito"/>
+              </a:rPr>
+              <a:t>#</a:t>
+            </a:r>
+            <a:r>
+              <a:rPr sz="2600" spc="-25" dirty="0">
+                <a:latin typeface="Carlito"/>
+                <a:cs typeface="Carlito"/>
+              </a:rPr>
+              <a:t> </a:t>
+            </a:r>
+            <a:r>
+              <a:rPr sz="2600" dirty="0">
+                <a:latin typeface="Carlito"/>
+                <a:cs typeface="Carlito"/>
+              </a:rPr>
+              <a:t>of</a:t>
+            </a:r>
+            <a:r>
+              <a:rPr sz="2600" spc="-30" dirty="0">
+                <a:latin typeface="Carlito"/>
+                <a:cs typeface="Carlito"/>
+              </a:rPr>
+              <a:t> </a:t>
+            </a:r>
+            <a:r>
+              <a:rPr sz="2600" dirty="0">
+                <a:latin typeface="Carlito"/>
+                <a:cs typeface="Carlito"/>
+              </a:rPr>
+              <a:t>1’s</a:t>
+            </a:r>
+            <a:r>
+              <a:rPr sz="2600" spc="-25" dirty="0">
+                <a:latin typeface="Carlito"/>
+                <a:cs typeface="Carlito"/>
+              </a:rPr>
+              <a:t> </a:t>
+            </a:r>
+            <a:r>
+              <a:rPr sz="2600" spc="-10" dirty="0">
+                <a:latin typeface="Carlito"/>
+                <a:cs typeface="Carlito"/>
+              </a:rPr>
+              <a:t>proportional </a:t>
+            </a:r>
+            <a:r>
+              <a:rPr sz="2600" dirty="0">
+                <a:latin typeface="Carlito"/>
+                <a:cs typeface="Carlito"/>
+              </a:rPr>
+              <a:t>to</a:t>
+            </a:r>
+            <a:r>
+              <a:rPr sz="2600" spc="-35" dirty="0">
+                <a:latin typeface="Carlito"/>
+                <a:cs typeface="Carlito"/>
+              </a:rPr>
+              <a:t> </a:t>
+            </a:r>
+            <a:r>
+              <a:rPr sz="2600" spc="-25" dirty="0">
+                <a:latin typeface="Carlito"/>
+                <a:cs typeface="Carlito"/>
+              </a:rPr>
+              <a:t>V</a:t>
+            </a:r>
+            <a:r>
+              <a:rPr sz="2550" spc="-37" baseline="-31045" dirty="0">
+                <a:latin typeface="Carlito"/>
+                <a:cs typeface="Carlito"/>
+              </a:rPr>
+              <a:t>in</a:t>
+            </a:r>
+            <a:endParaRPr sz="2550" baseline="-31045">
+              <a:latin typeface="Carlito"/>
+              <a:cs typeface="Carlito"/>
+            </a:endParaRPr>
+          </a:p>
+        </p:txBody>
+      </p:sp>
+      <p:pic>
+        <p:nvPicPr>
+          <p:cNvPr id="4" name="object 4"/>
+          <p:cNvPicPr/>
+          <p:nvPr/>
+        </p:nvPicPr>
+        <p:blipFill>
+          <a:blip r:embed="rId2" cstate="print"/>
+          <a:stretch>
+            <a:fillRect/>
+          </a:stretch>
+        </p:blipFill>
+        <p:spPr>
+          <a:xfrm>
+            <a:off x="4648190" y="2611419"/>
+            <a:ext cx="4038591" cy="2618281"/>
+          </a:xfrm>
+          <a:prstGeom prst="rect">
+            <a:avLst/>
+          </a:prstGeom>
+        </p:spPr>
+      </p:pic>
+    </p:spTree>
+  </p:cSld>
+  <p:clrMapOvr>
+    <a:masterClrMapping/>
+  </p:clrMapOvr>
+</p:sld>
+</file>
+
+<file path=ppt/slides/slide18.xml><?xml version="1.0" encoding="utf-8"?>
+<p:sld xmlns:a="http://schemas.openxmlformats.org/drawingml/2006/main" xmlns:r="http://schemas.openxmlformats.org/officeDocument/2006/relationships" xmlns:p="http://schemas.openxmlformats.org/presentationml/2006/main" showMasterSp="0">
+  <p:cSld>
+    <p:spTree>
+      <p:nvGrpSpPr>
+        <p:cNvPr id="1" name=""/>
+        <p:cNvGrpSpPr/>
+        <p:nvPr/>
+      </p:nvGrpSpPr>
+      <p:grpSpPr>
+        <a:xfrm>
+          <a:off x="0" y="0"/>
+          <a:ext cx="0" cy="0"/>
+          <a:chOff x="0" y="0"/>
+          <a:chExt cx="0" cy="0"/>
+        </a:xfrm>
+      </p:grpSpPr>
+      <p:sp>
+        <p:nvSpPr>
+          <p:cNvPr id="2" name="object 2"/>
+          <p:cNvSpPr txBox="1">
+            <a:spLocks noGrp="1"/>
+          </p:cNvSpPr>
+          <p:nvPr>
+            <p:ph type="title"/>
+          </p:nvPr>
+        </p:nvSpPr>
+        <p:spPr>
+          <a:prstGeom prst="rect">
+            <a:avLst/>
+          </a:prstGeom>
+        </p:spPr>
+        <p:txBody>
+          <a:bodyPr vert="horz" wrap="square" lIns="0" tIns="12700" rIns="0" bIns="0" rtlCol="0">
+            <a:spAutoFit/>
+          </a:bodyPr>
+          <a:lstStyle/>
+          <a:p>
+            <a:pPr marL="2550160">
+              <a:lnSpc>
+                <a:spcPct val="100000"/>
+              </a:lnSpc>
+              <a:spcBef>
+                <a:spcPts val="100"/>
+              </a:spcBef>
+            </a:pPr>
+            <a:r>
+              <a:rPr spc="-30" dirty="0"/>
+              <a:t>Sigma-</a:t>
+            </a:r>
+            <a:r>
+              <a:rPr spc="-10" dirty="0"/>
+              <a:t>Delta</a:t>
+            </a:r>
+          </a:p>
+        </p:txBody>
+      </p:sp>
+      <p:sp>
+        <p:nvSpPr>
+          <p:cNvPr id="3" name="object 3"/>
+          <p:cNvSpPr txBox="1"/>
+          <p:nvPr/>
+        </p:nvSpPr>
+        <p:spPr>
+          <a:xfrm>
+            <a:off x="579756" y="1731450"/>
+            <a:ext cx="7970520" cy="2688590"/>
+          </a:xfrm>
+          <a:prstGeom prst="rect">
+            <a:avLst/>
+          </a:prstGeom>
+        </p:spPr>
+        <p:txBody>
+          <a:bodyPr vert="horz" wrap="square" lIns="0" tIns="12700" rIns="0" bIns="0" rtlCol="0">
+            <a:spAutoFit/>
+          </a:bodyPr>
+          <a:lstStyle/>
+          <a:p>
+            <a:pPr marL="201295" algn="ctr">
+              <a:lnSpc>
+                <a:spcPct val="100000"/>
+              </a:lnSpc>
+              <a:spcBef>
+                <a:spcPts val="100"/>
+              </a:spcBef>
+              <a:tabLst>
+                <a:tab pos="4204970" algn="l"/>
+              </a:tabLst>
+            </a:pPr>
+            <a:r>
+              <a:rPr sz="2600" spc="-10" dirty="0">
+                <a:solidFill>
+                  <a:srgbClr val="BF4F4D"/>
+                </a:solidFill>
+                <a:latin typeface="Carlito"/>
+                <a:cs typeface="Carlito"/>
+              </a:rPr>
+              <a:t>Advantages</a:t>
+            </a:r>
+            <a:r>
+              <a:rPr sz="2600" dirty="0">
+                <a:solidFill>
+                  <a:srgbClr val="BF4F4D"/>
+                </a:solidFill>
+                <a:latin typeface="Carlito"/>
+                <a:cs typeface="Carlito"/>
+              </a:rPr>
+              <a:t>	</a:t>
+            </a:r>
+            <a:r>
+              <a:rPr sz="2600" spc="-10" dirty="0">
+                <a:solidFill>
+                  <a:srgbClr val="4F80BC"/>
+                </a:solidFill>
+                <a:latin typeface="Carlito"/>
+                <a:cs typeface="Carlito"/>
+              </a:rPr>
+              <a:t>Disadvantages</a:t>
+            </a:r>
+            <a:endParaRPr sz="2600">
+              <a:latin typeface="Carlito"/>
+              <a:cs typeface="Carlito"/>
+            </a:endParaRPr>
+          </a:p>
+          <a:p>
+            <a:pPr>
+              <a:lnSpc>
+                <a:spcPct val="100000"/>
+              </a:lnSpc>
+              <a:spcBef>
+                <a:spcPts val="1050"/>
+              </a:spcBef>
+            </a:pPr>
+            <a:endParaRPr sz="2600">
+              <a:latin typeface="Carlito"/>
+              <a:cs typeface="Carlito"/>
+            </a:endParaRPr>
+          </a:p>
+          <a:p>
+            <a:pPr marL="305435" indent="-292735">
+              <a:lnSpc>
+                <a:spcPct val="100000"/>
+              </a:lnSpc>
+              <a:buFont typeface="Arial"/>
+              <a:buChar char="•"/>
+              <a:tabLst>
+                <a:tab pos="305435" algn="l"/>
+                <a:tab pos="4203065" algn="l"/>
+                <a:tab pos="4496435" algn="l"/>
+              </a:tabLst>
+            </a:pPr>
+            <a:r>
+              <a:rPr sz="2600" dirty="0">
+                <a:latin typeface="Carlito"/>
+                <a:cs typeface="Carlito"/>
+              </a:rPr>
+              <a:t>High</a:t>
+            </a:r>
+            <a:r>
+              <a:rPr sz="2600" spc="-70" dirty="0">
+                <a:latin typeface="Carlito"/>
+                <a:cs typeface="Carlito"/>
+              </a:rPr>
+              <a:t> </a:t>
+            </a:r>
+            <a:r>
+              <a:rPr sz="2600" spc="-10" dirty="0">
+                <a:latin typeface="Carlito"/>
+                <a:cs typeface="Carlito"/>
+              </a:rPr>
+              <a:t>resolution</a:t>
+            </a:r>
+            <a:r>
+              <a:rPr sz="2600" dirty="0">
+                <a:latin typeface="Carlito"/>
+                <a:cs typeface="Carlito"/>
+              </a:rPr>
+              <a:t>	</a:t>
+            </a:r>
+            <a:r>
+              <a:rPr sz="2600" spc="-50" dirty="0">
+                <a:latin typeface="Arial"/>
+                <a:cs typeface="Arial"/>
+              </a:rPr>
+              <a:t>•</a:t>
+            </a:r>
+            <a:r>
+              <a:rPr sz="2600" dirty="0">
+                <a:latin typeface="Arial"/>
+                <a:cs typeface="Arial"/>
+              </a:rPr>
+              <a:t>	</a:t>
+            </a:r>
+            <a:r>
+              <a:rPr sz="2600" dirty="0">
+                <a:latin typeface="Carlito"/>
+                <a:cs typeface="Carlito"/>
+              </a:rPr>
+              <a:t>Slow</a:t>
+            </a:r>
+            <a:r>
+              <a:rPr sz="2600" spc="-40" dirty="0">
+                <a:latin typeface="Carlito"/>
+                <a:cs typeface="Carlito"/>
+              </a:rPr>
+              <a:t> </a:t>
+            </a:r>
+            <a:r>
+              <a:rPr sz="2600" dirty="0">
+                <a:latin typeface="Carlito"/>
+                <a:cs typeface="Carlito"/>
+              </a:rPr>
+              <a:t>due</a:t>
+            </a:r>
+            <a:r>
+              <a:rPr sz="2600" spc="-40" dirty="0">
+                <a:latin typeface="Carlito"/>
+                <a:cs typeface="Carlito"/>
+              </a:rPr>
+              <a:t> </a:t>
+            </a:r>
+            <a:r>
+              <a:rPr sz="2600" dirty="0">
+                <a:latin typeface="Carlito"/>
+                <a:cs typeface="Carlito"/>
+              </a:rPr>
+              <a:t>to</a:t>
+            </a:r>
+            <a:r>
+              <a:rPr sz="2600" spc="-40" dirty="0">
+                <a:latin typeface="Carlito"/>
+                <a:cs typeface="Carlito"/>
+              </a:rPr>
+              <a:t> </a:t>
+            </a:r>
+            <a:r>
+              <a:rPr sz="2600" spc="-10" dirty="0">
+                <a:latin typeface="Carlito"/>
+                <a:cs typeface="Carlito"/>
+              </a:rPr>
+              <a:t>oversampling</a:t>
+            </a:r>
+            <a:endParaRPr sz="2600">
+              <a:latin typeface="Carlito"/>
+              <a:cs typeface="Carlito"/>
+            </a:endParaRPr>
+          </a:p>
+          <a:p>
+            <a:pPr>
+              <a:lnSpc>
+                <a:spcPct val="100000"/>
+              </a:lnSpc>
+              <a:spcBef>
+                <a:spcPts val="1019"/>
+              </a:spcBef>
+              <a:buFont typeface="Arial"/>
+              <a:buChar char="•"/>
+            </a:pPr>
+            <a:endParaRPr sz="2600">
+              <a:latin typeface="Carlito"/>
+              <a:cs typeface="Carlito"/>
+            </a:endParaRPr>
+          </a:p>
+          <a:p>
+            <a:pPr marL="305435" marR="4796790" indent="-293370">
+              <a:lnSpc>
+                <a:spcPct val="101099"/>
+              </a:lnSpc>
+              <a:buFont typeface="Arial"/>
+              <a:buChar char="•"/>
+              <a:tabLst>
+                <a:tab pos="305435" algn="l"/>
+              </a:tabLst>
+            </a:pPr>
+            <a:r>
+              <a:rPr sz="2600" dirty="0">
+                <a:latin typeface="Carlito"/>
+                <a:cs typeface="Carlito"/>
+              </a:rPr>
+              <a:t>No</a:t>
+            </a:r>
+            <a:r>
+              <a:rPr sz="2600" spc="-45" dirty="0">
+                <a:latin typeface="Carlito"/>
+                <a:cs typeface="Carlito"/>
+              </a:rPr>
+              <a:t> </a:t>
+            </a:r>
+            <a:r>
+              <a:rPr sz="2600" dirty="0">
+                <a:latin typeface="Carlito"/>
+                <a:cs typeface="Carlito"/>
+              </a:rPr>
+              <a:t>precision</a:t>
+            </a:r>
+            <a:r>
+              <a:rPr sz="2600" spc="-45" dirty="0">
+                <a:latin typeface="Carlito"/>
+                <a:cs typeface="Carlito"/>
+              </a:rPr>
+              <a:t> </a:t>
+            </a:r>
+            <a:r>
+              <a:rPr sz="2600" spc="-10" dirty="0">
+                <a:latin typeface="Carlito"/>
+                <a:cs typeface="Carlito"/>
+              </a:rPr>
+              <a:t>external </a:t>
+            </a:r>
+            <a:r>
+              <a:rPr sz="2600" dirty="0">
+                <a:latin typeface="Carlito"/>
+                <a:cs typeface="Carlito"/>
+              </a:rPr>
+              <a:t>components</a:t>
+            </a:r>
+            <a:r>
+              <a:rPr sz="2600" spc="-50" dirty="0">
+                <a:latin typeface="Carlito"/>
+                <a:cs typeface="Carlito"/>
+              </a:rPr>
+              <a:t> </a:t>
+            </a:r>
+            <a:r>
+              <a:rPr sz="2600" spc="-10" dirty="0">
+                <a:latin typeface="Carlito"/>
+                <a:cs typeface="Carlito"/>
+              </a:rPr>
+              <a:t>needed</a:t>
+            </a:r>
+            <a:endParaRPr sz="2600">
+              <a:latin typeface="Carlito"/>
+              <a:cs typeface="Carlito"/>
+            </a:endParaRPr>
+          </a:p>
+        </p:txBody>
+      </p:sp>
+    </p:spTree>
+  </p:cSld>
+  <p:clrMapOvr>
+    <a:masterClrMapping/>
+  </p:clrMapOvr>
+</p:sld>
+</file>
+
+<file path=ppt/slides/slide19.xml><?xml version="1.0" encoding="utf-8"?>
+<p:sld xmlns:a="http://schemas.openxmlformats.org/drawingml/2006/main" xmlns:r="http://schemas.openxmlformats.org/officeDocument/2006/relationships" xmlns:p="http://schemas.openxmlformats.org/presentationml/2006/main" showMasterSp="0">
+  <p:cSld>
+    <p:spTree>
+      <p:nvGrpSpPr>
+        <p:cNvPr id="1" name=""/>
+        <p:cNvGrpSpPr/>
+        <p:nvPr/>
+      </p:nvGrpSpPr>
+      <p:grpSpPr>
+        <a:xfrm>
+          <a:off x="0" y="0"/>
+          <a:ext cx="0" cy="0"/>
+          <a:chOff x="0" y="0"/>
+          <a:chExt cx="0" cy="0"/>
+        </a:xfrm>
+      </p:grpSpPr>
+      <p:sp>
+        <p:nvSpPr>
+          <p:cNvPr id="2" name="object 2"/>
+          <p:cNvSpPr txBox="1">
+            <a:spLocks noGrp="1"/>
+          </p:cNvSpPr>
+          <p:nvPr>
+            <p:ph type="title"/>
+          </p:nvPr>
+        </p:nvSpPr>
+        <p:spPr>
+          <a:xfrm>
+            <a:off x="697666" y="119513"/>
+            <a:ext cx="7838365" cy="635000"/>
+          </a:xfrm>
+          <a:prstGeom prst="rect">
+            <a:avLst/>
+          </a:prstGeom>
+        </p:spPr>
+        <p:txBody>
+          <a:bodyPr vert="horz" wrap="square" lIns="0" tIns="12700" rIns="0" bIns="0" rtlCol="0">
+            <a:spAutoFit/>
+          </a:bodyPr>
+          <a:lstStyle/>
+          <a:p>
+            <a:pPr marL="1515110">
+              <a:lnSpc>
+                <a:spcPct val="100000"/>
+              </a:lnSpc>
+              <a:spcBef>
+                <a:spcPts val="100"/>
+              </a:spcBef>
+            </a:pPr>
+            <a:r>
+              <a:rPr dirty="0"/>
+              <a:t>Dual</a:t>
+            </a:r>
+            <a:r>
+              <a:rPr spc="-114" dirty="0"/>
+              <a:t> </a:t>
+            </a:r>
+            <a:r>
+              <a:rPr dirty="0"/>
+              <a:t>Slope</a:t>
+            </a:r>
+            <a:r>
+              <a:rPr spc="-114" dirty="0"/>
+              <a:t> </a:t>
+            </a:r>
+            <a:r>
+              <a:rPr spc="-10" dirty="0"/>
+              <a:t>Converter</a:t>
+            </a:r>
+          </a:p>
+        </p:txBody>
+      </p:sp>
+      <p:sp>
+        <p:nvSpPr>
+          <p:cNvPr id="3" name="object 3"/>
+          <p:cNvSpPr txBox="1"/>
+          <p:nvPr/>
+        </p:nvSpPr>
+        <p:spPr>
+          <a:xfrm>
+            <a:off x="697666" y="849768"/>
             <a:ext cx="7905750" cy="3399154"/>
           </a:xfrm>
           <a:prstGeom prst="rect">
@@ -3653,7 +4020,7 @@
               </a:rPr>
               <a:t>time</a:t>
             </a:r>
-            <a:endParaRPr sz="3200">
+            <a:endParaRPr sz="3200" dirty="0">
               <a:latin typeface="Carlito"/>
               <a:cs typeface="Carlito"/>
             </a:endParaRPr>
@@ -3798,7 +4165,7 @@
               </a:rPr>
               <a:t>conversion</a:t>
             </a:r>
-            <a:endParaRPr sz="3200">
+            <a:endParaRPr sz="3200" dirty="0">
               <a:latin typeface="Carlito"/>
               <a:cs typeface="Carlito"/>
             </a:endParaRPr>
@@ -4161,7 +4528,7 @@
               </a:rPr>
               <a:t>count</a:t>
             </a:r>
-            <a:endParaRPr sz="3200">
+            <a:endParaRPr sz="3200" dirty="0">
               <a:latin typeface="Carlito"/>
               <a:cs typeface="Carlito"/>
             </a:endParaRPr>
@@ -5583,1668 +5950,6 @@
 </p:sld>
 </file>
 
-<file path=ppt/slides/slide16.xml><?xml version="1.0" encoding="utf-8"?>
-<p:sld xmlns:a="http://schemas.openxmlformats.org/drawingml/2006/main" xmlns:r="http://schemas.openxmlformats.org/officeDocument/2006/relationships" xmlns:p="http://schemas.openxmlformats.org/presentationml/2006/main" showMasterSp="0">
-  <p:cSld>
-    <p:spTree>
-      <p:nvGrpSpPr>
-        <p:cNvPr id="1" name=""/>
-        <p:cNvGrpSpPr/>
-        <p:nvPr/>
-      </p:nvGrpSpPr>
-      <p:grpSpPr>
-        <a:xfrm>
-          <a:off x="0" y="0"/>
-          <a:ext cx="0" cy="0"/>
-          <a:chOff x="0" y="0"/>
-          <a:chExt cx="0" cy="0"/>
-        </a:xfrm>
-      </p:grpSpPr>
-      <p:sp>
-        <p:nvSpPr>
-          <p:cNvPr id="2" name="object 2"/>
-          <p:cNvSpPr txBox="1">
-            <a:spLocks noGrp="1"/>
-          </p:cNvSpPr>
-          <p:nvPr>
-            <p:ph type="title"/>
-          </p:nvPr>
-        </p:nvSpPr>
-        <p:spPr>
-          <a:prstGeom prst="rect">
-            <a:avLst/>
-          </a:prstGeom>
-        </p:spPr>
-        <p:txBody>
-          <a:bodyPr vert="horz" wrap="square" lIns="0" tIns="12700" rIns="0" bIns="0" rtlCol="0">
-            <a:spAutoFit/>
-          </a:bodyPr>
-          <a:lstStyle/>
-          <a:p>
-            <a:pPr marL="1515110">
-              <a:lnSpc>
-                <a:spcPct val="100000"/>
-              </a:lnSpc>
-              <a:spcBef>
-                <a:spcPts val="100"/>
-              </a:spcBef>
-            </a:pPr>
-            <a:r>
-              <a:rPr dirty="0"/>
-              <a:t>Dual</a:t>
-            </a:r>
-            <a:r>
-              <a:rPr spc="-114" dirty="0"/>
-              <a:t> </a:t>
-            </a:r>
-            <a:r>
-              <a:rPr dirty="0"/>
-              <a:t>Slope</a:t>
-            </a:r>
-            <a:r>
-              <a:rPr spc="-114" dirty="0"/>
-              <a:t> </a:t>
-            </a:r>
-            <a:r>
-              <a:rPr spc="-10" dirty="0"/>
-              <a:t>Converter</a:t>
-            </a:r>
-          </a:p>
-        </p:txBody>
-      </p:sp>
-      <p:sp>
-        <p:nvSpPr>
-          <p:cNvPr id="3" name="object 3"/>
-          <p:cNvSpPr txBox="1"/>
-          <p:nvPr/>
-        </p:nvSpPr>
-        <p:spPr>
-          <a:xfrm>
-            <a:off x="579756" y="1661601"/>
-            <a:ext cx="3503295" cy="2291080"/>
-          </a:xfrm>
-          <a:prstGeom prst="rect">
-            <a:avLst/>
-          </a:prstGeom>
-        </p:spPr>
-        <p:txBody>
-          <a:bodyPr vert="horz" wrap="square" lIns="0" tIns="82550" rIns="0" bIns="0" rtlCol="0">
-            <a:spAutoFit/>
-          </a:bodyPr>
-          <a:lstStyle/>
-          <a:p>
-            <a:pPr marL="1115060">
-              <a:lnSpc>
-                <a:spcPct val="100000"/>
-              </a:lnSpc>
-              <a:spcBef>
-                <a:spcPts val="650"/>
-              </a:spcBef>
-            </a:pPr>
-            <a:r>
-              <a:rPr sz="2600" spc="-10" dirty="0">
-                <a:solidFill>
-                  <a:srgbClr val="0000FF"/>
-                </a:solidFill>
-                <a:latin typeface="Carlito"/>
-                <a:cs typeface="Carlito"/>
-              </a:rPr>
-              <a:t>Advantages</a:t>
-            </a:r>
-            <a:endParaRPr sz="2600">
-              <a:latin typeface="Carlito"/>
-              <a:cs typeface="Carlito"/>
-            </a:endParaRPr>
-          </a:p>
-          <a:p>
-            <a:pPr marL="305435" indent="-292735">
-              <a:lnSpc>
-                <a:spcPct val="100000"/>
-              </a:lnSpc>
-              <a:spcBef>
-                <a:spcPts val="550"/>
-              </a:spcBef>
-              <a:buFont typeface="Arial"/>
-              <a:buChar char="•"/>
-              <a:tabLst>
-                <a:tab pos="305435" algn="l"/>
-              </a:tabLst>
-            </a:pPr>
-            <a:r>
-              <a:rPr sz="2600" dirty="0">
-                <a:latin typeface="Carlito"/>
-                <a:cs typeface="Carlito"/>
-              </a:rPr>
-              <a:t>Input</a:t>
-            </a:r>
-            <a:r>
-              <a:rPr sz="2600" spc="-45" dirty="0">
-                <a:latin typeface="Carlito"/>
-                <a:cs typeface="Carlito"/>
-              </a:rPr>
-              <a:t> </a:t>
-            </a:r>
-            <a:r>
-              <a:rPr sz="2600" dirty="0">
-                <a:latin typeface="Carlito"/>
-                <a:cs typeface="Carlito"/>
-              </a:rPr>
-              <a:t>signal</a:t>
-            </a:r>
-            <a:r>
-              <a:rPr sz="2600" spc="-40" dirty="0">
-                <a:latin typeface="Carlito"/>
-                <a:cs typeface="Carlito"/>
-              </a:rPr>
-              <a:t> </a:t>
-            </a:r>
-            <a:r>
-              <a:rPr sz="2600" dirty="0">
-                <a:latin typeface="Carlito"/>
-                <a:cs typeface="Carlito"/>
-              </a:rPr>
-              <a:t>is</a:t>
-            </a:r>
-            <a:r>
-              <a:rPr sz="2600" spc="-45" dirty="0">
-                <a:latin typeface="Carlito"/>
-                <a:cs typeface="Carlito"/>
-              </a:rPr>
-              <a:t> </a:t>
-            </a:r>
-            <a:r>
-              <a:rPr sz="2600" spc="-10" dirty="0">
-                <a:latin typeface="Carlito"/>
-                <a:cs typeface="Carlito"/>
-              </a:rPr>
-              <a:t>averaged</a:t>
-            </a:r>
-            <a:endParaRPr sz="2600">
-              <a:latin typeface="Carlito"/>
-              <a:cs typeface="Carlito"/>
-            </a:endParaRPr>
-          </a:p>
-          <a:p>
-            <a:pPr marL="305435" marR="5080" indent="-293370">
-              <a:lnSpc>
-                <a:spcPct val="101099"/>
-              </a:lnSpc>
-              <a:spcBef>
-                <a:spcPts val="520"/>
-              </a:spcBef>
-              <a:buFont typeface="Arial"/>
-              <a:buChar char="•"/>
-              <a:tabLst>
-                <a:tab pos="305435" algn="l"/>
-              </a:tabLst>
-            </a:pPr>
-            <a:r>
-              <a:rPr sz="2600" dirty="0">
-                <a:latin typeface="Carlito"/>
-                <a:cs typeface="Carlito"/>
-              </a:rPr>
-              <a:t>Greater</a:t>
-            </a:r>
-            <a:r>
-              <a:rPr sz="2600" spc="-75" dirty="0">
-                <a:latin typeface="Carlito"/>
-                <a:cs typeface="Carlito"/>
-              </a:rPr>
-              <a:t> </a:t>
-            </a:r>
-            <a:r>
-              <a:rPr sz="2600" dirty="0">
-                <a:latin typeface="Carlito"/>
-                <a:cs typeface="Carlito"/>
-              </a:rPr>
-              <a:t>noise</a:t>
-            </a:r>
-            <a:r>
-              <a:rPr sz="2600" spc="-70" dirty="0">
-                <a:latin typeface="Carlito"/>
-                <a:cs typeface="Carlito"/>
-              </a:rPr>
-              <a:t> </a:t>
-            </a:r>
-            <a:r>
-              <a:rPr sz="2600" spc="-10" dirty="0">
-                <a:latin typeface="Carlito"/>
-                <a:cs typeface="Carlito"/>
-              </a:rPr>
-              <a:t>immunity </a:t>
-            </a:r>
-            <a:r>
-              <a:rPr sz="2600" dirty="0">
-                <a:latin typeface="Carlito"/>
-                <a:cs typeface="Carlito"/>
-              </a:rPr>
-              <a:t>than</a:t>
-            </a:r>
-            <a:r>
-              <a:rPr sz="2600" spc="-60" dirty="0">
-                <a:latin typeface="Carlito"/>
-                <a:cs typeface="Carlito"/>
-              </a:rPr>
-              <a:t> </a:t>
-            </a:r>
-            <a:r>
-              <a:rPr sz="2600" dirty="0">
-                <a:latin typeface="Carlito"/>
-                <a:cs typeface="Carlito"/>
-              </a:rPr>
-              <a:t>other</a:t>
-            </a:r>
-            <a:r>
-              <a:rPr sz="2600" spc="-55" dirty="0">
-                <a:latin typeface="Carlito"/>
-                <a:cs typeface="Carlito"/>
-              </a:rPr>
-              <a:t> </a:t>
-            </a:r>
-            <a:r>
-              <a:rPr sz="2600" dirty="0">
-                <a:latin typeface="Carlito"/>
-                <a:cs typeface="Carlito"/>
-              </a:rPr>
-              <a:t>ADC</a:t>
-            </a:r>
-            <a:r>
-              <a:rPr sz="2600" spc="-55" dirty="0">
-                <a:latin typeface="Carlito"/>
-                <a:cs typeface="Carlito"/>
-              </a:rPr>
-              <a:t> </a:t>
-            </a:r>
-            <a:r>
-              <a:rPr sz="2600" spc="-10" dirty="0">
-                <a:latin typeface="Carlito"/>
-                <a:cs typeface="Carlito"/>
-              </a:rPr>
-              <a:t>types</a:t>
-            </a:r>
-            <a:endParaRPr sz="2600">
-              <a:latin typeface="Carlito"/>
-              <a:cs typeface="Carlito"/>
-            </a:endParaRPr>
-          </a:p>
-          <a:p>
-            <a:pPr marL="305435" indent="-292735">
-              <a:lnSpc>
-                <a:spcPct val="100000"/>
-              </a:lnSpc>
-              <a:spcBef>
-                <a:spcPts val="550"/>
-              </a:spcBef>
-              <a:buFont typeface="Arial"/>
-              <a:buChar char="•"/>
-              <a:tabLst>
-                <a:tab pos="305435" algn="l"/>
-              </a:tabLst>
-            </a:pPr>
-            <a:r>
-              <a:rPr sz="2600" dirty="0">
-                <a:latin typeface="Carlito"/>
-                <a:cs typeface="Carlito"/>
-              </a:rPr>
-              <a:t>High</a:t>
-            </a:r>
-            <a:r>
-              <a:rPr sz="2600" spc="-70" dirty="0">
-                <a:latin typeface="Carlito"/>
-                <a:cs typeface="Carlito"/>
-              </a:rPr>
-              <a:t> </a:t>
-            </a:r>
-            <a:r>
-              <a:rPr sz="2600" spc="-10" dirty="0">
-                <a:latin typeface="Carlito"/>
-                <a:cs typeface="Carlito"/>
-              </a:rPr>
-              <a:t>accuracy</a:t>
-            </a:r>
-            <a:endParaRPr sz="2600">
-              <a:latin typeface="Carlito"/>
-              <a:cs typeface="Carlito"/>
-            </a:endParaRPr>
-          </a:p>
-        </p:txBody>
-      </p:sp>
-      <p:sp>
-        <p:nvSpPr>
-          <p:cNvPr id="4" name="object 4"/>
-          <p:cNvSpPr txBox="1"/>
-          <p:nvPr/>
-        </p:nvSpPr>
-        <p:spPr>
-          <a:xfrm>
-            <a:off x="4770748" y="1661601"/>
-            <a:ext cx="3582670" cy="2225040"/>
-          </a:xfrm>
-          <a:prstGeom prst="rect">
-            <a:avLst/>
-          </a:prstGeom>
-        </p:spPr>
-        <p:txBody>
-          <a:bodyPr vert="horz" wrap="square" lIns="0" tIns="82550" rIns="0" bIns="0" rtlCol="0">
-            <a:spAutoFit/>
-          </a:bodyPr>
-          <a:lstStyle/>
-          <a:p>
-            <a:pPr marL="927735">
-              <a:lnSpc>
-                <a:spcPct val="100000"/>
-              </a:lnSpc>
-              <a:spcBef>
-                <a:spcPts val="650"/>
-              </a:spcBef>
-            </a:pPr>
-            <a:r>
-              <a:rPr sz="2600" spc="-10" dirty="0">
-                <a:solidFill>
-                  <a:srgbClr val="4F80BC"/>
-                </a:solidFill>
-                <a:latin typeface="Carlito"/>
-                <a:cs typeface="Carlito"/>
-              </a:rPr>
-              <a:t>Disadvantages</a:t>
-            </a:r>
-            <a:endParaRPr sz="2600">
-              <a:latin typeface="Carlito"/>
-              <a:cs typeface="Carlito"/>
-            </a:endParaRPr>
-          </a:p>
-          <a:p>
-            <a:pPr marL="305435" indent="-292735">
-              <a:lnSpc>
-                <a:spcPct val="100000"/>
-              </a:lnSpc>
-              <a:spcBef>
-                <a:spcPts val="550"/>
-              </a:spcBef>
-              <a:buFont typeface="Arial"/>
-              <a:buChar char="•"/>
-              <a:tabLst>
-                <a:tab pos="305435" algn="l"/>
-              </a:tabLst>
-            </a:pPr>
-            <a:r>
-              <a:rPr sz="2600" spc="-20" dirty="0">
-                <a:latin typeface="Carlito"/>
-                <a:cs typeface="Carlito"/>
-              </a:rPr>
-              <a:t>Slow</a:t>
-            </a:r>
-            <a:endParaRPr sz="2600">
-              <a:latin typeface="Carlito"/>
-              <a:cs typeface="Carlito"/>
-            </a:endParaRPr>
-          </a:p>
-          <a:p>
-            <a:pPr marL="305435" marR="5080" indent="-293370">
-              <a:lnSpc>
-                <a:spcPct val="101000"/>
-              </a:lnSpc>
-              <a:spcBef>
-                <a:spcPts val="520"/>
-              </a:spcBef>
-              <a:buFont typeface="Arial"/>
-              <a:buChar char="•"/>
-              <a:tabLst>
-                <a:tab pos="305435" algn="l"/>
-              </a:tabLst>
-            </a:pPr>
-            <a:r>
-              <a:rPr sz="2600" dirty="0">
-                <a:latin typeface="Carlito"/>
-                <a:cs typeface="Carlito"/>
-              </a:rPr>
-              <a:t>High</a:t>
-            </a:r>
-            <a:r>
-              <a:rPr sz="2600" spc="-60" dirty="0">
-                <a:latin typeface="Carlito"/>
-                <a:cs typeface="Carlito"/>
-              </a:rPr>
-              <a:t> </a:t>
-            </a:r>
-            <a:r>
-              <a:rPr sz="2600" dirty="0">
-                <a:latin typeface="Carlito"/>
-                <a:cs typeface="Carlito"/>
-              </a:rPr>
-              <a:t>precision</a:t>
-            </a:r>
-            <a:r>
-              <a:rPr sz="2600" spc="-55" dirty="0">
-                <a:latin typeface="Carlito"/>
-                <a:cs typeface="Carlito"/>
-              </a:rPr>
-              <a:t> </a:t>
-            </a:r>
-            <a:r>
-              <a:rPr sz="2600" spc="-10" dirty="0">
-                <a:latin typeface="Carlito"/>
-                <a:cs typeface="Carlito"/>
-              </a:rPr>
-              <a:t>external </a:t>
-            </a:r>
-            <a:r>
-              <a:rPr sz="2600" dirty="0">
-                <a:latin typeface="Carlito"/>
-                <a:cs typeface="Carlito"/>
-              </a:rPr>
-              <a:t>components</a:t>
-            </a:r>
-            <a:r>
-              <a:rPr sz="2600" spc="-55" dirty="0">
-                <a:latin typeface="Carlito"/>
-                <a:cs typeface="Carlito"/>
-              </a:rPr>
-              <a:t> </a:t>
-            </a:r>
-            <a:r>
-              <a:rPr sz="2600" dirty="0">
-                <a:latin typeface="Carlito"/>
-                <a:cs typeface="Carlito"/>
-              </a:rPr>
-              <a:t>required</a:t>
-            </a:r>
-            <a:r>
-              <a:rPr sz="2600" spc="-45" dirty="0">
-                <a:latin typeface="Carlito"/>
-                <a:cs typeface="Carlito"/>
-              </a:rPr>
-              <a:t> </a:t>
-            </a:r>
-            <a:r>
-              <a:rPr sz="2600" spc="-35" dirty="0">
-                <a:latin typeface="Carlito"/>
-                <a:cs typeface="Carlito"/>
-              </a:rPr>
-              <a:t>to </a:t>
-            </a:r>
-            <a:r>
-              <a:rPr sz="2600" dirty="0">
-                <a:latin typeface="Carlito"/>
-                <a:cs typeface="Carlito"/>
-              </a:rPr>
-              <a:t>achieve</a:t>
-            </a:r>
-            <a:r>
-              <a:rPr sz="2600" spc="-35" dirty="0">
-                <a:latin typeface="Carlito"/>
-                <a:cs typeface="Carlito"/>
-              </a:rPr>
-              <a:t> </a:t>
-            </a:r>
-            <a:r>
-              <a:rPr sz="2600" spc="-10" dirty="0">
-                <a:latin typeface="Carlito"/>
-                <a:cs typeface="Carlito"/>
-              </a:rPr>
-              <a:t>accuracy</a:t>
-            </a:r>
-            <a:endParaRPr sz="2600">
-              <a:latin typeface="Carlito"/>
-              <a:cs typeface="Carlito"/>
-            </a:endParaRPr>
-          </a:p>
-        </p:txBody>
-      </p:sp>
-    </p:spTree>
-  </p:cSld>
-  <p:clrMapOvr>
-    <a:masterClrMapping/>
-  </p:clrMapOvr>
-</p:sld>
-</file>
-
-<file path=ppt/slides/slide17.xml><?xml version="1.0" encoding="utf-8"?>
-<p:sld xmlns:a="http://schemas.openxmlformats.org/drawingml/2006/main" xmlns:r="http://schemas.openxmlformats.org/officeDocument/2006/relationships" xmlns:p="http://schemas.openxmlformats.org/presentationml/2006/main" showMasterSp="0">
-  <p:cSld>
-    <p:spTree>
-      <p:nvGrpSpPr>
-        <p:cNvPr id="1" name=""/>
-        <p:cNvGrpSpPr/>
-        <p:nvPr/>
-      </p:nvGrpSpPr>
-      <p:grpSpPr>
-        <a:xfrm>
-          <a:off x="0" y="0"/>
-          <a:ext cx="0" cy="0"/>
-          <a:chOff x="0" y="0"/>
-          <a:chExt cx="0" cy="0"/>
-        </a:xfrm>
-      </p:grpSpPr>
-      <p:sp>
-        <p:nvSpPr>
-          <p:cNvPr id="2" name="object 2"/>
-          <p:cNvSpPr txBox="1">
-            <a:spLocks noGrp="1"/>
-          </p:cNvSpPr>
-          <p:nvPr>
-            <p:ph type="title"/>
-          </p:nvPr>
-        </p:nvSpPr>
-        <p:spPr>
-          <a:prstGeom prst="rect">
-            <a:avLst/>
-          </a:prstGeom>
-        </p:spPr>
-        <p:txBody>
-          <a:bodyPr vert="horz" wrap="square" lIns="0" tIns="12700" rIns="0" bIns="0" rtlCol="0">
-            <a:spAutoFit/>
-          </a:bodyPr>
-          <a:lstStyle/>
-          <a:p>
-            <a:pPr marL="418465">
-              <a:lnSpc>
-                <a:spcPct val="100000"/>
-              </a:lnSpc>
-              <a:spcBef>
-                <a:spcPts val="100"/>
-              </a:spcBef>
-            </a:pPr>
-            <a:r>
-              <a:rPr dirty="0"/>
-              <a:t>Successive</a:t>
-            </a:r>
-            <a:r>
-              <a:rPr spc="-225" dirty="0"/>
-              <a:t> </a:t>
-            </a:r>
-            <a:r>
-              <a:rPr spc="-10" dirty="0"/>
-              <a:t>Approximation</a:t>
-            </a:r>
-            <a:r>
-              <a:rPr spc="-220" dirty="0"/>
-              <a:t> </a:t>
-            </a:r>
-            <a:r>
-              <a:rPr spc="-25" dirty="0"/>
-              <a:t>ADC</a:t>
-            </a:r>
-          </a:p>
-        </p:txBody>
-      </p:sp>
-      <p:sp>
-        <p:nvSpPr>
-          <p:cNvPr id="3" name="object 3"/>
-          <p:cNvSpPr txBox="1"/>
-          <p:nvPr/>
-        </p:nvSpPr>
-        <p:spPr>
-          <a:xfrm>
-            <a:off x="591179" y="1570325"/>
-            <a:ext cx="8005445" cy="4189729"/>
-          </a:xfrm>
-          <a:prstGeom prst="rect">
-            <a:avLst/>
-          </a:prstGeom>
-        </p:spPr>
-        <p:txBody>
-          <a:bodyPr vert="horz" wrap="square" lIns="0" tIns="68580" rIns="0" bIns="0" rtlCol="0">
-            <a:spAutoFit/>
-          </a:bodyPr>
-          <a:lstStyle/>
-          <a:p>
-            <a:pPr marL="294640" marR="320675" indent="-281940">
-              <a:lnSpc>
-                <a:spcPts val="3450"/>
-              </a:lnSpc>
-              <a:spcBef>
-                <a:spcPts val="540"/>
-              </a:spcBef>
-              <a:buFont typeface="Arial"/>
-              <a:buChar char="•"/>
-              <a:tabLst>
-                <a:tab pos="294640" algn="l"/>
-              </a:tabLst>
-            </a:pPr>
-            <a:r>
-              <a:rPr sz="3200" dirty="0">
-                <a:latin typeface="Carlito"/>
-                <a:cs typeface="Carlito"/>
-              </a:rPr>
-              <a:t>A</a:t>
-            </a:r>
-            <a:r>
-              <a:rPr sz="3200" spc="-65" dirty="0">
-                <a:latin typeface="Carlito"/>
-                <a:cs typeface="Carlito"/>
-              </a:rPr>
-              <a:t> </a:t>
-            </a:r>
-            <a:r>
-              <a:rPr sz="3200" dirty="0">
-                <a:latin typeface="Carlito"/>
-                <a:cs typeface="Carlito"/>
-              </a:rPr>
-              <a:t>Successive</a:t>
-            </a:r>
-            <a:r>
-              <a:rPr sz="3200" spc="-65" dirty="0">
-                <a:latin typeface="Carlito"/>
-                <a:cs typeface="Carlito"/>
-              </a:rPr>
-              <a:t> </a:t>
-            </a:r>
-            <a:r>
-              <a:rPr sz="3200" spc="-10" dirty="0">
-                <a:latin typeface="Carlito"/>
-                <a:cs typeface="Carlito"/>
-              </a:rPr>
-              <a:t>Approximation</a:t>
-            </a:r>
-            <a:r>
-              <a:rPr sz="3200" spc="-65" dirty="0">
-                <a:latin typeface="Carlito"/>
-                <a:cs typeface="Carlito"/>
-              </a:rPr>
-              <a:t> </a:t>
-            </a:r>
-            <a:r>
-              <a:rPr sz="3200" dirty="0">
-                <a:latin typeface="Carlito"/>
-                <a:cs typeface="Carlito"/>
-              </a:rPr>
-              <a:t>Register</a:t>
-            </a:r>
-            <a:r>
-              <a:rPr sz="3200" spc="-65" dirty="0">
-                <a:latin typeface="Carlito"/>
-                <a:cs typeface="Carlito"/>
-              </a:rPr>
-              <a:t> </a:t>
-            </a:r>
-            <a:r>
-              <a:rPr sz="3200" dirty="0">
-                <a:latin typeface="Carlito"/>
-                <a:cs typeface="Carlito"/>
-              </a:rPr>
-              <a:t>(SAR)</a:t>
-            </a:r>
-            <a:r>
-              <a:rPr sz="3200" spc="-60" dirty="0">
-                <a:latin typeface="Carlito"/>
-                <a:cs typeface="Carlito"/>
-              </a:rPr>
-              <a:t> </a:t>
-            </a:r>
-            <a:r>
-              <a:rPr sz="3200" spc="-25" dirty="0">
-                <a:latin typeface="Carlito"/>
-                <a:cs typeface="Carlito"/>
-              </a:rPr>
-              <a:t>is </a:t>
-            </a:r>
-            <a:r>
-              <a:rPr sz="3200" dirty="0">
-                <a:latin typeface="Carlito"/>
-                <a:cs typeface="Carlito"/>
-              </a:rPr>
-              <a:t>added</a:t>
-            </a:r>
-            <a:r>
-              <a:rPr sz="3200" spc="-70" dirty="0">
-                <a:latin typeface="Carlito"/>
-                <a:cs typeface="Carlito"/>
-              </a:rPr>
-              <a:t> </a:t>
-            </a:r>
-            <a:r>
-              <a:rPr sz="3200" dirty="0">
-                <a:latin typeface="Carlito"/>
-                <a:cs typeface="Carlito"/>
-              </a:rPr>
-              <a:t>to</a:t>
-            </a:r>
-            <a:r>
-              <a:rPr sz="3200" spc="-70" dirty="0">
-                <a:latin typeface="Carlito"/>
-                <a:cs typeface="Carlito"/>
-              </a:rPr>
-              <a:t> </a:t>
-            </a:r>
-            <a:r>
-              <a:rPr sz="3200" dirty="0">
-                <a:latin typeface="Carlito"/>
-                <a:cs typeface="Carlito"/>
-              </a:rPr>
-              <a:t>the</a:t>
-            </a:r>
-            <a:r>
-              <a:rPr sz="3200" spc="-65" dirty="0">
-                <a:latin typeface="Carlito"/>
-                <a:cs typeface="Carlito"/>
-              </a:rPr>
-              <a:t> </a:t>
-            </a:r>
-            <a:r>
-              <a:rPr sz="3200" spc="-10" dirty="0">
-                <a:latin typeface="Carlito"/>
-                <a:cs typeface="Carlito"/>
-              </a:rPr>
-              <a:t>circuit</a:t>
-            </a:r>
-            <a:endParaRPr sz="3200">
-              <a:latin typeface="Carlito"/>
-              <a:cs typeface="Carlito"/>
-            </a:endParaRPr>
-          </a:p>
-          <a:p>
-            <a:pPr marL="294640" marR="5080" indent="-281940">
-              <a:lnSpc>
-                <a:spcPct val="90300"/>
-              </a:lnSpc>
-              <a:spcBef>
-                <a:spcPts val="570"/>
-              </a:spcBef>
-              <a:buFont typeface="Arial"/>
-              <a:buChar char="•"/>
-              <a:tabLst>
-                <a:tab pos="294640" algn="l"/>
-              </a:tabLst>
-            </a:pPr>
-            <a:r>
-              <a:rPr sz="3200" dirty="0">
-                <a:latin typeface="Carlito"/>
-                <a:cs typeface="Carlito"/>
-              </a:rPr>
-              <a:t>Instead</a:t>
-            </a:r>
-            <a:r>
-              <a:rPr sz="3200" spc="-95" dirty="0">
-                <a:latin typeface="Carlito"/>
-                <a:cs typeface="Carlito"/>
-              </a:rPr>
-              <a:t> </a:t>
-            </a:r>
-            <a:r>
-              <a:rPr sz="3200" dirty="0">
-                <a:latin typeface="Carlito"/>
-                <a:cs typeface="Carlito"/>
-              </a:rPr>
-              <a:t>of</a:t>
-            </a:r>
-            <a:r>
-              <a:rPr sz="3200" spc="-95" dirty="0">
-                <a:latin typeface="Carlito"/>
-                <a:cs typeface="Carlito"/>
-              </a:rPr>
-              <a:t> </a:t>
-            </a:r>
-            <a:r>
-              <a:rPr sz="3200" dirty="0">
-                <a:latin typeface="Carlito"/>
-                <a:cs typeface="Carlito"/>
-              </a:rPr>
-              <a:t>counting</a:t>
-            </a:r>
-            <a:r>
-              <a:rPr sz="3200" spc="-95" dirty="0">
-                <a:latin typeface="Carlito"/>
-                <a:cs typeface="Carlito"/>
-              </a:rPr>
-              <a:t> </a:t>
-            </a:r>
-            <a:r>
-              <a:rPr sz="3200" dirty="0">
-                <a:latin typeface="Carlito"/>
-                <a:cs typeface="Carlito"/>
-              </a:rPr>
-              <a:t>up</a:t>
-            </a:r>
-            <a:r>
-              <a:rPr sz="3200" spc="-95" dirty="0">
-                <a:latin typeface="Carlito"/>
-                <a:cs typeface="Carlito"/>
-              </a:rPr>
-              <a:t> </a:t>
-            </a:r>
-            <a:r>
-              <a:rPr sz="3200" dirty="0">
-                <a:latin typeface="Carlito"/>
-                <a:cs typeface="Carlito"/>
-              </a:rPr>
-              <a:t>in</a:t>
-            </a:r>
-            <a:r>
-              <a:rPr sz="3200" spc="-95" dirty="0">
-                <a:latin typeface="Carlito"/>
-                <a:cs typeface="Carlito"/>
-              </a:rPr>
-              <a:t> </a:t>
-            </a:r>
-            <a:r>
-              <a:rPr sz="3200" dirty="0">
-                <a:latin typeface="Carlito"/>
-                <a:cs typeface="Carlito"/>
-              </a:rPr>
-              <a:t>binary</a:t>
-            </a:r>
-            <a:r>
-              <a:rPr sz="3200" spc="-95" dirty="0">
-                <a:latin typeface="Carlito"/>
-                <a:cs typeface="Carlito"/>
-              </a:rPr>
-              <a:t> </a:t>
-            </a:r>
-            <a:r>
-              <a:rPr sz="3200" dirty="0">
-                <a:latin typeface="Carlito"/>
-                <a:cs typeface="Carlito"/>
-              </a:rPr>
-              <a:t>sequence,</a:t>
-            </a:r>
-            <a:r>
-              <a:rPr sz="3200" spc="-95" dirty="0">
-                <a:latin typeface="Carlito"/>
-                <a:cs typeface="Carlito"/>
-              </a:rPr>
-              <a:t> </a:t>
-            </a:r>
-            <a:r>
-              <a:rPr sz="3200" spc="-20" dirty="0">
-                <a:latin typeface="Carlito"/>
-                <a:cs typeface="Carlito"/>
-              </a:rPr>
-              <a:t>this </a:t>
-            </a:r>
-            <a:r>
-              <a:rPr sz="3200" dirty="0">
-                <a:latin typeface="Carlito"/>
-                <a:cs typeface="Carlito"/>
-              </a:rPr>
-              <a:t>register</a:t>
-            </a:r>
-            <a:r>
-              <a:rPr sz="3200" spc="-70" dirty="0">
-                <a:latin typeface="Carlito"/>
-                <a:cs typeface="Carlito"/>
-              </a:rPr>
-              <a:t> </a:t>
-            </a:r>
-            <a:r>
-              <a:rPr sz="3200" dirty="0">
-                <a:latin typeface="Carlito"/>
-                <a:cs typeface="Carlito"/>
-              </a:rPr>
-              <a:t>counts</a:t>
-            </a:r>
-            <a:r>
-              <a:rPr sz="3200" spc="-65" dirty="0">
-                <a:latin typeface="Carlito"/>
-                <a:cs typeface="Carlito"/>
-              </a:rPr>
-              <a:t> </a:t>
-            </a:r>
-            <a:r>
-              <a:rPr sz="3200" dirty="0">
-                <a:latin typeface="Carlito"/>
-                <a:cs typeface="Carlito"/>
-              </a:rPr>
-              <a:t>by</a:t>
-            </a:r>
-            <a:r>
-              <a:rPr sz="3200" spc="-70" dirty="0">
-                <a:latin typeface="Carlito"/>
-                <a:cs typeface="Carlito"/>
-              </a:rPr>
-              <a:t> </a:t>
-            </a:r>
-            <a:r>
-              <a:rPr sz="3200" dirty="0">
-                <a:latin typeface="Carlito"/>
-                <a:cs typeface="Carlito"/>
-              </a:rPr>
-              <a:t>trying</a:t>
-            </a:r>
-            <a:r>
-              <a:rPr sz="3200" spc="-65" dirty="0">
-                <a:latin typeface="Carlito"/>
-                <a:cs typeface="Carlito"/>
-              </a:rPr>
-              <a:t> </a:t>
-            </a:r>
-            <a:r>
-              <a:rPr sz="3200" dirty="0">
-                <a:latin typeface="Carlito"/>
-                <a:cs typeface="Carlito"/>
-              </a:rPr>
-              <a:t>all</a:t>
-            </a:r>
-            <a:r>
-              <a:rPr sz="3200" spc="-70" dirty="0">
-                <a:latin typeface="Carlito"/>
-                <a:cs typeface="Carlito"/>
-              </a:rPr>
-              <a:t> </a:t>
-            </a:r>
-            <a:r>
-              <a:rPr sz="3200" dirty="0">
-                <a:latin typeface="Carlito"/>
-                <a:cs typeface="Carlito"/>
-              </a:rPr>
-              <a:t>values</a:t>
-            </a:r>
-            <a:r>
-              <a:rPr sz="3200" spc="-65" dirty="0">
-                <a:latin typeface="Carlito"/>
-                <a:cs typeface="Carlito"/>
-              </a:rPr>
-              <a:t> </a:t>
-            </a:r>
-            <a:r>
-              <a:rPr sz="3200" dirty="0">
-                <a:latin typeface="Carlito"/>
-                <a:cs typeface="Carlito"/>
-              </a:rPr>
-              <a:t>of</a:t>
-            </a:r>
-            <a:r>
-              <a:rPr sz="3200" spc="-70" dirty="0">
-                <a:latin typeface="Carlito"/>
-                <a:cs typeface="Carlito"/>
-              </a:rPr>
-              <a:t> </a:t>
-            </a:r>
-            <a:r>
-              <a:rPr sz="3200" spc="-20" dirty="0">
-                <a:latin typeface="Carlito"/>
-                <a:cs typeface="Carlito"/>
-              </a:rPr>
-              <a:t>bits </a:t>
-            </a:r>
-            <a:r>
-              <a:rPr sz="3200" dirty="0">
-                <a:latin typeface="Carlito"/>
-                <a:cs typeface="Carlito"/>
-              </a:rPr>
-              <a:t>starting</a:t>
-            </a:r>
-            <a:r>
-              <a:rPr sz="3200" spc="-85" dirty="0">
-                <a:latin typeface="Carlito"/>
-                <a:cs typeface="Carlito"/>
-              </a:rPr>
-              <a:t> </a:t>
-            </a:r>
-            <a:r>
-              <a:rPr sz="3200" dirty="0">
-                <a:latin typeface="Carlito"/>
-                <a:cs typeface="Carlito"/>
-              </a:rPr>
-              <a:t>with</a:t>
-            </a:r>
-            <a:r>
-              <a:rPr sz="3200" spc="-85" dirty="0">
-                <a:latin typeface="Carlito"/>
-                <a:cs typeface="Carlito"/>
-              </a:rPr>
-              <a:t> </a:t>
-            </a:r>
-            <a:r>
-              <a:rPr sz="3200" dirty="0">
-                <a:latin typeface="Carlito"/>
-                <a:cs typeface="Carlito"/>
-              </a:rPr>
-              <a:t>the</a:t>
-            </a:r>
-            <a:r>
-              <a:rPr sz="3200" spc="-80" dirty="0">
-                <a:latin typeface="Carlito"/>
-                <a:cs typeface="Carlito"/>
-              </a:rPr>
-              <a:t> </a:t>
-            </a:r>
-            <a:r>
-              <a:rPr sz="3200" dirty="0">
-                <a:latin typeface="Carlito"/>
-                <a:cs typeface="Carlito"/>
-              </a:rPr>
-              <a:t>MSB</a:t>
-            </a:r>
-            <a:r>
-              <a:rPr sz="3200" spc="-85" dirty="0">
-                <a:latin typeface="Carlito"/>
-                <a:cs typeface="Carlito"/>
-              </a:rPr>
-              <a:t> </a:t>
-            </a:r>
-            <a:r>
-              <a:rPr sz="3200" dirty="0">
-                <a:latin typeface="Carlito"/>
-                <a:cs typeface="Carlito"/>
-              </a:rPr>
-              <a:t>and</a:t>
-            </a:r>
-            <a:r>
-              <a:rPr sz="3200" spc="-85" dirty="0">
-                <a:latin typeface="Carlito"/>
-                <a:cs typeface="Carlito"/>
-              </a:rPr>
-              <a:t> </a:t>
-            </a:r>
-            <a:r>
-              <a:rPr sz="3200" dirty="0">
-                <a:latin typeface="Carlito"/>
-                <a:cs typeface="Carlito"/>
-              </a:rPr>
-              <a:t>finishing</a:t>
-            </a:r>
-            <a:r>
-              <a:rPr sz="3200" spc="-80" dirty="0">
-                <a:latin typeface="Carlito"/>
-                <a:cs typeface="Carlito"/>
-              </a:rPr>
-              <a:t> </a:t>
-            </a:r>
-            <a:r>
-              <a:rPr sz="3200" dirty="0">
-                <a:latin typeface="Carlito"/>
-                <a:cs typeface="Carlito"/>
-              </a:rPr>
-              <a:t>at</a:t>
-            </a:r>
-            <a:r>
-              <a:rPr sz="3200" spc="-85" dirty="0">
-                <a:latin typeface="Carlito"/>
-                <a:cs typeface="Carlito"/>
-              </a:rPr>
-              <a:t> </a:t>
-            </a:r>
-            <a:r>
-              <a:rPr sz="3200" dirty="0">
-                <a:latin typeface="Carlito"/>
-                <a:cs typeface="Carlito"/>
-              </a:rPr>
-              <a:t>the</a:t>
-            </a:r>
-            <a:r>
-              <a:rPr sz="3200" spc="-80" dirty="0">
-                <a:latin typeface="Carlito"/>
-                <a:cs typeface="Carlito"/>
-              </a:rPr>
-              <a:t> </a:t>
-            </a:r>
-            <a:r>
-              <a:rPr sz="3200" spc="-20" dirty="0">
-                <a:latin typeface="Carlito"/>
-                <a:cs typeface="Carlito"/>
-              </a:rPr>
-              <a:t>LSB.</a:t>
-            </a:r>
-            <a:endParaRPr sz="3200">
-              <a:latin typeface="Carlito"/>
-              <a:cs typeface="Carlito"/>
-            </a:endParaRPr>
-          </a:p>
-          <a:p>
-            <a:pPr marL="294640" marR="86995" indent="-281940">
-              <a:lnSpc>
-                <a:spcPct val="90100"/>
-              </a:lnSpc>
-              <a:spcBef>
-                <a:spcPts val="630"/>
-              </a:spcBef>
-              <a:buFont typeface="Arial"/>
-              <a:buChar char="•"/>
-              <a:tabLst>
-                <a:tab pos="294640" algn="l"/>
-              </a:tabLst>
-            </a:pPr>
-            <a:r>
-              <a:rPr sz="3200" dirty="0">
-                <a:latin typeface="Carlito"/>
-                <a:cs typeface="Carlito"/>
-              </a:rPr>
-              <a:t>The</a:t>
-            </a:r>
-            <a:r>
-              <a:rPr sz="3200" spc="-90" dirty="0">
-                <a:latin typeface="Carlito"/>
-                <a:cs typeface="Carlito"/>
-              </a:rPr>
-              <a:t> </a:t>
-            </a:r>
-            <a:r>
-              <a:rPr sz="3200" dirty="0">
-                <a:latin typeface="Carlito"/>
-                <a:cs typeface="Carlito"/>
-              </a:rPr>
-              <a:t>register</a:t>
-            </a:r>
-            <a:r>
-              <a:rPr sz="3200" spc="-85" dirty="0">
-                <a:latin typeface="Carlito"/>
-                <a:cs typeface="Carlito"/>
-              </a:rPr>
-              <a:t> </a:t>
-            </a:r>
-            <a:r>
-              <a:rPr sz="3200" dirty="0">
-                <a:latin typeface="Carlito"/>
-                <a:cs typeface="Carlito"/>
-              </a:rPr>
-              <a:t>monitors</a:t>
-            </a:r>
-            <a:r>
-              <a:rPr sz="3200" spc="-85" dirty="0">
-                <a:latin typeface="Carlito"/>
-                <a:cs typeface="Carlito"/>
-              </a:rPr>
-              <a:t> </a:t>
-            </a:r>
-            <a:r>
-              <a:rPr sz="3200" dirty="0">
-                <a:latin typeface="Carlito"/>
-                <a:cs typeface="Carlito"/>
-              </a:rPr>
-              <a:t>the</a:t>
-            </a:r>
-            <a:r>
-              <a:rPr sz="3200" spc="-85" dirty="0">
-                <a:latin typeface="Carlito"/>
-                <a:cs typeface="Carlito"/>
-              </a:rPr>
-              <a:t> </a:t>
-            </a:r>
-            <a:r>
-              <a:rPr sz="3200" spc="-10" dirty="0">
-                <a:latin typeface="Carlito"/>
-                <a:cs typeface="Carlito"/>
-              </a:rPr>
-              <a:t>comparators</a:t>
-            </a:r>
-            <a:r>
-              <a:rPr sz="3200" spc="-90" dirty="0">
-                <a:latin typeface="Carlito"/>
-                <a:cs typeface="Carlito"/>
-              </a:rPr>
-              <a:t> </a:t>
-            </a:r>
-            <a:r>
-              <a:rPr sz="3200" spc="-10" dirty="0">
-                <a:latin typeface="Carlito"/>
-                <a:cs typeface="Carlito"/>
-              </a:rPr>
-              <a:t>output </a:t>
-            </a:r>
-            <a:r>
-              <a:rPr sz="3200" dirty="0">
-                <a:latin typeface="Carlito"/>
-                <a:cs typeface="Carlito"/>
-              </a:rPr>
-              <a:t>to</a:t>
-            </a:r>
-            <a:r>
-              <a:rPr sz="3200" spc="-50" dirty="0">
-                <a:latin typeface="Carlito"/>
-                <a:cs typeface="Carlito"/>
-              </a:rPr>
-              <a:t> </a:t>
-            </a:r>
-            <a:r>
-              <a:rPr sz="3200" dirty="0">
-                <a:latin typeface="Carlito"/>
-                <a:cs typeface="Carlito"/>
-              </a:rPr>
-              <a:t>see</a:t>
-            </a:r>
-            <a:r>
-              <a:rPr sz="3200" spc="-45" dirty="0">
-                <a:latin typeface="Carlito"/>
-                <a:cs typeface="Carlito"/>
-              </a:rPr>
-              <a:t> </a:t>
-            </a:r>
-            <a:r>
-              <a:rPr sz="3200" dirty="0">
-                <a:latin typeface="Carlito"/>
-                <a:cs typeface="Carlito"/>
-              </a:rPr>
-              <a:t>if</a:t>
-            </a:r>
-            <a:r>
-              <a:rPr sz="3200" spc="-50" dirty="0">
-                <a:latin typeface="Carlito"/>
-                <a:cs typeface="Carlito"/>
-              </a:rPr>
-              <a:t> </a:t>
-            </a:r>
-            <a:r>
-              <a:rPr sz="3200" dirty="0">
-                <a:latin typeface="Carlito"/>
-                <a:cs typeface="Carlito"/>
-              </a:rPr>
-              <a:t>the</a:t>
-            </a:r>
-            <a:r>
-              <a:rPr sz="3200" spc="-45" dirty="0">
-                <a:latin typeface="Carlito"/>
-                <a:cs typeface="Carlito"/>
-              </a:rPr>
-              <a:t> </a:t>
-            </a:r>
-            <a:r>
-              <a:rPr sz="3200" dirty="0">
-                <a:latin typeface="Carlito"/>
-                <a:cs typeface="Carlito"/>
-              </a:rPr>
-              <a:t>binary</a:t>
-            </a:r>
-            <a:r>
-              <a:rPr sz="3200" spc="-50" dirty="0">
-                <a:latin typeface="Carlito"/>
-                <a:cs typeface="Carlito"/>
-              </a:rPr>
-              <a:t> </a:t>
-            </a:r>
-            <a:r>
-              <a:rPr sz="3200" dirty="0">
-                <a:latin typeface="Carlito"/>
-                <a:cs typeface="Carlito"/>
-              </a:rPr>
-              <a:t>count</a:t>
-            </a:r>
-            <a:r>
-              <a:rPr sz="3200" spc="-45" dirty="0">
-                <a:latin typeface="Carlito"/>
-                <a:cs typeface="Carlito"/>
-              </a:rPr>
-              <a:t> </a:t>
-            </a:r>
-            <a:r>
-              <a:rPr sz="3200" dirty="0">
-                <a:latin typeface="Carlito"/>
-                <a:cs typeface="Carlito"/>
-              </a:rPr>
-              <a:t>is</a:t>
-            </a:r>
-            <a:r>
-              <a:rPr sz="3200" spc="-50" dirty="0">
-                <a:latin typeface="Carlito"/>
-                <a:cs typeface="Carlito"/>
-              </a:rPr>
-              <a:t> </a:t>
-            </a:r>
-            <a:r>
-              <a:rPr sz="3200" dirty="0">
-                <a:latin typeface="Carlito"/>
-                <a:cs typeface="Carlito"/>
-              </a:rPr>
-              <a:t>greater</a:t>
-            </a:r>
-            <a:r>
-              <a:rPr sz="3200" spc="-45" dirty="0">
-                <a:latin typeface="Carlito"/>
-                <a:cs typeface="Carlito"/>
-              </a:rPr>
-              <a:t> </a:t>
-            </a:r>
-            <a:r>
-              <a:rPr sz="3200" dirty="0">
-                <a:latin typeface="Carlito"/>
-                <a:cs typeface="Carlito"/>
-              </a:rPr>
-              <a:t>or</a:t>
-            </a:r>
-            <a:r>
-              <a:rPr sz="3200" spc="-50" dirty="0">
-                <a:latin typeface="Carlito"/>
-                <a:cs typeface="Carlito"/>
-              </a:rPr>
-              <a:t> </a:t>
-            </a:r>
-            <a:r>
-              <a:rPr sz="3200" spc="-20" dirty="0">
-                <a:latin typeface="Carlito"/>
-                <a:cs typeface="Carlito"/>
-              </a:rPr>
-              <a:t>less </a:t>
-            </a:r>
-            <a:r>
-              <a:rPr sz="3200" dirty="0">
-                <a:latin typeface="Carlito"/>
-                <a:cs typeface="Carlito"/>
-              </a:rPr>
-              <a:t>than</a:t>
-            </a:r>
-            <a:r>
-              <a:rPr sz="3200" spc="-95" dirty="0">
-                <a:latin typeface="Carlito"/>
-                <a:cs typeface="Carlito"/>
-              </a:rPr>
-              <a:t> </a:t>
-            </a:r>
-            <a:r>
-              <a:rPr sz="3200" dirty="0">
-                <a:latin typeface="Carlito"/>
-                <a:cs typeface="Carlito"/>
-              </a:rPr>
-              <a:t>the</a:t>
-            </a:r>
-            <a:r>
-              <a:rPr sz="3200" spc="-90" dirty="0">
-                <a:latin typeface="Carlito"/>
-                <a:cs typeface="Carlito"/>
-              </a:rPr>
-              <a:t> </a:t>
-            </a:r>
-            <a:r>
-              <a:rPr sz="3200" dirty="0">
-                <a:latin typeface="Carlito"/>
-                <a:cs typeface="Carlito"/>
-              </a:rPr>
-              <a:t>analog</a:t>
-            </a:r>
-            <a:r>
-              <a:rPr sz="3200" spc="-95" dirty="0">
-                <a:latin typeface="Carlito"/>
-                <a:cs typeface="Carlito"/>
-              </a:rPr>
-              <a:t> </a:t>
-            </a:r>
-            <a:r>
-              <a:rPr sz="3200" dirty="0">
-                <a:latin typeface="Carlito"/>
-                <a:cs typeface="Carlito"/>
-              </a:rPr>
-              <a:t>signal</a:t>
-            </a:r>
-            <a:r>
-              <a:rPr sz="3200" spc="-90" dirty="0">
-                <a:latin typeface="Carlito"/>
-                <a:cs typeface="Carlito"/>
-              </a:rPr>
-              <a:t> </a:t>
-            </a:r>
-            <a:r>
-              <a:rPr sz="3200" dirty="0">
-                <a:latin typeface="Carlito"/>
-                <a:cs typeface="Carlito"/>
-              </a:rPr>
-              <a:t>input</a:t>
-            </a:r>
-            <a:r>
-              <a:rPr sz="3200" spc="-95" dirty="0">
-                <a:latin typeface="Carlito"/>
-                <a:cs typeface="Carlito"/>
-              </a:rPr>
-              <a:t> </a:t>
-            </a:r>
-            <a:r>
-              <a:rPr sz="3200" dirty="0">
-                <a:latin typeface="Carlito"/>
-                <a:cs typeface="Carlito"/>
-              </a:rPr>
-              <a:t>and</a:t>
-            </a:r>
-            <a:r>
-              <a:rPr sz="3200" spc="-90" dirty="0">
-                <a:latin typeface="Carlito"/>
-                <a:cs typeface="Carlito"/>
-              </a:rPr>
-              <a:t> </a:t>
-            </a:r>
-            <a:r>
-              <a:rPr sz="3200" dirty="0">
-                <a:latin typeface="Carlito"/>
-                <a:cs typeface="Carlito"/>
-              </a:rPr>
-              <a:t>adjusts</a:t>
-            </a:r>
-            <a:r>
-              <a:rPr sz="3200" spc="-95" dirty="0">
-                <a:latin typeface="Carlito"/>
-                <a:cs typeface="Carlito"/>
-              </a:rPr>
-              <a:t> </a:t>
-            </a:r>
-            <a:r>
-              <a:rPr sz="3200" spc="-25" dirty="0">
-                <a:latin typeface="Carlito"/>
-                <a:cs typeface="Carlito"/>
-              </a:rPr>
-              <a:t>the </a:t>
-            </a:r>
-            <a:r>
-              <a:rPr sz="3200" dirty="0">
-                <a:latin typeface="Carlito"/>
-                <a:cs typeface="Carlito"/>
-              </a:rPr>
-              <a:t>bits</a:t>
-            </a:r>
-            <a:r>
-              <a:rPr sz="3200" spc="-70" dirty="0">
-                <a:latin typeface="Carlito"/>
-                <a:cs typeface="Carlito"/>
-              </a:rPr>
-              <a:t> </a:t>
-            </a:r>
-            <a:r>
-              <a:rPr sz="3200" spc="-10" dirty="0">
-                <a:latin typeface="Carlito"/>
-                <a:cs typeface="Carlito"/>
-              </a:rPr>
-              <a:t>accordingly</a:t>
-            </a:r>
-            <a:endParaRPr sz="3200">
-              <a:latin typeface="Carlito"/>
-              <a:cs typeface="Carlito"/>
-            </a:endParaRPr>
-          </a:p>
-        </p:txBody>
-      </p:sp>
-    </p:spTree>
-  </p:cSld>
-  <p:clrMapOvr>
-    <a:masterClrMapping/>
-  </p:clrMapOvr>
-</p:sld>
-</file>
-
-<file path=ppt/slides/slide18.xml><?xml version="1.0" encoding="utf-8"?>
-<p:sld xmlns:a="http://schemas.openxmlformats.org/drawingml/2006/main" xmlns:r="http://schemas.openxmlformats.org/officeDocument/2006/relationships" xmlns:p="http://schemas.openxmlformats.org/presentationml/2006/main" showMasterSp="0">
-  <p:cSld>
-    <p:spTree>
-      <p:nvGrpSpPr>
-        <p:cNvPr id="1" name=""/>
-        <p:cNvGrpSpPr/>
-        <p:nvPr/>
-      </p:nvGrpSpPr>
-      <p:grpSpPr>
-        <a:xfrm>
-          <a:off x="0" y="0"/>
-          <a:ext cx="0" cy="0"/>
-          <a:chOff x="0" y="0"/>
-          <a:chExt cx="0" cy="0"/>
-        </a:xfrm>
-      </p:grpSpPr>
-      <p:sp>
-        <p:nvSpPr>
-          <p:cNvPr id="2" name="object 2"/>
-          <p:cNvSpPr txBox="1">
-            <a:spLocks noGrp="1"/>
-          </p:cNvSpPr>
-          <p:nvPr>
-            <p:ph type="title"/>
-          </p:nvPr>
-        </p:nvSpPr>
-        <p:spPr>
-          <a:prstGeom prst="rect">
-            <a:avLst/>
-          </a:prstGeom>
-        </p:spPr>
-        <p:txBody>
-          <a:bodyPr vert="horz" wrap="square" lIns="0" tIns="12700" rIns="0" bIns="0" rtlCol="0">
-            <a:spAutoFit/>
-          </a:bodyPr>
-          <a:lstStyle/>
-          <a:p>
-            <a:pPr marL="12700">
-              <a:lnSpc>
-                <a:spcPct val="100000"/>
-              </a:lnSpc>
-              <a:spcBef>
-                <a:spcPts val="100"/>
-              </a:spcBef>
-            </a:pPr>
-            <a:r>
-              <a:rPr sz="4000" dirty="0"/>
-              <a:t>Successive</a:t>
-            </a:r>
-            <a:r>
-              <a:rPr sz="4000" spc="-70" dirty="0"/>
-              <a:t> </a:t>
-            </a:r>
-            <a:r>
-              <a:rPr sz="4000" dirty="0"/>
-              <a:t>Approximation</a:t>
-            </a:r>
-            <a:r>
-              <a:rPr sz="4000" spc="-65" dirty="0"/>
-              <a:t> </a:t>
-            </a:r>
-            <a:r>
-              <a:rPr sz="4000" dirty="0"/>
-              <a:t>ADC</a:t>
-            </a:r>
-            <a:r>
-              <a:rPr sz="4000" spc="-65" dirty="0"/>
-              <a:t> </a:t>
-            </a:r>
-            <a:r>
-              <a:rPr sz="4000" spc="-10" dirty="0"/>
-              <a:t>Circuit</a:t>
-            </a:r>
-            <a:endParaRPr sz="4000"/>
-          </a:p>
-        </p:txBody>
-      </p:sp>
-      <p:pic>
-        <p:nvPicPr>
-          <p:cNvPr id="3" name="object 3"/>
-          <p:cNvPicPr/>
-          <p:nvPr/>
-        </p:nvPicPr>
-        <p:blipFill>
-          <a:blip r:embed="rId2" cstate="print"/>
-          <a:stretch>
-            <a:fillRect/>
-          </a:stretch>
-        </p:blipFill>
-        <p:spPr>
-          <a:xfrm>
-            <a:off x="1600196" y="1523996"/>
-            <a:ext cx="5513441" cy="4468808"/>
-          </a:xfrm>
-          <a:prstGeom prst="rect">
-            <a:avLst/>
-          </a:prstGeom>
-        </p:spPr>
-      </p:pic>
-    </p:spTree>
-  </p:cSld>
-  <p:clrMapOvr>
-    <a:masterClrMapping/>
-  </p:clrMapOvr>
-</p:sld>
-</file>
-
-<file path=ppt/slides/slide19.xml><?xml version="1.0" encoding="utf-8"?>
-<p:sld xmlns:a="http://schemas.openxmlformats.org/drawingml/2006/main" xmlns:r="http://schemas.openxmlformats.org/officeDocument/2006/relationships" xmlns:p="http://schemas.openxmlformats.org/presentationml/2006/main" showMasterSp="0">
-  <p:cSld>
-    <p:spTree>
-      <p:nvGrpSpPr>
-        <p:cNvPr id="1" name=""/>
-        <p:cNvGrpSpPr/>
-        <p:nvPr/>
-      </p:nvGrpSpPr>
-      <p:grpSpPr>
-        <a:xfrm>
-          <a:off x="0" y="0"/>
-          <a:ext cx="0" cy="0"/>
-          <a:chOff x="0" y="0"/>
-          <a:chExt cx="0" cy="0"/>
-        </a:xfrm>
-      </p:grpSpPr>
-      <p:sp>
-        <p:nvSpPr>
-          <p:cNvPr id="2" name="object 2"/>
-          <p:cNvSpPr txBox="1">
-            <a:spLocks noGrp="1"/>
-          </p:cNvSpPr>
-          <p:nvPr>
-            <p:ph type="title"/>
-          </p:nvPr>
-        </p:nvSpPr>
-        <p:spPr>
-          <a:prstGeom prst="rect">
-            <a:avLst/>
-          </a:prstGeom>
-        </p:spPr>
-        <p:txBody>
-          <a:bodyPr vert="horz" wrap="square" lIns="0" tIns="12700" rIns="0" bIns="0" rtlCol="0">
-            <a:spAutoFit/>
-          </a:bodyPr>
-          <a:lstStyle/>
-          <a:p>
-            <a:pPr marL="2560955">
-              <a:lnSpc>
-                <a:spcPct val="100000"/>
-              </a:lnSpc>
-              <a:spcBef>
-                <a:spcPts val="100"/>
-              </a:spcBef>
-            </a:pPr>
-            <a:r>
-              <a:rPr dirty="0"/>
-              <a:t>ADC</a:t>
-            </a:r>
-            <a:r>
-              <a:rPr spc="-95" dirty="0"/>
-              <a:t> </a:t>
-            </a:r>
-            <a:r>
-              <a:rPr spc="-10" dirty="0"/>
-              <a:t>Output</a:t>
-            </a:r>
-          </a:p>
-        </p:txBody>
-      </p:sp>
-      <p:pic>
-        <p:nvPicPr>
-          <p:cNvPr id="3" name="object 3"/>
-          <p:cNvPicPr/>
-          <p:nvPr/>
-        </p:nvPicPr>
-        <p:blipFill>
-          <a:blip r:embed="rId2" cstate="print"/>
-          <a:stretch>
-            <a:fillRect/>
-          </a:stretch>
-        </p:blipFill>
-        <p:spPr>
-          <a:xfrm>
-            <a:off x="1295397" y="1981196"/>
-            <a:ext cx="5943588" cy="3367097"/>
-          </a:xfrm>
-          <a:prstGeom prst="rect">
-            <a:avLst/>
-          </a:prstGeom>
-        </p:spPr>
-      </p:pic>
-    </p:spTree>
-  </p:cSld>
-  <p:clrMapOvr>
-    <a:masterClrMapping/>
-  </p:clrMapOvr>
-</p:sld>
-</file>
-
 <file path=ppt/slides/slide2.xml><?xml version="1.0" encoding="utf-8"?>
 <p:sld xmlns:a="http://schemas.openxmlformats.org/drawingml/2006/main" xmlns:r="http://schemas.openxmlformats.org/officeDocument/2006/relationships" xmlns:p="http://schemas.openxmlformats.org/presentationml/2006/main" showMasterSp="0">
   <p:cSld>
@@ -7274,7 +5979,7 @@
         </p:nvSpPr>
         <p:spPr>
           <a:xfrm>
-            <a:off x="1743553" y="126872"/>
+            <a:off x="1524000" y="-17106"/>
             <a:ext cx="6804175" cy="695960"/>
           </a:xfrm>
           <a:prstGeom prst="rect">
@@ -7341,7 +6046,7 @@
         </p:nvSpPr>
         <p:spPr>
           <a:xfrm>
-            <a:off x="591179" y="923541"/>
+            <a:off x="533400" y="706846"/>
             <a:ext cx="7956550" cy="5542280"/>
           </a:xfrm>
           <a:prstGeom prst="rect">
@@ -8277,6 +6982,1676 @@
           </a:bodyPr>
           <a:lstStyle/>
           <a:p>
+            <a:pPr marL="1515110">
+              <a:lnSpc>
+                <a:spcPct val="100000"/>
+              </a:lnSpc>
+              <a:spcBef>
+                <a:spcPts val="100"/>
+              </a:spcBef>
+            </a:pPr>
+            <a:r>
+              <a:rPr dirty="0"/>
+              <a:t>Dual</a:t>
+            </a:r>
+            <a:r>
+              <a:rPr spc="-114" dirty="0"/>
+              <a:t> </a:t>
+            </a:r>
+            <a:r>
+              <a:rPr dirty="0"/>
+              <a:t>Slope</a:t>
+            </a:r>
+            <a:r>
+              <a:rPr spc="-114" dirty="0"/>
+              <a:t> </a:t>
+            </a:r>
+            <a:r>
+              <a:rPr spc="-10" dirty="0"/>
+              <a:t>Converter</a:t>
+            </a:r>
+          </a:p>
+        </p:txBody>
+      </p:sp>
+      <p:sp>
+        <p:nvSpPr>
+          <p:cNvPr id="3" name="object 3"/>
+          <p:cNvSpPr txBox="1"/>
+          <p:nvPr/>
+        </p:nvSpPr>
+        <p:spPr>
+          <a:xfrm>
+            <a:off x="579756" y="1661601"/>
+            <a:ext cx="3503295" cy="2291080"/>
+          </a:xfrm>
+          <a:prstGeom prst="rect">
+            <a:avLst/>
+          </a:prstGeom>
+        </p:spPr>
+        <p:txBody>
+          <a:bodyPr vert="horz" wrap="square" lIns="0" tIns="82550" rIns="0" bIns="0" rtlCol="0">
+            <a:spAutoFit/>
+          </a:bodyPr>
+          <a:lstStyle/>
+          <a:p>
+            <a:pPr marL="1115060">
+              <a:lnSpc>
+                <a:spcPct val="100000"/>
+              </a:lnSpc>
+              <a:spcBef>
+                <a:spcPts val="650"/>
+              </a:spcBef>
+            </a:pPr>
+            <a:r>
+              <a:rPr sz="2600" spc="-10" dirty="0">
+                <a:solidFill>
+                  <a:srgbClr val="0000FF"/>
+                </a:solidFill>
+                <a:latin typeface="Carlito"/>
+                <a:cs typeface="Carlito"/>
+              </a:rPr>
+              <a:t>Advantages</a:t>
+            </a:r>
+            <a:endParaRPr sz="2600">
+              <a:latin typeface="Carlito"/>
+              <a:cs typeface="Carlito"/>
+            </a:endParaRPr>
+          </a:p>
+          <a:p>
+            <a:pPr marL="305435" indent="-292735">
+              <a:lnSpc>
+                <a:spcPct val="100000"/>
+              </a:lnSpc>
+              <a:spcBef>
+                <a:spcPts val="550"/>
+              </a:spcBef>
+              <a:buFont typeface="Arial"/>
+              <a:buChar char="•"/>
+              <a:tabLst>
+                <a:tab pos="305435" algn="l"/>
+              </a:tabLst>
+            </a:pPr>
+            <a:r>
+              <a:rPr sz="2600" dirty="0">
+                <a:latin typeface="Carlito"/>
+                <a:cs typeface="Carlito"/>
+              </a:rPr>
+              <a:t>Input</a:t>
+            </a:r>
+            <a:r>
+              <a:rPr sz="2600" spc="-45" dirty="0">
+                <a:latin typeface="Carlito"/>
+                <a:cs typeface="Carlito"/>
+              </a:rPr>
+              <a:t> </a:t>
+            </a:r>
+            <a:r>
+              <a:rPr sz="2600" dirty="0">
+                <a:latin typeface="Carlito"/>
+                <a:cs typeface="Carlito"/>
+              </a:rPr>
+              <a:t>signal</a:t>
+            </a:r>
+            <a:r>
+              <a:rPr sz="2600" spc="-40" dirty="0">
+                <a:latin typeface="Carlito"/>
+                <a:cs typeface="Carlito"/>
+              </a:rPr>
+              <a:t> </a:t>
+            </a:r>
+            <a:r>
+              <a:rPr sz="2600" dirty="0">
+                <a:latin typeface="Carlito"/>
+                <a:cs typeface="Carlito"/>
+              </a:rPr>
+              <a:t>is</a:t>
+            </a:r>
+            <a:r>
+              <a:rPr sz="2600" spc="-45" dirty="0">
+                <a:latin typeface="Carlito"/>
+                <a:cs typeface="Carlito"/>
+              </a:rPr>
+              <a:t> </a:t>
+            </a:r>
+            <a:r>
+              <a:rPr sz="2600" spc="-10" dirty="0">
+                <a:latin typeface="Carlito"/>
+                <a:cs typeface="Carlito"/>
+              </a:rPr>
+              <a:t>averaged</a:t>
+            </a:r>
+            <a:endParaRPr sz="2600">
+              <a:latin typeface="Carlito"/>
+              <a:cs typeface="Carlito"/>
+            </a:endParaRPr>
+          </a:p>
+          <a:p>
+            <a:pPr marL="305435" marR="5080" indent="-293370">
+              <a:lnSpc>
+                <a:spcPct val="101099"/>
+              </a:lnSpc>
+              <a:spcBef>
+                <a:spcPts val="520"/>
+              </a:spcBef>
+              <a:buFont typeface="Arial"/>
+              <a:buChar char="•"/>
+              <a:tabLst>
+                <a:tab pos="305435" algn="l"/>
+              </a:tabLst>
+            </a:pPr>
+            <a:r>
+              <a:rPr sz="2600" dirty="0">
+                <a:latin typeface="Carlito"/>
+                <a:cs typeface="Carlito"/>
+              </a:rPr>
+              <a:t>Greater</a:t>
+            </a:r>
+            <a:r>
+              <a:rPr sz="2600" spc="-75" dirty="0">
+                <a:latin typeface="Carlito"/>
+                <a:cs typeface="Carlito"/>
+              </a:rPr>
+              <a:t> </a:t>
+            </a:r>
+            <a:r>
+              <a:rPr sz="2600" dirty="0">
+                <a:latin typeface="Carlito"/>
+                <a:cs typeface="Carlito"/>
+              </a:rPr>
+              <a:t>noise</a:t>
+            </a:r>
+            <a:r>
+              <a:rPr sz="2600" spc="-70" dirty="0">
+                <a:latin typeface="Carlito"/>
+                <a:cs typeface="Carlito"/>
+              </a:rPr>
+              <a:t> </a:t>
+            </a:r>
+            <a:r>
+              <a:rPr sz="2600" spc="-10" dirty="0">
+                <a:latin typeface="Carlito"/>
+                <a:cs typeface="Carlito"/>
+              </a:rPr>
+              <a:t>immunity </a:t>
+            </a:r>
+            <a:r>
+              <a:rPr sz="2600" dirty="0">
+                <a:latin typeface="Carlito"/>
+                <a:cs typeface="Carlito"/>
+              </a:rPr>
+              <a:t>than</a:t>
+            </a:r>
+            <a:r>
+              <a:rPr sz="2600" spc="-60" dirty="0">
+                <a:latin typeface="Carlito"/>
+                <a:cs typeface="Carlito"/>
+              </a:rPr>
+              <a:t> </a:t>
+            </a:r>
+            <a:r>
+              <a:rPr sz="2600" dirty="0">
+                <a:latin typeface="Carlito"/>
+                <a:cs typeface="Carlito"/>
+              </a:rPr>
+              <a:t>other</a:t>
+            </a:r>
+            <a:r>
+              <a:rPr sz="2600" spc="-55" dirty="0">
+                <a:latin typeface="Carlito"/>
+                <a:cs typeface="Carlito"/>
+              </a:rPr>
+              <a:t> </a:t>
+            </a:r>
+            <a:r>
+              <a:rPr sz="2600" dirty="0">
+                <a:latin typeface="Carlito"/>
+                <a:cs typeface="Carlito"/>
+              </a:rPr>
+              <a:t>ADC</a:t>
+            </a:r>
+            <a:r>
+              <a:rPr sz="2600" spc="-55" dirty="0">
+                <a:latin typeface="Carlito"/>
+                <a:cs typeface="Carlito"/>
+              </a:rPr>
+              <a:t> </a:t>
+            </a:r>
+            <a:r>
+              <a:rPr sz="2600" spc="-10" dirty="0">
+                <a:latin typeface="Carlito"/>
+                <a:cs typeface="Carlito"/>
+              </a:rPr>
+              <a:t>types</a:t>
+            </a:r>
+            <a:endParaRPr sz="2600">
+              <a:latin typeface="Carlito"/>
+              <a:cs typeface="Carlito"/>
+            </a:endParaRPr>
+          </a:p>
+          <a:p>
+            <a:pPr marL="305435" indent="-292735">
+              <a:lnSpc>
+                <a:spcPct val="100000"/>
+              </a:lnSpc>
+              <a:spcBef>
+                <a:spcPts val="550"/>
+              </a:spcBef>
+              <a:buFont typeface="Arial"/>
+              <a:buChar char="•"/>
+              <a:tabLst>
+                <a:tab pos="305435" algn="l"/>
+              </a:tabLst>
+            </a:pPr>
+            <a:r>
+              <a:rPr sz="2600" dirty="0">
+                <a:latin typeface="Carlito"/>
+                <a:cs typeface="Carlito"/>
+              </a:rPr>
+              <a:t>High</a:t>
+            </a:r>
+            <a:r>
+              <a:rPr sz="2600" spc="-70" dirty="0">
+                <a:latin typeface="Carlito"/>
+                <a:cs typeface="Carlito"/>
+              </a:rPr>
+              <a:t> </a:t>
+            </a:r>
+            <a:r>
+              <a:rPr sz="2600" spc="-10" dirty="0">
+                <a:latin typeface="Carlito"/>
+                <a:cs typeface="Carlito"/>
+              </a:rPr>
+              <a:t>accuracy</a:t>
+            </a:r>
+            <a:endParaRPr sz="2600">
+              <a:latin typeface="Carlito"/>
+              <a:cs typeface="Carlito"/>
+            </a:endParaRPr>
+          </a:p>
+        </p:txBody>
+      </p:sp>
+      <p:sp>
+        <p:nvSpPr>
+          <p:cNvPr id="4" name="object 4"/>
+          <p:cNvSpPr txBox="1"/>
+          <p:nvPr/>
+        </p:nvSpPr>
+        <p:spPr>
+          <a:xfrm>
+            <a:off x="4770748" y="1661601"/>
+            <a:ext cx="3582670" cy="2225040"/>
+          </a:xfrm>
+          <a:prstGeom prst="rect">
+            <a:avLst/>
+          </a:prstGeom>
+        </p:spPr>
+        <p:txBody>
+          <a:bodyPr vert="horz" wrap="square" lIns="0" tIns="82550" rIns="0" bIns="0" rtlCol="0">
+            <a:spAutoFit/>
+          </a:bodyPr>
+          <a:lstStyle/>
+          <a:p>
+            <a:pPr marL="927735">
+              <a:lnSpc>
+                <a:spcPct val="100000"/>
+              </a:lnSpc>
+              <a:spcBef>
+                <a:spcPts val="650"/>
+              </a:spcBef>
+            </a:pPr>
+            <a:r>
+              <a:rPr sz="2600" spc="-10" dirty="0">
+                <a:solidFill>
+                  <a:srgbClr val="4F80BC"/>
+                </a:solidFill>
+                <a:latin typeface="Carlito"/>
+                <a:cs typeface="Carlito"/>
+              </a:rPr>
+              <a:t>Disadvantages</a:t>
+            </a:r>
+            <a:endParaRPr sz="2600">
+              <a:latin typeface="Carlito"/>
+              <a:cs typeface="Carlito"/>
+            </a:endParaRPr>
+          </a:p>
+          <a:p>
+            <a:pPr marL="305435" indent="-292735">
+              <a:lnSpc>
+                <a:spcPct val="100000"/>
+              </a:lnSpc>
+              <a:spcBef>
+                <a:spcPts val="550"/>
+              </a:spcBef>
+              <a:buFont typeface="Arial"/>
+              <a:buChar char="•"/>
+              <a:tabLst>
+                <a:tab pos="305435" algn="l"/>
+              </a:tabLst>
+            </a:pPr>
+            <a:r>
+              <a:rPr sz="2600" spc="-20" dirty="0">
+                <a:latin typeface="Carlito"/>
+                <a:cs typeface="Carlito"/>
+              </a:rPr>
+              <a:t>Slow</a:t>
+            </a:r>
+            <a:endParaRPr sz="2600">
+              <a:latin typeface="Carlito"/>
+              <a:cs typeface="Carlito"/>
+            </a:endParaRPr>
+          </a:p>
+          <a:p>
+            <a:pPr marL="305435" marR="5080" indent="-293370">
+              <a:lnSpc>
+                <a:spcPct val="101000"/>
+              </a:lnSpc>
+              <a:spcBef>
+                <a:spcPts val="520"/>
+              </a:spcBef>
+              <a:buFont typeface="Arial"/>
+              <a:buChar char="•"/>
+              <a:tabLst>
+                <a:tab pos="305435" algn="l"/>
+              </a:tabLst>
+            </a:pPr>
+            <a:r>
+              <a:rPr sz="2600" dirty="0">
+                <a:latin typeface="Carlito"/>
+                <a:cs typeface="Carlito"/>
+              </a:rPr>
+              <a:t>High</a:t>
+            </a:r>
+            <a:r>
+              <a:rPr sz="2600" spc="-60" dirty="0">
+                <a:latin typeface="Carlito"/>
+                <a:cs typeface="Carlito"/>
+              </a:rPr>
+              <a:t> </a:t>
+            </a:r>
+            <a:r>
+              <a:rPr sz="2600" dirty="0">
+                <a:latin typeface="Carlito"/>
+                <a:cs typeface="Carlito"/>
+              </a:rPr>
+              <a:t>precision</a:t>
+            </a:r>
+            <a:r>
+              <a:rPr sz="2600" spc="-55" dirty="0">
+                <a:latin typeface="Carlito"/>
+                <a:cs typeface="Carlito"/>
+              </a:rPr>
+              <a:t> </a:t>
+            </a:r>
+            <a:r>
+              <a:rPr sz="2600" spc="-10" dirty="0">
+                <a:latin typeface="Carlito"/>
+                <a:cs typeface="Carlito"/>
+              </a:rPr>
+              <a:t>external </a:t>
+            </a:r>
+            <a:r>
+              <a:rPr sz="2600" dirty="0">
+                <a:latin typeface="Carlito"/>
+                <a:cs typeface="Carlito"/>
+              </a:rPr>
+              <a:t>components</a:t>
+            </a:r>
+            <a:r>
+              <a:rPr sz="2600" spc="-55" dirty="0">
+                <a:latin typeface="Carlito"/>
+                <a:cs typeface="Carlito"/>
+              </a:rPr>
+              <a:t> </a:t>
+            </a:r>
+            <a:r>
+              <a:rPr sz="2600" dirty="0">
+                <a:latin typeface="Carlito"/>
+                <a:cs typeface="Carlito"/>
+              </a:rPr>
+              <a:t>required</a:t>
+            </a:r>
+            <a:r>
+              <a:rPr sz="2600" spc="-45" dirty="0">
+                <a:latin typeface="Carlito"/>
+                <a:cs typeface="Carlito"/>
+              </a:rPr>
+              <a:t> </a:t>
+            </a:r>
+            <a:r>
+              <a:rPr sz="2600" spc="-35" dirty="0">
+                <a:latin typeface="Carlito"/>
+                <a:cs typeface="Carlito"/>
+              </a:rPr>
+              <a:t>to </a:t>
+            </a:r>
+            <a:r>
+              <a:rPr sz="2600" dirty="0">
+                <a:latin typeface="Carlito"/>
+                <a:cs typeface="Carlito"/>
+              </a:rPr>
+              <a:t>achieve</a:t>
+            </a:r>
+            <a:r>
+              <a:rPr sz="2600" spc="-35" dirty="0">
+                <a:latin typeface="Carlito"/>
+                <a:cs typeface="Carlito"/>
+              </a:rPr>
+              <a:t> </a:t>
+            </a:r>
+            <a:r>
+              <a:rPr sz="2600" spc="-10" dirty="0">
+                <a:latin typeface="Carlito"/>
+                <a:cs typeface="Carlito"/>
+              </a:rPr>
+              <a:t>accuracy</a:t>
+            </a:r>
+            <a:endParaRPr sz="2600">
+              <a:latin typeface="Carlito"/>
+              <a:cs typeface="Carlito"/>
+            </a:endParaRPr>
+          </a:p>
+        </p:txBody>
+      </p:sp>
+    </p:spTree>
+  </p:cSld>
+  <p:clrMapOvr>
+    <a:masterClrMapping/>
+  </p:clrMapOvr>
+</p:sld>
+</file>
+
+<file path=ppt/slides/slide21.xml><?xml version="1.0" encoding="utf-8"?>
+<p:sld xmlns:a="http://schemas.openxmlformats.org/drawingml/2006/main" xmlns:r="http://schemas.openxmlformats.org/officeDocument/2006/relationships" xmlns:p="http://schemas.openxmlformats.org/presentationml/2006/main" showMasterSp="0">
+  <p:cSld>
+    <p:spTree>
+      <p:nvGrpSpPr>
+        <p:cNvPr id="1" name=""/>
+        <p:cNvGrpSpPr/>
+        <p:nvPr/>
+      </p:nvGrpSpPr>
+      <p:grpSpPr>
+        <a:xfrm>
+          <a:off x="0" y="0"/>
+          <a:ext cx="0" cy="0"/>
+          <a:chOff x="0" y="0"/>
+          <a:chExt cx="0" cy="0"/>
+        </a:xfrm>
+      </p:grpSpPr>
+      <p:sp>
+        <p:nvSpPr>
+          <p:cNvPr id="2" name="object 2"/>
+          <p:cNvSpPr txBox="1">
+            <a:spLocks noGrp="1"/>
+          </p:cNvSpPr>
+          <p:nvPr>
+            <p:ph type="title"/>
+          </p:nvPr>
+        </p:nvSpPr>
+        <p:spPr>
+          <a:xfrm>
+            <a:off x="674718" y="228600"/>
+            <a:ext cx="7838365" cy="635000"/>
+          </a:xfrm>
+          <a:prstGeom prst="rect">
+            <a:avLst/>
+          </a:prstGeom>
+        </p:spPr>
+        <p:txBody>
+          <a:bodyPr vert="horz" wrap="square" lIns="0" tIns="12700" rIns="0" bIns="0" rtlCol="0">
+            <a:spAutoFit/>
+          </a:bodyPr>
+          <a:lstStyle/>
+          <a:p>
+            <a:pPr marL="418465">
+              <a:lnSpc>
+                <a:spcPct val="100000"/>
+              </a:lnSpc>
+              <a:spcBef>
+                <a:spcPts val="100"/>
+              </a:spcBef>
+            </a:pPr>
+            <a:r>
+              <a:rPr dirty="0"/>
+              <a:t>Successive</a:t>
+            </a:r>
+            <a:r>
+              <a:rPr spc="-225" dirty="0"/>
+              <a:t> </a:t>
+            </a:r>
+            <a:r>
+              <a:rPr spc="-10" dirty="0"/>
+              <a:t>Approximation</a:t>
+            </a:r>
+            <a:r>
+              <a:rPr spc="-220" dirty="0"/>
+              <a:t> </a:t>
+            </a:r>
+            <a:r>
+              <a:rPr spc="-25" dirty="0"/>
+              <a:t>ADC</a:t>
+            </a:r>
+          </a:p>
+        </p:txBody>
+      </p:sp>
+      <p:sp>
+        <p:nvSpPr>
+          <p:cNvPr id="3" name="object 3"/>
+          <p:cNvSpPr txBox="1"/>
+          <p:nvPr/>
+        </p:nvSpPr>
+        <p:spPr>
+          <a:xfrm>
+            <a:off x="591179" y="1570325"/>
+            <a:ext cx="8005445" cy="4189729"/>
+          </a:xfrm>
+          <a:prstGeom prst="rect">
+            <a:avLst/>
+          </a:prstGeom>
+        </p:spPr>
+        <p:txBody>
+          <a:bodyPr vert="horz" wrap="square" lIns="0" tIns="68580" rIns="0" bIns="0" rtlCol="0">
+            <a:spAutoFit/>
+          </a:bodyPr>
+          <a:lstStyle/>
+          <a:p>
+            <a:pPr marL="294640" marR="320675" indent="-281940">
+              <a:lnSpc>
+                <a:spcPts val="3450"/>
+              </a:lnSpc>
+              <a:spcBef>
+                <a:spcPts val="540"/>
+              </a:spcBef>
+              <a:buFont typeface="Arial"/>
+              <a:buChar char="•"/>
+              <a:tabLst>
+                <a:tab pos="294640" algn="l"/>
+              </a:tabLst>
+            </a:pPr>
+            <a:r>
+              <a:rPr sz="3200" dirty="0">
+                <a:latin typeface="Carlito"/>
+                <a:cs typeface="Carlito"/>
+              </a:rPr>
+              <a:t>A</a:t>
+            </a:r>
+            <a:r>
+              <a:rPr sz="3200" spc="-65" dirty="0">
+                <a:latin typeface="Carlito"/>
+                <a:cs typeface="Carlito"/>
+              </a:rPr>
+              <a:t> </a:t>
+            </a:r>
+            <a:r>
+              <a:rPr sz="3200" dirty="0">
+                <a:latin typeface="Carlito"/>
+                <a:cs typeface="Carlito"/>
+              </a:rPr>
+              <a:t>Successive</a:t>
+            </a:r>
+            <a:r>
+              <a:rPr sz="3200" spc="-65" dirty="0">
+                <a:latin typeface="Carlito"/>
+                <a:cs typeface="Carlito"/>
+              </a:rPr>
+              <a:t> </a:t>
+            </a:r>
+            <a:r>
+              <a:rPr sz="3200" spc="-10" dirty="0">
+                <a:latin typeface="Carlito"/>
+                <a:cs typeface="Carlito"/>
+              </a:rPr>
+              <a:t>Approximation</a:t>
+            </a:r>
+            <a:r>
+              <a:rPr sz="3200" spc="-65" dirty="0">
+                <a:latin typeface="Carlito"/>
+                <a:cs typeface="Carlito"/>
+              </a:rPr>
+              <a:t> </a:t>
+            </a:r>
+            <a:r>
+              <a:rPr sz="3200" dirty="0">
+                <a:latin typeface="Carlito"/>
+                <a:cs typeface="Carlito"/>
+              </a:rPr>
+              <a:t>Register</a:t>
+            </a:r>
+            <a:r>
+              <a:rPr sz="3200" spc="-65" dirty="0">
+                <a:latin typeface="Carlito"/>
+                <a:cs typeface="Carlito"/>
+              </a:rPr>
+              <a:t> </a:t>
+            </a:r>
+            <a:r>
+              <a:rPr sz="3200" dirty="0">
+                <a:latin typeface="Carlito"/>
+                <a:cs typeface="Carlito"/>
+              </a:rPr>
+              <a:t>(SAR)</a:t>
+            </a:r>
+            <a:r>
+              <a:rPr sz="3200" spc="-60" dirty="0">
+                <a:latin typeface="Carlito"/>
+                <a:cs typeface="Carlito"/>
+              </a:rPr>
+              <a:t> </a:t>
+            </a:r>
+            <a:r>
+              <a:rPr sz="3200" spc="-25" dirty="0">
+                <a:latin typeface="Carlito"/>
+                <a:cs typeface="Carlito"/>
+              </a:rPr>
+              <a:t>is </a:t>
+            </a:r>
+            <a:r>
+              <a:rPr sz="3200" dirty="0">
+                <a:latin typeface="Carlito"/>
+                <a:cs typeface="Carlito"/>
+              </a:rPr>
+              <a:t>added</a:t>
+            </a:r>
+            <a:r>
+              <a:rPr sz="3200" spc="-70" dirty="0">
+                <a:latin typeface="Carlito"/>
+                <a:cs typeface="Carlito"/>
+              </a:rPr>
+              <a:t> </a:t>
+            </a:r>
+            <a:r>
+              <a:rPr sz="3200" dirty="0">
+                <a:latin typeface="Carlito"/>
+                <a:cs typeface="Carlito"/>
+              </a:rPr>
+              <a:t>to</a:t>
+            </a:r>
+            <a:r>
+              <a:rPr sz="3200" spc="-70" dirty="0">
+                <a:latin typeface="Carlito"/>
+                <a:cs typeface="Carlito"/>
+              </a:rPr>
+              <a:t> </a:t>
+            </a:r>
+            <a:r>
+              <a:rPr sz="3200" dirty="0">
+                <a:latin typeface="Carlito"/>
+                <a:cs typeface="Carlito"/>
+              </a:rPr>
+              <a:t>the</a:t>
+            </a:r>
+            <a:r>
+              <a:rPr sz="3200" spc="-65" dirty="0">
+                <a:latin typeface="Carlito"/>
+                <a:cs typeface="Carlito"/>
+              </a:rPr>
+              <a:t> </a:t>
+            </a:r>
+            <a:r>
+              <a:rPr sz="3200" spc="-10" dirty="0">
+                <a:latin typeface="Carlito"/>
+                <a:cs typeface="Carlito"/>
+              </a:rPr>
+              <a:t>circuit</a:t>
+            </a:r>
+            <a:endParaRPr sz="3200" dirty="0">
+              <a:latin typeface="Carlito"/>
+              <a:cs typeface="Carlito"/>
+            </a:endParaRPr>
+          </a:p>
+          <a:p>
+            <a:pPr marL="294640" marR="5080" indent="-281940">
+              <a:lnSpc>
+                <a:spcPct val="90300"/>
+              </a:lnSpc>
+              <a:spcBef>
+                <a:spcPts val="570"/>
+              </a:spcBef>
+              <a:buFont typeface="Arial"/>
+              <a:buChar char="•"/>
+              <a:tabLst>
+                <a:tab pos="294640" algn="l"/>
+              </a:tabLst>
+            </a:pPr>
+            <a:r>
+              <a:rPr sz="3200" dirty="0">
+                <a:latin typeface="Carlito"/>
+                <a:cs typeface="Carlito"/>
+              </a:rPr>
+              <a:t>Instead</a:t>
+            </a:r>
+            <a:r>
+              <a:rPr sz="3200" spc="-95" dirty="0">
+                <a:latin typeface="Carlito"/>
+                <a:cs typeface="Carlito"/>
+              </a:rPr>
+              <a:t> </a:t>
+            </a:r>
+            <a:r>
+              <a:rPr sz="3200" dirty="0">
+                <a:latin typeface="Carlito"/>
+                <a:cs typeface="Carlito"/>
+              </a:rPr>
+              <a:t>of</a:t>
+            </a:r>
+            <a:r>
+              <a:rPr sz="3200" spc="-95" dirty="0">
+                <a:latin typeface="Carlito"/>
+                <a:cs typeface="Carlito"/>
+              </a:rPr>
+              <a:t> </a:t>
+            </a:r>
+            <a:r>
+              <a:rPr sz="3200" dirty="0">
+                <a:latin typeface="Carlito"/>
+                <a:cs typeface="Carlito"/>
+              </a:rPr>
+              <a:t>counting</a:t>
+            </a:r>
+            <a:r>
+              <a:rPr sz="3200" spc="-95" dirty="0">
+                <a:latin typeface="Carlito"/>
+                <a:cs typeface="Carlito"/>
+              </a:rPr>
+              <a:t> </a:t>
+            </a:r>
+            <a:r>
+              <a:rPr sz="3200" dirty="0">
+                <a:latin typeface="Carlito"/>
+                <a:cs typeface="Carlito"/>
+              </a:rPr>
+              <a:t>up</a:t>
+            </a:r>
+            <a:r>
+              <a:rPr sz="3200" spc="-95" dirty="0">
+                <a:latin typeface="Carlito"/>
+                <a:cs typeface="Carlito"/>
+              </a:rPr>
+              <a:t> </a:t>
+            </a:r>
+            <a:r>
+              <a:rPr sz="3200" dirty="0">
+                <a:latin typeface="Carlito"/>
+                <a:cs typeface="Carlito"/>
+              </a:rPr>
+              <a:t>in</a:t>
+            </a:r>
+            <a:r>
+              <a:rPr sz="3200" spc="-95" dirty="0">
+                <a:latin typeface="Carlito"/>
+                <a:cs typeface="Carlito"/>
+              </a:rPr>
+              <a:t> </a:t>
+            </a:r>
+            <a:r>
+              <a:rPr sz="3200" dirty="0">
+                <a:latin typeface="Carlito"/>
+                <a:cs typeface="Carlito"/>
+              </a:rPr>
+              <a:t>binary</a:t>
+            </a:r>
+            <a:r>
+              <a:rPr sz="3200" spc="-95" dirty="0">
+                <a:latin typeface="Carlito"/>
+                <a:cs typeface="Carlito"/>
+              </a:rPr>
+              <a:t> </a:t>
+            </a:r>
+            <a:r>
+              <a:rPr sz="3200" dirty="0">
+                <a:latin typeface="Carlito"/>
+                <a:cs typeface="Carlito"/>
+              </a:rPr>
+              <a:t>sequence,</a:t>
+            </a:r>
+            <a:r>
+              <a:rPr sz="3200" spc="-95" dirty="0">
+                <a:latin typeface="Carlito"/>
+                <a:cs typeface="Carlito"/>
+              </a:rPr>
+              <a:t> </a:t>
+            </a:r>
+            <a:r>
+              <a:rPr sz="3200" spc="-20" dirty="0">
+                <a:latin typeface="Carlito"/>
+                <a:cs typeface="Carlito"/>
+              </a:rPr>
+              <a:t>this </a:t>
+            </a:r>
+            <a:r>
+              <a:rPr sz="3200" dirty="0">
+                <a:latin typeface="Carlito"/>
+                <a:cs typeface="Carlito"/>
+              </a:rPr>
+              <a:t>register</a:t>
+            </a:r>
+            <a:r>
+              <a:rPr sz="3200" spc="-70" dirty="0">
+                <a:latin typeface="Carlito"/>
+                <a:cs typeface="Carlito"/>
+              </a:rPr>
+              <a:t> </a:t>
+            </a:r>
+            <a:r>
+              <a:rPr sz="3200" dirty="0">
+                <a:latin typeface="Carlito"/>
+                <a:cs typeface="Carlito"/>
+              </a:rPr>
+              <a:t>counts</a:t>
+            </a:r>
+            <a:r>
+              <a:rPr sz="3200" spc="-65" dirty="0">
+                <a:latin typeface="Carlito"/>
+                <a:cs typeface="Carlito"/>
+              </a:rPr>
+              <a:t> </a:t>
+            </a:r>
+            <a:r>
+              <a:rPr sz="3200" dirty="0">
+                <a:latin typeface="Carlito"/>
+                <a:cs typeface="Carlito"/>
+              </a:rPr>
+              <a:t>by</a:t>
+            </a:r>
+            <a:r>
+              <a:rPr sz="3200" spc="-70" dirty="0">
+                <a:latin typeface="Carlito"/>
+                <a:cs typeface="Carlito"/>
+              </a:rPr>
+              <a:t> </a:t>
+            </a:r>
+            <a:r>
+              <a:rPr sz="3200" dirty="0">
+                <a:latin typeface="Carlito"/>
+                <a:cs typeface="Carlito"/>
+              </a:rPr>
+              <a:t>trying</a:t>
+            </a:r>
+            <a:r>
+              <a:rPr sz="3200" spc="-65" dirty="0">
+                <a:latin typeface="Carlito"/>
+                <a:cs typeface="Carlito"/>
+              </a:rPr>
+              <a:t> </a:t>
+            </a:r>
+            <a:r>
+              <a:rPr sz="3200" dirty="0">
+                <a:latin typeface="Carlito"/>
+                <a:cs typeface="Carlito"/>
+              </a:rPr>
+              <a:t>all</a:t>
+            </a:r>
+            <a:r>
+              <a:rPr sz="3200" spc="-70" dirty="0">
+                <a:latin typeface="Carlito"/>
+                <a:cs typeface="Carlito"/>
+              </a:rPr>
+              <a:t> </a:t>
+            </a:r>
+            <a:r>
+              <a:rPr sz="3200" dirty="0">
+                <a:latin typeface="Carlito"/>
+                <a:cs typeface="Carlito"/>
+              </a:rPr>
+              <a:t>values</a:t>
+            </a:r>
+            <a:r>
+              <a:rPr sz="3200" spc="-65" dirty="0">
+                <a:latin typeface="Carlito"/>
+                <a:cs typeface="Carlito"/>
+              </a:rPr>
+              <a:t> </a:t>
+            </a:r>
+            <a:r>
+              <a:rPr sz="3200" dirty="0">
+                <a:latin typeface="Carlito"/>
+                <a:cs typeface="Carlito"/>
+              </a:rPr>
+              <a:t>of</a:t>
+            </a:r>
+            <a:r>
+              <a:rPr sz="3200" spc="-70" dirty="0">
+                <a:latin typeface="Carlito"/>
+                <a:cs typeface="Carlito"/>
+              </a:rPr>
+              <a:t> </a:t>
+            </a:r>
+            <a:r>
+              <a:rPr sz="3200" spc="-20" dirty="0">
+                <a:latin typeface="Carlito"/>
+                <a:cs typeface="Carlito"/>
+              </a:rPr>
+              <a:t>bits </a:t>
+            </a:r>
+            <a:r>
+              <a:rPr sz="3200" dirty="0">
+                <a:latin typeface="Carlito"/>
+                <a:cs typeface="Carlito"/>
+              </a:rPr>
+              <a:t>starting</a:t>
+            </a:r>
+            <a:r>
+              <a:rPr sz="3200" spc="-85" dirty="0">
+                <a:latin typeface="Carlito"/>
+                <a:cs typeface="Carlito"/>
+              </a:rPr>
+              <a:t> </a:t>
+            </a:r>
+            <a:r>
+              <a:rPr sz="3200" dirty="0">
+                <a:latin typeface="Carlito"/>
+                <a:cs typeface="Carlito"/>
+              </a:rPr>
+              <a:t>with</a:t>
+            </a:r>
+            <a:r>
+              <a:rPr sz="3200" spc="-85" dirty="0">
+                <a:latin typeface="Carlito"/>
+                <a:cs typeface="Carlito"/>
+              </a:rPr>
+              <a:t> </a:t>
+            </a:r>
+            <a:r>
+              <a:rPr sz="3200" dirty="0">
+                <a:latin typeface="Carlito"/>
+                <a:cs typeface="Carlito"/>
+              </a:rPr>
+              <a:t>the</a:t>
+            </a:r>
+            <a:r>
+              <a:rPr sz="3200" spc="-80" dirty="0">
+                <a:latin typeface="Carlito"/>
+                <a:cs typeface="Carlito"/>
+              </a:rPr>
+              <a:t> </a:t>
+            </a:r>
+            <a:r>
+              <a:rPr sz="3200" dirty="0">
+                <a:latin typeface="Carlito"/>
+                <a:cs typeface="Carlito"/>
+              </a:rPr>
+              <a:t>MSB</a:t>
+            </a:r>
+            <a:r>
+              <a:rPr sz="3200" spc="-85" dirty="0">
+                <a:latin typeface="Carlito"/>
+                <a:cs typeface="Carlito"/>
+              </a:rPr>
+              <a:t> </a:t>
+            </a:r>
+            <a:r>
+              <a:rPr sz="3200" dirty="0">
+                <a:latin typeface="Carlito"/>
+                <a:cs typeface="Carlito"/>
+              </a:rPr>
+              <a:t>and</a:t>
+            </a:r>
+            <a:r>
+              <a:rPr sz="3200" spc="-85" dirty="0">
+                <a:latin typeface="Carlito"/>
+                <a:cs typeface="Carlito"/>
+              </a:rPr>
+              <a:t> </a:t>
+            </a:r>
+            <a:r>
+              <a:rPr sz="3200" dirty="0">
+                <a:latin typeface="Carlito"/>
+                <a:cs typeface="Carlito"/>
+              </a:rPr>
+              <a:t>finishing</a:t>
+            </a:r>
+            <a:r>
+              <a:rPr sz="3200" spc="-80" dirty="0">
+                <a:latin typeface="Carlito"/>
+                <a:cs typeface="Carlito"/>
+              </a:rPr>
+              <a:t> </a:t>
+            </a:r>
+            <a:r>
+              <a:rPr sz="3200" dirty="0">
+                <a:latin typeface="Carlito"/>
+                <a:cs typeface="Carlito"/>
+              </a:rPr>
+              <a:t>at</a:t>
+            </a:r>
+            <a:r>
+              <a:rPr sz="3200" spc="-85" dirty="0">
+                <a:latin typeface="Carlito"/>
+                <a:cs typeface="Carlito"/>
+              </a:rPr>
+              <a:t> </a:t>
+            </a:r>
+            <a:r>
+              <a:rPr sz="3200" dirty="0">
+                <a:latin typeface="Carlito"/>
+                <a:cs typeface="Carlito"/>
+              </a:rPr>
+              <a:t>the</a:t>
+            </a:r>
+            <a:r>
+              <a:rPr sz="3200" spc="-80" dirty="0">
+                <a:latin typeface="Carlito"/>
+                <a:cs typeface="Carlito"/>
+              </a:rPr>
+              <a:t> </a:t>
+            </a:r>
+            <a:r>
+              <a:rPr sz="3200" spc="-20" dirty="0">
+                <a:latin typeface="Carlito"/>
+                <a:cs typeface="Carlito"/>
+              </a:rPr>
+              <a:t>LSB.</a:t>
+            </a:r>
+            <a:endParaRPr sz="3200" dirty="0">
+              <a:latin typeface="Carlito"/>
+              <a:cs typeface="Carlito"/>
+            </a:endParaRPr>
+          </a:p>
+          <a:p>
+            <a:pPr marL="294640" marR="86995" indent="-281940">
+              <a:lnSpc>
+                <a:spcPct val="90100"/>
+              </a:lnSpc>
+              <a:spcBef>
+                <a:spcPts val="630"/>
+              </a:spcBef>
+              <a:buFont typeface="Arial"/>
+              <a:buChar char="•"/>
+              <a:tabLst>
+                <a:tab pos="294640" algn="l"/>
+              </a:tabLst>
+            </a:pPr>
+            <a:r>
+              <a:rPr sz="3200" dirty="0">
+                <a:latin typeface="Carlito"/>
+                <a:cs typeface="Carlito"/>
+              </a:rPr>
+              <a:t>The</a:t>
+            </a:r>
+            <a:r>
+              <a:rPr sz="3200" spc="-90" dirty="0">
+                <a:latin typeface="Carlito"/>
+                <a:cs typeface="Carlito"/>
+              </a:rPr>
+              <a:t> </a:t>
+            </a:r>
+            <a:r>
+              <a:rPr sz="3200" dirty="0">
+                <a:latin typeface="Carlito"/>
+                <a:cs typeface="Carlito"/>
+              </a:rPr>
+              <a:t>register</a:t>
+            </a:r>
+            <a:r>
+              <a:rPr sz="3200" spc="-85" dirty="0">
+                <a:latin typeface="Carlito"/>
+                <a:cs typeface="Carlito"/>
+              </a:rPr>
+              <a:t> </a:t>
+            </a:r>
+            <a:r>
+              <a:rPr sz="3200" dirty="0">
+                <a:latin typeface="Carlito"/>
+                <a:cs typeface="Carlito"/>
+              </a:rPr>
+              <a:t>monitors</a:t>
+            </a:r>
+            <a:r>
+              <a:rPr sz="3200" spc="-85" dirty="0">
+                <a:latin typeface="Carlito"/>
+                <a:cs typeface="Carlito"/>
+              </a:rPr>
+              <a:t> </a:t>
+            </a:r>
+            <a:r>
+              <a:rPr sz="3200" dirty="0">
+                <a:latin typeface="Carlito"/>
+                <a:cs typeface="Carlito"/>
+              </a:rPr>
+              <a:t>the</a:t>
+            </a:r>
+            <a:r>
+              <a:rPr sz="3200" spc="-85" dirty="0">
+                <a:latin typeface="Carlito"/>
+                <a:cs typeface="Carlito"/>
+              </a:rPr>
+              <a:t> </a:t>
+            </a:r>
+            <a:r>
+              <a:rPr sz="3200" spc="-10" dirty="0">
+                <a:latin typeface="Carlito"/>
+                <a:cs typeface="Carlito"/>
+              </a:rPr>
+              <a:t>comparators</a:t>
+            </a:r>
+            <a:r>
+              <a:rPr sz="3200" spc="-90" dirty="0">
+                <a:latin typeface="Carlito"/>
+                <a:cs typeface="Carlito"/>
+              </a:rPr>
+              <a:t> </a:t>
+            </a:r>
+            <a:r>
+              <a:rPr sz="3200" spc="-10" dirty="0">
+                <a:latin typeface="Carlito"/>
+                <a:cs typeface="Carlito"/>
+              </a:rPr>
+              <a:t>output </a:t>
+            </a:r>
+            <a:r>
+              <a:rPr sz="3200" dirty="0">
+                <a:latin typeface="Carlito"/>
+                <a:cs typeface="Carlito"/>
+              </a:rPr>
+              <a:t>to</a:t>
+            </a:r>
+            <a:r>
+              <a:rPr sz="3200" spc="-50" dirty="0">
+                <a:latin typeface="Carlito"/>
+                <a:cs typeface="Carlito"/>
+              </a:rPr>
+              <a:t> </a:t>
+            </a:r>
+            <a:r>
+              <a:rPr sz="3200" dirty="0">
+                <a:latin typeface="Carlito"/>
+                <a:cs typeface="Carlito"/>
+              </a:rPr>
+              <a:t>see</a:t>
+            </a:r>
+            <a:r>
+              <a:rPr sz="3200" spc="-45" dirty="0">
+                <a:latin typeface="Carlito"/>
+                <a:cs typeface="Carlito"/>
+              </a:rPr>
+              <a:t> </a:t>
+            </a:r>
+            <a:r>
+              <a:rPr sz="3200" dirty="0">
+                <a:latin typeface="Carlito"/>
+                <a:cs typeface="Carlito"/>
+              </a:rPr>
+              <a:t>if</a:t>
+            </a:r>
+            <a:r>
+              <a:rPr sz="3200" spc="-50" dirty="0">
+                <a:latin typeface="Carlito"/>
+                <a:cs typeface="Carlito"/>
+              </a:rPr>
+              <a:t> </a:t>
+            </a:r>
+            <a:r>
+              <a:rPr sz="3200" dirty="0">
+                <a:latin typeface="Carlito"/>
+                <a:cs typeface="Carlito"/>
+              </a:rPr>
+              <a:t>the</a:t>
+            </a:r>
+            <a:r>
+              <a:rPr sz="3200" spc="-45" dirty="0">
+                <a:latin typeface="Carlito"/>
+                <a:cs typeface="Carlito"/>
+              </a:rPr>
+              <a:t> </a:t>
+            </a:r>
+            <a:r>
+              <a:rPr sz="3200" dirty="0">
+                <a:latin typeface="Carlito"/>
+                <a:cs typeface="Carlito"/>
+              </a:rPr>
+              <a:t>binary</a:t>
+            </a:r>
+            <a:r>
+              <a:rPr sz="3200" spc="-50" dirty="0">
+                <a:latin typeface="Carlito"/>
+                <a:cs typeface="Carlito"/>
+              </a:rPr>
+              <a:t> </a:t>
+            </a:r>
+            <a:r>
+              <a:rPr sz="3200" dirty="0">
+                <a:latin typeface="Carlito"/>
+                <a:cs typeface="Carlito"/>
+              </a:rPr>
+              <a:t>count</a:t>
+            </a:r>
+            <a:r>
+              <a:rPr sz="3200" spc="-45" dirty="0">
+                <a:latin typeface="Carlito"/>
+                <a:cs typeface="Carlito"/>
+              </a:rPr>
+              <a:t> </a:t>
+            </a:r>
+            <a:r>
+              <a:rPr sz="3200" dirty="0">
+                <a:latin typeface="Carlito"/>
+                <a:cs typeface="Carlito"/>
+              </a:rPr>
+              <a:t>is</a:t>
+            </a:r>
+            <a:r>
+              <a:rPr sz="3200" spc="-50" dirty="0">
+                <a:latin typeface="Carlito"/>
+                <a:cs typeface="Carlito"/>
+              </a:rPr>
+              <a:t> </a:t>
+            </a:r>
+            <a:r>
+              <a:rPr sz="3200" dirty="0">
+                <a:latin typeface="Carlito"/>
+                <a:cs typeface="Carlito"/>
+              </a:rPr>
+              <a:t>greater</a:t>
+            </a:r>
+            <a:r>
+              <a:rPr sz="3200" spc="-45" dirty="0">
+                <a:latin typeface="Carlito"/>
+                <a:cs typeface="Carlito"/>
+              </a:rPr>
+              <a:t> </a:t>
+            </a:r>
+            <a:r>
+              <a:rPr sz="3200" dirty="0">
+                <a:latin typeface="Carlito"/>
+                <a:cs typeface="Carlito"/>
+              </a:rPr>
+              <a:t>or</a:t>
+            </a:r>
+            <a:r>
+              <a:rPr sz="3200" spc="-50" dirty="0">
+                <a:latin typeface="Carlito"/>
+                <a:cs typeface="Carlito"/>
+              </a:rPr>
+              <a:t> </a:t>
+            </a:r>
+            <a:r>
+              <a:rPr sz="3200" spc="-20" dirty="0">
+                <a:latin typeface="Carlito"/>
+                <a:cs typeface="Carlito"/>
+              </a:rPr>
+              <a:t>less </a:t>
+            </a:r>
+            <a:r>
+              <a:rPr sz="3200" dirty="0">
+                <a:latin typeface="Carlito"/>
+                <a:cs typeface="Carlito"/>
+              </a:rPr>
+              <a:t>than</a:t>
+            </a:r>
+            <a:r>
+              <a:rPr sz="3200" spc="-95" dirty="0">
+                <a:latin typeface="Carlito"/>
+                <a:cs typeface="Carlito"/>
+              </a:rPr>
+              <a:t> </a:t>
+            </a:r>
+            <a:r>
+              <a:rPr sz="3200" dirty="0">
+                <a:latin typeface="Carlito"/>
+                <a:cs typeface="Carlito"/>
+              </a:rPr>
+              <a:t>the</a:t>
+            </a:r>
+            <a:r>
+              <a:rPr sz="3200" spc="-90" dirty="0">
+                <a:latin typeface="Carlito"/>
+                <a:cs typeface="Carlito"/>
+              </a:rPr>
+              <a:t> </a:t>
+            </a:r>
+            <a:r>
+              <a:rPr sz="3200" dirty="0">
+                <a:latin typeface="Carlito"/>
+                <a:cs typeface="Carlito"/>
+              </a:rPr>
+              <a:t>analog</a:t>
+            </a:r>
+            <a:r>
+              <a:rPr sz="3200" spc="-95" dirty="0">
+                <a:latin typeface="Carlito"/>
+                <a:cs typeface="Carlito"/>
+              </a:rPr>
+              <a:t> </a:t>
+            </a:r>
+            <a:r>
+              <a:rPr sz="3200" dirty="0">
+                <a:latin typeface="Carlito"/>
+                <a:cs typeface="Carlito"/>
+              </a:rPr>
+              <a:t>signal</a:t>
+            </a:r>
+            <a:r>
+              <a:rPr sz="3200" spc="-90" dirty="0">
+                <a:latin typeface="Carlito"/>
+                <a:cs typeface="Carlito"/>
+              </a:rPr>
+              <a:t> </a:t>
+            </a:r>
+            <a:r>
+              <a:rPr sz="3200" dirty="0">
+                <a:latin typeface="Carlito"/>
+                <a:cs typeface="Carlito"/>
+              </a:rPr>
+              <a:t>input</a:t>
+            </a:r>
+            <a:r>
+              <a:rPr sz="3200" spc="-95" dirty="0">
+                <a:latin typeface="Carlito"/>
+                <a:cs typeface="Carlito"/>
+              </a:rPr>
+              <a:t> </a:t>
+            </a:r>
+            <a:r>
+              <a:rPr sz="3200" dirty="0">
+                <a:latin typeface="Carlito"/>
+                <a:cs typeface="Carlito"/>
+              </a:rPr>
+              <a:t>and</a:t>
+            </a:r>
+            <a:r>
+              <a:rPr sz="3200" spc="-90" dirty="0">
+                <a:latin typeface="Carlito"/>
+                <a:cs typeface="Carlito"/>
+              </a:rPr>
+              <a:t> </a:t>
+            </a:r>
+            <a:r>
+              <a:rPr sz="3200" dirty="0">
+                <a:latin typeface="Carlito"/>
+                <a:cs typeface="Carlito"/>
+              </a:rPr>
+              <a:t>adjusts</a:t>
+            </a:r>
+            <a:r>
+              <a:rPr sz="3200" spc="-95" dirty="0">
+                <a:latin typeface="Carlito"/>
+                <a:cs typeface="Carlito"/>
+              </a:rPr>
+              <a:t> </a:t>
+            </a:r>
+            <a:r>
+              <a:rPr sz="3200" spc="-25" dirty="0">
+                <a:latin typeface="Carlito"/>
+                <a:cs typeface="Carlito"/>
+              </a:rPr>
+              <a:t>the </a:t>
+            </a:r>
+            <a:r>
+              <a:rPr sz="3200" dirty="0">
+                <a:latin typeface="Carlito"/>
+                <a:cs typeface="Carlito"/>
+              </a:rPr>
+              <a:t>bits</a:t>
+            </a:r>
+            <a:r>
+              <a:rPr sz="3200" spc="-70" dirty="0">
+                <a:latin typeface="Carlito"/>
+                <a:cs typeface="Carlito"/>
+              </a:rPr>
+              <a:t> </a:t>
+            </a:r>
+            <a:r>
+              <a:rPr sz="3200" spc="-10" dirty="0">
+                <a:latin typeface="Carlito"/>
+                <a:cs typeface="Carlito"/>
+              </a:rPr>
+              <a:t>accordingly</a:t>
+            </a:r>
+            <a:endParaRPr sz="3200" dirty="0">
+              <a:latin typeface="Carlito"/>
+              <a:cs typeface="Carlito"/>
+            </a:endParaRPr>
+          </a:p>
+        </p:txBody>
+      </p:sp>
+    </p:spTree>
+  </p:cSld>
+  <p:clrMapOvr>
+    <a:masterClrMapping/>
+  </p:clrMapOvr>
+</p:sld>
+</file>
+
+<file path=ppt/slides/slide22.xml><?xml version="1.0" encoding="utf-8"?>
+<p:sld xmlns:a="http://schemas.openxmlformats.org/drawingml/2006/main" xmlns:r="http://schemas.openxmlformats.org/officeDocument/2006/relationships" xmlns:p="http://schemas.openxmlformats.org/presentationml/2006/main" showMasterSp="0">
+  <p:cSld>
+    <p:spTree>
+      <p:nvGrpSpPr>
+        <p:cNvPr id="1" name=""/>
+        <p:cNvGrpSpPr/>
+        <p:nvPr/>
+      </p:nvGrpSpPr>
+      <p:grpSpPr>
+        <a:xfrm>
+          <a:off x="0" y="0"/>
+          <a:ext cx="0" cy="0"/>
+          <a:chOff x="0" y="0"/>
+          <a:chExt cx="0" cy="0"/>
+        </a:xfrm>
+      </p:grpSpPr>
+      <p:sp>
+        <p:nvSpPr>
+          <p:cNvPr id="2" name="object 2"/>
+          <p:cNvSpPr txBox="1">
+            <a:spLocks noGrp="1"/>
+          </p:cNvSpPr>
+          <p:nvPr>
+            <p:ph type="title"/>
+          </p:nvPr>
+        </p:nvSpPr>
+        <p:spPr>
+          <a:xfrm>
+            <a:off x="685800" y="152400"/>
+            <a:ext cx="7838365" cy="635000"/>
+          </a:xfrm>
+          <a:prstGeom prst="rect">
+            <a:avLst/>
+          </a:prstGeom>
+        </p:spPr>
+        <p:txBody>
+          <a:bodyPr vert="horz" wrap="square" lIns="0" tIns="12700" rIns="0" bIns="0" rtlCol="0">
+            <a:spAutoFit/>
+          </a:bodyPr>
+          <a:lstStyle/>
+          <a:p>
+            <a:pPr marL="12700">
+              <a:lnSpc>
+                <a:spcPct val="100000"/>
+              </a:lnSpc>
+              <a:spcBef>
+                <a:spcPts val="100"/>
+              </a:spcBef>
+            </a:pPr>
+            <a:r>
+              <a:rPr sz="4000" dirty="0"/>
+              <a:t>Successive</a:t>
+            </a:r>
+            <a:r>
+              <a:rPr sz="4000" spc="-70" dirty="0"/>
+              <a:t> </a:t>
+            </a:r>
+            <a:r>
+              <a:rPr sz="4000" dirty="0"/>
+              <a:t>Approximation</a:t>
+            </a:r>
+            <a:r>
+              <a:rPr sz="4000" spc="-65" dirty="0"/>
+              <a:t> </a:t>
+            </a:r>
+            <a:r>
+              <a:rPr sz="4000" dirty="0"/>
+              <a:t>ADC</a:t>
+            </a:r>
+            <a:r>
+              <a:rPr sz="4000" spc="-65" dirty="0"/>
+              <a:t> </a:t>
+            </a:r>
+            <a:r>
+              <a:rPr sz="4000" spc="-10" dirty="0"/>
+              <a:t>Circuit</a:t>
+            </a:r>
+            <a:endParaRPr sz="4000" dirty="0"/>
+          </a:p>
+        </p:txBody>
+      </p:sp>
+      <p:pic>
+        <p:nvPicPr>
+          <p:cNvPr id="3" name="object 3"/>
+          <p:cNvPicPr/>
+          <p:nvPr/>
+        </p:nvPicPr>
+        <p:blipFill>
+          <a:blip r:embed="rId2" cstate="print"/>
+          <a:stretch>
+            <a:fillRect/>
+          </a:stretch>
+        </p:blipFill>
+        <p:spPr>
+          <a:xfrm>
+            <a:off x="1600196" y="1523996"/>
+            <a:ext cx="5513441" cy="4468808"/>
+          </a:xfrm>
+          <a:prstGeom prst="rect">
+            <a:avLst/>
+          </a:prstGeom>
+        </p:spPr>
+      </p:pic>
+    </p:spTree>
+  </p:cSld>
+  <p:clrMapOvr>
+    <a:masterClrMapping/>
+  </p:clrMapOvr>
+</p:sld>
+</file>
+
+<file path=ppt/slides/slide23.xml><?xml version="1.0" encoding="utf-8"?>
+<p:sld xmlns:a="http://schemas.openxmlformats.org/drawingml/2006/main" xmlns:r="http://schemas.openxmlformats.org/officeDocument/2006/relationships" xmlns:p="http://schemas.openxmlformats.org/presentationml/2006/main" showMasterSp="0">
+  <p:cSld>
+    <p:spTree>
+      <p:nvGrpSpPr>
+        <p:cNvPr id="1" name=""/>
+        <p:cNvGrpSpPr/>
+        <p:nvPr/>
+      </p:nvGrpSpPr>
+      <p:grpSpPr>
+        <a:xfrm>
+          <a:off x="0" y="0"/>
+          <a:ext cx="0" cy="0"/>
+          <a:chOff x="0" y="0"/>
+          <a:chExt cx="0" cy="0"/>
+        </a:xfrm>
+      </p:grpSpPr>
+      <p:sp>
+        <p:nvSpPr>
+          <p:cNvPr id="2" name="object 2"/>
+          <p:cNvSpPr txBox="1">
+            <a:spLocks noGrp="1"/>
+          </p:cNvSpPr>
+          <p:nvPr>
+            <p:ph type="title"/>
+          </p:nvPr>
+        </p:nvSpPr>
+        <p:spPr>
+          <a:prstGeom prst="rect">
+            <a:avLst/>
+          </a:prstGeom>
+        </p:spPr>
+        <p:txBody>
+          <a:bodyPr vert="horz" wrap="square" lIns="0" tIns="12700" rIns="0" bIns="0" rtlCol="0">
+            <a:spAutoFit/>
+          </a:bodyPr>
+          <a:lstStyle/>
+          <a:p>
+            <a:pPr marL="2560955">
+              <a:lnSpc>
+                <a:spcPct val="100000"/>
+              </a:lnSpc>
+              <a:spcBef>
+                <a:spcPts val="100"/>
+              </a:spcBef>
+            </a:pPr>
+            <a:r>
+              <a:rPr dirty="0"/>
+              <a:t>ADC</a:t>
+            </a:r>
+            <a:r>
+              <a:rPr spc="-95" dirty="0"/>
+              <a:t> </a:t>
+            </a:r>
+            <a:r>
+              <a:rPr spc="-10" dirty="0"/>
+              <a:t>Output</a:t>
+            </a:r>
+          </a:p>
+        </p:txBody>
+      </p:sp>
+      <p:pic>
+        <p:nvPicPr>
+          <p:cNvPr id="3" name="object 3"/>
+          <p:cNvPicPr/>
+          <p:nvPr/>
+        </p:nvPicPr>
+        <p:blipFill>
+          <a:blip r:embed="rId2" cstate="print"/>
+          <a:stretch>
+            <a:fillRect/>
+          </a:stretch>
+        </p:blipFill>
+        <p:spPr>
+          <a:xfrm>
+            <a:off x="1295397" y="1981196"/>
+            <a:ext cx="5943588" cy="3367097"/>
+          </a:xfrm>
+          <a:prstGeom prst="rect">
+            <a:avLst/>
+          </a:prstGeom>
+        </p:spPr>
+      </p:pic>
+    </p:spTree>
+  </p:cSld>
+  <p:clrMapOvr>
+    <a:masterClrMapping/>
+  </p:clrMapOvr>
+</p:sld>
+</file>
+
+<file path=ppt/slides/slide24.xml><?xml version="1.0" encoding="utf-8"?>
+<p:sld xmlns:a="http://schemas.openxmlformats.org/drawingml/2006/main" xmlns:r="http://schemas.openxmlformats.org/officeDocument/2006/relationships" xmlns:p="http://schemas.openxmlformats.org/presentationml/2006/main" showMasterSp="0">
+  <p:cSld>
+    <p:spTree>
+      <p:nvGrpSpPr>
+        <p:cNvPr id="1" name=""/>
+        <p:cNvGrpSpPr/>
+        <p:nvPr/>
+      </p:nvGrpSpPr>
+      <p:grpSpPr>
+        <a:xfrm>
+          <a:off x="0" y="0"/>
+          <a:ext cx="0" cy="0"/>
+          <a:chOff x="0" y="0"/>
+          <a:chExt cx="0" cy="0"/>
+        </a:xfrm>
+      </p:grpSpPr>
+      <p:sp>
+        <p:nvSpPr>
+          <p:cNvPr id="2" name="object 2"/>
+          <p:cNvSpPr txBox="1">
+            <a:spLocks noGrp="1"/>
+          </p:cNvSpPr>
+          <p:nvPr>
+            <p:ph type="title"/>
+          </p:nvPr>
+        </p:nvSpPr>
+        <p:spPr>
+          <a:prstGeom prst="rect">
+            <a:avLst/>
+          </a:prstGeom>
+        </p:spPr>
+        <p:txBody>
+          <a:bodyPr vert="horz" wrap="square" lIns="0" tIns="12700" rIns="0" bIns="0" rtlCol="0">
+            <a:spAutoFit/>
+          </a:bodyPr>
+          <a:lstStyle/>
+          <a:p>
             <a:pPr marL="963930">
               <a:lnSpc>
                 <a:spcPct val="100000"/>
@@ -9114,7 +9489,7 @@
 </p:sld>
 </file>
 
-<file path=ppt/slides/slide21.xml><?xml version="1.0" encoding="utf-8"?>
+<file path=ppt/slides/slide25.xml><?xml version="1.0" encoding="utf-8"?>
 <p:sld xmlns:a="http://schemas.openxmlformats.org/drawingml/2006/main" xmlns:r="http://schemas.openxmlformats.org/officeDocument/2006/relationships" xmlns:p="http://schemas.openxmlformats.org/presentationml/2006/main" showMasterSp="0">
   <p:cSld>
     <p:spTree>
@@ -9193,7 +9568,7 @@
         </p:nvGraphicFramePr>
         <p:xfrm>
           <a:off x="1289047" y="2508244"/>
-          <a:ext cx="6489700" cy="2283460"/>
+          <a:ext cx="6400165" cy="2283460"/>
         </p:xfrm>
         <a:graphic>
           <a:graphicData uri="http://schemas.openxmlformats.org/drawingml/2006/table">
@@ -10171,7 +10546,7 @@
 </p:sld>
 </file>
 
-<file path=ppt/slides/slide22.xml><?xml version="1.0" encoding="utf-8"?>
+<file path=ppt/slides/slide26.xml><?xml version="1.0" encoding="utf-8"?>
 <p:sld xmlns:a="http://schemas.openxmlformats.org/drawingml/2006/main" xmlns:r="http://schemas.openxmlformats.org/officeDocument/2006/relationships" xmlns:p="http://schemas.openxmlformats.org/presentationml/2006/main" showMasterSp="0">
   <p:cSld>
     <p:spTree>
@@ -10810,7 +11185,7 @@
 </p:sld>
 </file>
 
-<file path=ppt/slides/slide23.xml><?xml version="1.0" encoding="utf-8"?>
+<file path=ppt/slides/slide27.xml><?xml version="1.0" encoding="utf-8"?>
 <p:sld xmlns:a="http://schemas.openxmlformats.org/drawingml/2006/main" xmlns:r="http://schemas.openxmlformats.org/officeDocument/2006/relationships" xmlns:p="http://schemas.openxmlformats.org/presentationml/2006/main" showMasterSp="0">
   <p:cSld>
     <p:spTree>
@@ -11061,7 +11436,7 @@
 </p:sld>
 </file>
 
-<file path=ppt/slides/slide24.xml><?xml version="1.0" encoding="utf-8"?>
+<file path=ppt/slides/slide28.xml><?xml version="1.0" encoding="utf-8"?>
 <p:sld xmlns:a="http://schemas.openxmlformats.org/drawingml/2006/main" xmlns:r="http://schemas.openxmlformats.org/officeDocument/2006/relationships" xmlns:p="http://schemas.openxmlformats.org/presentationml/2006/main" showMasterSp="0">
   <p:cSld>
     <p:spTree>
@@ -11089,6 +11464,10 @@
           </p:nvPr>
         </p:nvSpPr>
         <p:spPr>
+          <a:xfrm>
+            <a:off x="838200" y="228600"/>
+            <a:ext cx="7838365" cy="635000"/>
+          </a:xfrm>
           <a:prstGeom prst="rect">
             <a:avLst/>
           </a:prstGeom>
@@ -11797,7 +12176,7 @@
 </p:sld>
 </file>
 
-<file path=ppt/slides/slide25.xml><?xml version="1.0" encoding="utf-8"?>
+<file path=ppt/slides/slide29.xml><?xml version="1.0" encoding="utf-8"?>
 <p:sld xmlns:a="http://schemas.openxmlformats.org/drawingml/2006/main" xmlns:r="http://schemas.openxmlformats.org/officeDocument/2006/relationships" xmlns:p="http://schemas.openxmlformats.org/presentationml/2006/main" showMasterSp="0">
   <p:cSld>
     <p:spTree>
@@ -11822,7 +12201,7 @@
         </p:nvSpPr>
         <p:spPr>
           <a:xfrm>
-            <a:off x="444686" y="1612388"/>
+            <a:off x="838200" y="609600"/>
             <a:ext cx="8087995" cy="4955540"/>
           </a:xfrm>
           <a:prstGeom prst="rect">
@@ -12099,7 +12478,7 @@
               </a:rPr>
               <a:t>input.</a:t>
             </a:r>
-            <a:endParaRPr sz="2600">
+            <a:endParaRPr sz="2600" dirty="0">
               <a:latin typeface="Carlito"/>
               <a:cs typeface="Carlito"/>
             </a:endParaRPr>
@@ -12453,7 +12832,7 @@
               </a:rPr>
               <a:t>glitches.</a:t>
             </a:r>
-            <a:endParaRPr sz="2600">
+            <a:endParaRPr sz="2600" dirty="0">
               <a:latin typeface="Carlito"/>
               <a:cs typeface="Carlito"/>
             </a:endParaRPr>
@@ -13199,7 +13578,7 @@
               </a:rPr>
               <a:t>noise.</a:t>
             </a:r>
-            <a:endParaRPr sz="2600">
+            <a:endParaRPr sz="2600" dirty="0">
               <a:latin typeface="Carlito"/>
               <a:cs typeface="Carlito"/>
             </a:endParaRPr>
@@ -13214,7 +13593,820 @@
 </p:sld>
 </file>
 
-<file path=ppt/slides/slide26.xml><?xml version="1.0" encoding="utf-8"?>
+<file path=ppt/slides/slide3.xml><?xml version="1.0" encoding="utf-8"?>
+<p:sld xmlns:a="http://schemas.openxmlformats.org/drawingml/2006/main" xmlns:r="http://schemas.openxmlformats.org/officeDocument/2006/relationships" xmlns:p="http://schemas.openxmlformats.org/presentationml/2006/main" showMasterSp="0">
+  <p:cSld>
+    <p:spTree>
+      <p:nvGrpSpPr>
+        <p:cNvPr id="1" name=""/>
+        <p:cNvGrpSpPr/>
+        <p:nvPr/>
+      </p:nvGrpSpPr>
+      <p:grpSpPr>
+        <a:xfrm>
+          <a:off x="0" y="0"/>
+          <a:ext cx="0" cy="0"/>
+          <a:chOff x="0" y="0"/>
+          <a:chExt cx="0" cy="0"/>
+        </a:xfrm>
+      </p:grpSpPr>
+      <p:sp>
+        <p:nvSpPr>
+          <p:cNvPr id="2" name="object 2"/>
+          <p:cNvSpPr txBox="1"/>
+          <p:nvPr/>
+        </p:nvSpPr>
+        <p:spPr>
+          <a:xfrm>
+            <a:off x="685800" y="533400"/>
+            <a:ext cx="8004809" cy="4485005"/>
+          </a:xfrm>
+          <a:prstGeom prst="rect">
+            <a:avLst/>
+          </a:prstGeom>
+        </p:spPr>
+        <p:txBody>
+          <a:bodyPr vert="horz" wrap="square" lIns="0" tIns="30480" rIns="0" bIns="0" rtlCol="0">
+            <a:spAutoFit/>
+          </a:bodyPr>
+          <a:lstStyle/>
+          <a:p>
+            <a:pPr marL="237490" marR="629920" indent="-224790">
+              <a:lnSpc>
+                <a:spcPts val="3820"/>
+              </a:lnSpc>
+              <a:spcBef>
+                <a:spcPts val="240"/>
+              </a:spcBef>
+              <a:buFont typeface="Arial"/>
+              <a:buChar char="•"/>
+              <a:tabLst>
+                <a:tab pos="237490" algn="l"/>
+              </a:tabLst>
+            </a:pPr>
+            <a:r>
+              <a:rPr sz="3200" dirty="0">
+                <a:latin typeface="Carlito"/>
+                <a:cs typeface="Carlito"/>
+              </a:rPr>
+              <a:t>In</a:t>
+            </a:r>
+            <a:r>
+              <a:rPr sz="3200" spc="-55" dirty="0">
+                <a:latin typeface="Carlito"/>
+                <a:cs typeface="Carlito"/>
+              </a:rPr>
+              <a:t> </a:t>
+            </a:r>
+            <a:r>
+              <a:rPr sz="3200" dirty="0">
+                <a:latin typeface="Carlito"/>
+                <a:cs typeface="Carlito"/>
+              </a:rPr>
+              <a:t>order</a:t>
+            </a:r>
+            <a:r>
+              <a:rPr sz="3200" spc="-50" dirty="0">
+                <a:latin typeface="Carlito"/>
+                <a:cs typeface="Carlito"/>
+              </a:rPr>
+              <a:t> </a:t>
+            </a:r>
+            <a:r>
+              <a:rPr sz="3200" dirty="0">
+                <a:latin typeface="Carlito"/>
+                <a:cs typeface="Carlito"/>
+              </a:rPr>
+              <a:t>to</a:t>
+            </a:r>
+            <a:r>
+              <a:rPr sz="3200" spc="-50" dirty="0">
+                <a:latin typeface="Carlito"/>
+                <a:cs typeface="Carlito"/>
+              </a:rPr>
+              <a:t> </a:t>
+            </a:r>
+            <a:r>
+              <a:rPr sz="3200" dirty="0">
+                <a:latin typeface="Carlito"/>
+                <a:cs typeface="Carlito"/>
+              </a:rPr>
+              <a:t>interface</a:t>
+            </a:r>
+            <a:r>
+              <a:rPr sz="3200" spc="-55" dirty="0">
+                <a:latin typeface="Carlito"/>
+                <a:cs typeface="Carlito"/>
+              </a:rPr>
+              <a:t> </a:t>
+            </a:r>
+            <a:r>
+              <a:rPr sz="3200" dirty="0">
+                <a:latin typeface="Carlito"/>
+                <a:cs typeface="Carlito"/>
+              </a:rPr>
+              <a:t>digital</a:t>
+            </a:r>
+            <a:r>
+              <a:rPr sz="3200" spc="-50" dirty="0">
+                <a:latin typeface="Carlito"/>
+                <a:cs typeface="Carlito"/>
+              </a:rPr>
+              <a:t> </a:t>
+            </a:r>
+            <a:r>
+              <a:rPr sz="3200" dirty="0">
+                <a:latin typeface="Carlito"/>
+                <a:cs typeface="Carlito"/>
+              </a:rPr>
+              <a:t>processors</a:t>
+            </a:r>
+            <a:r>
+              <a:rPr sz="3200" spc="-50" dirty="0">
+                <a:latin typeface="Carlito"/>
+                <a:cs typeface="Carlito"/>
+              </a:rPr>
+              <a:t> </a:t>
+            </a:r>
+            <a:r>
+              <a:rPr sz="3200" spc="-20" dirty="0">
+                <a:latin typeface="Carlito"/>
+                <a:cs typeface="Carlito"/>
+              </a:rPr>
+              <a:t>with </a:t>
+            </a:r>
+            <a:r>
+              <a:rPr sz="3200" dirty="0">
+                <a:latin typeface="Carlito"/>
+                <a:cs typeface="Carlito"/>
+              </a:rPr>
+              <a:t>the</a:t>
+            </a:r>
+            <a:r>
+              <a:rPr sz="3200" spc="-90" dirty="0">
+                <a:latin typeface="Carlito"/>
+                <a:cs typeface="Carlito"/>
+              </a:rPr>
+              <a:t> </a:t>
+            </a:r>
+            <a:r>
+              <a:rPr sz="3200" dirty="0">
+                <a:latin typeface="Carlito"/>
+                <a:cs typeface="Carlito"/>
+              </a:rPr>
+              <a:t>analog</a:t>
+            </a:r>
+            <a:r>
+              <a:rPr sz="3200" spc="-90" dirty="0">
+                <a:latin typeface="Carlito"/>
+                <a:cs typeface="Carlito"/>
+              </a:rPr>
+              <a:t> </a:t>
+            </a:r>
+            <a:r>
+              <a:rPr sz="3200" dirty="0">
+                <a:latin typeface="Carlito"/>
+                <a:cs typeface="Carlito"/>
+              </a:rPr>
+              <a:t>world,</a:t>
+            </a:r>
+            <a:r>
+              <a:rPr sz="3200" spc="-85" dirty="0">
+                <a:latin typeface="Carlito"/>
+                <a:cs typeface="Carlito"/>
+              </a:rPr>
+              <a:t> </a:t>
+            </a:r>
+            <a:r>
+              <a:rPr sz="3200" dirty="0">
+                <a:latin typeface="Carlito"/>
+                <a:cs typeface="Carlito"/>
+              </a:rPr>
+              <a:t>data</a:t>
+            </a:r>
+            <a:r>
+              <a:rPr sz="3200" spc="-90" dirty="0">
+                <a:latin typeface="Carlito"/>
+                <a:cs typeface="Carlito"/>
+              </a:rPr>
+              <a:t> </a:t>
+            </a:r>
+            <a:r>
+              <a:rPr sz="3200" spc="-10" dirty="0">
+                <a:latin typeface="Carlito"/>
+                <a:cs typeface="Carlito"/>
+              </a:rPr>
+              <a:t>acquisition</a:t>
+            </a:r>
+            <a:r>
+              <a:rPr sz="3200" spc="-85" dirty="0">
+                <a:latin typeface="Carlito"/>
+                <a:cs typeface="Carlito"/>
+              </a:rPr>
+              <a:t> </a:t>
+            </a:r>
+            <a:r>
+              <a:rPr sz="3200" spc="-25" dirty="0">
+                <a:latin typeface="Carlito"/>
+                <a:cs typeface="Carlito"/>
+              </a:rPr>
+              <a:t>and </a:t>
+            </a:r>
+            <a:r>
+              <a:rPr sz="3200" spc="-10" dirty="0">
+                <a:latin typeface="Carlito"/>
+                <a:cs typeface="Carlito"/>
+              </a:rPr>
+              <a:t>reconstruction</a:t>
+            </a:r>
+            <a:r>
+              <a:rPr sz="3200" spc="-100" dirty="0">
+                <a:latin typeface="Carlito"/>
+                <a:cs typeface="Carlito"/>
+              </a:rPr>
+              <a:t> </a:t>
+            </a:r>
+            <a:r>
+              <a:rPr sz="3200" dirty="0">
+                <a:latin typeface="Carlito"/>
+                <a:cs typeface="Carlito"/>
+              </a:rPr>
+              <a:t>circuits</a:t>
+            </a:r>
+            <a:r>
+              <a:rPr sz="3200" spc="-95" dirty="0">
+                <a:latin typeface="Carlito"/>
+                <a:cs typeface="Carlito"/>
+              </a:rPr>
+              <a:t> </a:t>
+            </a:r>
+            <a:r>
+              <a:rPr sz="3200" dirty="0">
+                <a:latin typeface="Carlito"/>
+                <a:cs typeface="Carlito"/>
+              </a:rPr>
+              <a:t>must</a:t>
+            </a:r>
+            <a:r>
+              <a:rPr sz="3200" spc="-95" dirty="0">
+                <a:latin typeface="Carlito"/>
+                <a:cs typeface="Carlito"/>
+              </a:rPr>
+              <a:t> </a:t>
+            </a:r>
+            <a:r>
+              <a:rPr sz="3200" dirty="0">
+                <a:latin typeface="Carlito"/>
+                <a:cs typeface="Carlito"/>
+              </a:rPr>
+              <a:t>be</a:t>
+            </a:r>
+            <a:r>
+              <a:rPr sz="3200" spc="-95" dirty="0">
+                <a:latin typeface="Carlito"/>
+                <a:cs typeface="Carlito"/>
+              </a:rPr>
+              <a:t> </a:t>
+            </a:r>
+            <a:r>
+              <a:rPr sz="3200" spc="-10" dirty="0">
+                <a:latin typeface="Carlito"/>
+                <a:cs typeface="Carlito"/>
+              </a:rPr>
+              <a:t>used:</a:t>
+            </a:r>
+            <a:endParaRPr sz="3200" dirty="0">
+              <a:latin typeface="Carlito"/>
+              <a:cs typeface="Carlito"/>
+            </a:endParaRPr>
+          </a:p>
+          <a:p>
+            <a:pPr marL="237490" marR="187960">
+              <a:lnSpc>
+                <a:spcPts val="3820"/>
+              </a:lnSpc>
+              <a:spcBef>
+                <a:spcPts val="15"/>
+              </a:spcBef>
+            </a:pPr>
+            <a:r>
+              <a:rPr sz="3200" spc="-25" dirty="0">
+                <a:latin typeface="Carlito"/>
+                <a:cs typeface="Carlito"/>
+              </a:rPr>
+              <a:t>analog-to-</a:t>
+            </a:r>
+            <a:r>
+              <a:rPr sz="3200" dirty="0">
+                <a:latin typeface="Carlito"/>
+                <a:cs typeface="Carlito"/>
+              </a:rPr>
+              <a:t>digital</a:t>
+            </a:r>
+            <a:r>
+              <a:rPr sz="3200" spc="-65" dirty="0">
+                <a:latin typeface="Carlito"/>
+                <a:cs typeface="Carlito"/>
+              </a:rPr>
+              <a:t> </a:t>
+            </a:r>
+            <a:r>
+              <a:rPr sz="3200" dirty="0">
+                <a:latin typeface="Carlito"/>
+                <a:cs typeface="Carlito"/>
+              </a:rPr>
+              <a:t>converters</a:t>
+            </a:r>
+            <a:r>
+              <a:rPr sz="3200" spc="-65" dirty="0">
+                <a:latin typeface="Carlito"/>
+                <a:cs typeface="Carlito"/>
+              </a:rPr>
+              <a:t> </a:t>
+            </a:r>
+            <a:r>
+              <a:rPr sz="3200" dirty="0">
+                <a:latin typeface="Carlito"/>
+                <a:cs typeface="Carlito"/>
+              </a:rPr>
+              <a:t>(ADCs)</a:t>
+            </a:r>
+            <a:r>
+              <a:rPr sz="3200" spc="-65" dirty="0">
+                <a:latin typeface="Carlito"/>
+                <a:cs typeface="Carlito"/>
+              </a:rPr>
+              <a:t> </a:t>
+            </a:r>
+            <a:r>
+              <a:rPr sz="3200" dirty="0">
+                <a:latin typeface="Carlito"/>
+                <a:cs typeface="Carlito"/>
+              </a:rPr>
+              <a:t>to</a:t>
+            </a:r>
+            <a:r>
+              <a:rPr sz="3200" spc="-60" dirty="0">
+                <a:latin typeface="Carlito"/>
+                <a:cs typeface="Carlito"/>
+              </a:rPr>
+              <a:t> </a:t>
+            </a:r>
+            <a:r>
+              <a:rPr sz="3200" spc="-10" dirty="0">
+                <a:latin typeface="Carlito"/>
+                <a:cs typeface="Carlito"/>
+              </a:rPr>
+              <a:t>acquire </a:t>
+            </a:r>
+            <a:r>
+              <a:rPr sz="3200" dirty="0">
+                <a:latin typeface="Carlito"/>
+                <a:cs typeface="Carlito"/>
+              </a:rPr>
+              <a:t>and</a:t>
+            </a:r>
+            <a:r>
+              <a:rPr sz="3200" spc="-85" dirty="0">
+                <a:latin typeface="Carlito"/>
+                <a:cs typeface="Carlito"/>
+              </a:rPr>
+              <a:t> </a:t>
+            </a:r>
+            <a:r>
+              <a:rPr sz="3200" dirty="0">
+                <a:latin typeface="Carlito"/>
+                <a:cs typeface="Carlito"/>
+              </a:rPr>
+              <a:t>digitize</a:t>
+            </a:r>
+            <a:r>
+              <a:rPr sz="3200" spc="-85" dirty="0">
+                <a:latin typeface="Carlito"/>
+                <a:cs typeface="Carlito"/>
+              </a:rPr>
+              <a:t> </a:t>
+            </a:r>
+            <a:r>
+              <a:rPr sz="3200" dirty="0">
+                <a:latin typeface="Carlito"/>
+                <a:cs typeface="Carlito"/>
+              </a:rPr>
+              <a:t>the</a:t>
+            </a:r>
+            <a:r>
+              <a:rPr sz="3200" spc="-80" dirty="0">
+                <a:latin typeface="Carlito"/>
+                <a:cs typeface="Carlito"/>
+              </a:rPr>
+              <a:t> </a:t>
+            </a:r>
+            <a:r>
+              <a:rPr sz="3200" dirty="0">
+                <a:latin typeface="Carlito"/>
+                <a:cs typeface="Carlito"/>
+              </a:rPr>
+              <a:t>analog</a:t>
+            </a:r>
+            <a:r>
+              <a:rPr sz="3200" spc="-85" dirty="0">
+                <a:latin typeface="Carlito"/>
+                <a:cs typeface="Carlito"/>
+              </a:rPr>
+              <a:t> </a:t>
+            </a:r>
+            <a:r>
+              <a:rPr sz="3200" dirty="0">
+                <a:latin typeface="Carlito"/>
+                <a:cs typeface="Carlito"/>
+              </a:rPr>
+              <a:t>signal</a:t>
+            </a:r>
+            <a:r>
+              <a:rPr sz="3200" spc="-80" dirty="0">
+                <a:latin typeface="Carlito"/>
+                <a:cs typeface="Carlito"/>
+              </a:rPr>
+              <a:t> </a:t>
+            </a:r>
+            <a:r>
+              <a:rPr sz="3200" dirty="0">
+                <a:latin typeface="Carlito"/>
+                <a:cs typeface="Carlito"/>
+              </a:rPr>
+              <a:t>at</a:t>
+            </a:r>
+            <a:r>
+              <a:rPr sz="3200" spc="-85" dirty="0">
+                <a:latin typeface="Carlito"/>
+                <a:cs typeface="Carlito"/>
+              </a:rPr>
+              <a:t> </a:t>
+            </a:r>
+            <a:r>
+              <a:rPr sz="3200" dirty="0">
+                <a:latin typeface="Carlito"/>
+                <a:cs typeface="Carlito"/>
+              </a:rPr>
+              <a:t>the</a:t>
+            </a:r>
+            <a:r>
+              <a:rPr sz="3200" spc="-80" dirty="0">
+                <a:latin typeface="Carlito"/>
+                <a:cs typeface="Carlito"/>
+              </a:rPr>
+              <a:t> </a:t>
+            </a:r>
+            <a:r>
+              <a:rPr sz="3200" dirty="0">
+                <a:latin typeface="Carlito"/>
+                <a:cs typeface="Carlito"/>
+              </a:rPr>
+              <a:t>front</a:t>
+            </a:r>
+            <a:r>
+              <a:rPr sz="3200" spc="-85" dirty="0">
+                <a:latin typeface="Carlito"/>
+                <a:cs typeface="Carlito"/>
+              </a:rPr>
+              <a:t> </a:t>
+            </a:r>
+            <a:r>
+              <a:rPr sz="3200" spc="-20" dirty="0">
+                <a:latin typeface="Carlito"/>
+                <a:cs typeface="Carlito"/>
+              </a:rPr>
+              <a:t>end, </a:t>
+            </a:r>
+            <a:r>
+              <a:rPr sz="3200" dirty="0">
+                <a:latin typeface="Carlito"/>
+                <a:cs typeface="Carlito"/>
+              </a:rPr>
+              <a:t>and</a:t>
+            </a:r>
+            <a:r>
+              <a:rPr sz="3200" spc="-65" dirty="0">
+                <a:latin typeface="Carlito"/>
+                <a:cs typeface="Carlito"/>
+              </a:rPr>
+              <a:t> </a:t>
+            </a:r>
+            <a:r>
+              <a:rPr sz="3200" spc="-25" dirty="0">
+                <a:latin typeface="Carlito"/>
+                <a:cs typeface="Carlito"/>
+              </a:rPr>
+              <a:t>digital-to-</a:t>
+            </a:r>
+            <a:r>
+              <a:rPr sz="3200" dirty="0">
+                <a:latin typeface="Carlito"/>
+                <a:cs typeface="Carlito"/>
+              </a:rPr>
+              <a:t>analog</a:t>
+            </a:r>
+            <a:r>
+              <a:rPr sz="3200" spc="-65" dirty="0">
+                <a:latin typeface="Carlito"/>
+                <a:cs typeface="Carlito"/>
+              </a:rPr>
+              <a:t> </a:t>
+            </a:r>
+            <a:r>
+              <a:rPr sz="3200" dirty="0">
+                <a:latin typeface="Carlito"/>
+                <a:cs typeface="Carlito"/>
+              </a:rPr>
+              <a:t>converters</a:t>
+            </a:r>
+            <a:r>
+              <a:rPr sz="3200" spc="-65" dirty="0">
+                <a:latin typeface="Carlito"/>
+                <a:cs typeface="Carlito"/>
+              </a:rPr>
+              <a:t> </a:t>
+            </a:r>
+            <a:r>
+              <a:rPr sz="3200" dirty="0">
+                <a:latin typeface="Carlito"/>
+                <a:cs typeface="Carlito"/>
+              </a:rPr>
+              <a:t>(DACs)</a:t>
+            </a:r>
+            <a:r>
+              <a:rPr sz="3200" spc="-65" dirty="0">
+                <a:latin typeface="Carlito"/>
+                <a:cs typeface="Carlito"/>
+              </a:rPr>
+              <a:t> </a:t>
+            </a:r>
+            <a:r>
+              <a:rPr sz="3200" spc="-25" dirty="0">
+                <a:latin typeface="Carlito"/>
+                <a:cs typeface="Carlito"/>
+              </a:rPr>
+              <a:t>to </a:t>
+            </a:r>
+            <a:r>
+              <a:rPr sz="3200" dirty="0">
+                <a:latin typeface="Carlito"/>
+                <a:cs typeface="Carlito"/>
+              </a:rPr>
+              <a:t>reproduce</a:t>
+            </a:r>
+            <a:r>
+              <a:rPr sz="3200" spc="-85" dirty="0">
+                <a:latin typeface="Carlito"/>
+                <a:cs typeface="Carlito"/>
+              </a:rPr>
+              <a:t> </a:t>
+            </a:r>
+            <a:r>
+              <a:rPr sz="3200" dirty="0">
+                <a:latin typeface="Carlito"/>
+                <a:cs typeface="Carlito"/>
+              </a:rPr>
+              <a:t>the</a:t>
+            </a:r>
+            <a:r>
+              <a:rPr sz="3200" spc="-70" dirty="0">
+                <a:latin typeface="Carlito"/>
+                <a:cs typeface="Carlito"/>
+              </a:rPr>
+              <a:t> </a:t>
+            </a:r>
+            <a:r>
+              <a:rPr sz="3200" dirty="0">
+                <a:latin typeface="Carlito"/>
+                <a:cs typeface="Carlito"/>
+              </a:rPr>
+              <a:t>analog</a:t>
+            </a:r>
+            <a:r>
+              <a:rPr sz="3200" spc="-70" dirty="0">
+                <a:latin typeface="Carlito"/>
+                <a:cs typeface="Carlito"/>
+              </a:rPr>
+              <a:t> </a:t>
+            </a:r>
+            <a:r>
+              <a:rPr sz="3200" dirty="0">
+                <a:latin typeface="Carlito"/>
+                <a:cs typeface="Carlito"/>
+              </a:rPr>
+              <a:t>signal</a:t>
+            </a:r>
+            <a:r>
+              <a:rPr sz="3200" spc="-75" dirty="0">
+                <a:latin typeface="Carlito"/>
+                <a:cs typeface="Carlito"/>
+              </a:rPr>
+              <a:t> </a:t>
+            </a:r>
+            <a:r>
+              <a:rPr sz="3200" dirty="0">
+                <a:latin typeface="Carlito"/>
+                <a:cs typeface="Carlito"/>
+              </a:rPr>
+              <a:t>at</a:t>
+            </a:r>
+            <a:r>
+              <a:rPr sz="3200" spc="-70" dirty="0">
+                <a:latin typeface="Carlito"/>
+                <a:cs typeface="Carlito"/>
+              </a:rPr>
+              <a:t> </a:t>
+            </a:r>
+            <a:r>
+              <a:rPr sz="3200" dirty="0">
+                <a:latin typeface="Carlito"/>
+                <a:cs typeface="Carlito"/>
+              </a:rPr>
+              <a:t>the</a:t>
+            </a:r>
+            <a:r>
+              <a:rPr sz="3200" spc="-70" dirty="0">
+                <a:latin typeface="Carlito"/>
+                <a:cs typeface="Carlito"/>
+              </a:rPr>
+              <a:t> </a:t>
+            </a:r>
+            <a:r>
+              <a:rPr sz="3200" dirty="0">
+                <a:latin typeface="Carlito"/>
+                <a:cs typeface="Carlito"/>
+              </a:rPr>
+              <a:t>back</a:t>
+            </a:r>
+            <a:r>
+              <a:rPr sz="3200" spc="-70" dirty="0">
+                <a:latin typeface="Carlito"/>
+                <a:cs typeface="Carlito"/>
+              </a:rPr>
+              <a:t> </a:t>
+            </a:r>
+            <a:r>
+              <a:rPr sz="3200" spc="-20" dirty="0">
+                <a:latin typeface="Carlito"/>
+                <a:cs typeface="Carlito"/>
+              </a:rPr>
+              <a:t>end.</a:t>
+            </a:r>
+            <a:endParaRPr sz="3200" dirty="0">
+              <a:latin typeface="Carlito"/>
+              <a:cs typeface="Carlito"/>
+            </a:endParaRPr>
+          </a:p>
+          <a:p>
+            <a:pPr marL="237490" marR="5080" indent="-224790">
+              <a:lnSpc>
+                <a:spcPct val="100499"/>
+              </a:lnSpc>
+              <a:spcBef>
+                <a:spcPts val="500"/>
+              </a:spcBef>
+              <a:buChar char="•"/>
+              <a:tabLst>
+                <a:tab pos="237490" algn="l"/>
+                <a:tab pos="408305" algn="l"/>
+              </a:tabLst>
+            </a:pPr>
+            <a:r>
+              <a:rPr sz="3200" dirty="0">
+                <a:latin typeface="Arial"/>
+                <a:cs typeface="Arial"/>
+              </a:rPr>
+              <a:t>	</a:t>
+            </a:r>
+            <a:r>
+              <a:rPr sz="3200" spc="130" dirty="0">
+                <a:latin typeface="Carlito"/>
+                <a:cs typeface="Carlito"/>
+              </a:rPr>
+              <a:t>?</a:t>
+            </a:r>
+            <a:r>
+              <a:rPr sz="3200" spc="-75" dirty="0">
+                <a:latin typeface="Carlito"/>
+                <a:cs typeface="Carlito"/>
+              </a:rPr>
+              <a:t> </a:t>
+            </a:r>
+            <a:r>
+              <a:rPr sz="3200" dirty="0">
+                <a:latin typeface="Carlito"/>
+                <a:cs typeface="Carlito"/>
+              </a:rPr>
+              <a:t>Digital</a:t>
+            </a:r>
+            <a:r>
+              <a:rPr sz="3200" spc="-75" dirty="0">
+                <a:latin typeface="Carlito"/>
+                <a:cs typeface="Carlito"/>
+              </a:rPr>
+              <a:t> </a:t>
+            </a:r>
+            <a:r>
+              <a:rPr sz="3200" dirty="0">
+                <a:latin typeface="Carlito"/>
+                <a:cs typeface="Carlito"/>
+              </a:rPr>
+              <a:t>data</a:t>
+            </a:r>
+            <a:r>
+              <a:rPr sz="3200" spc="-70" dirty="0">
+                <a:latin typeface="Carlito"/>
+                <a:cs typeface="Carlito"/>
+              </a:rPr>
+              <a:t> </a:t>
+            </a:r>
+            <a:r>
+              <a:rPr sz="3200" spc="-10" dirty="0">
+                <a:latin typeface="Carlito"/>
+                <a:cs typeface="Carlito"/>
+              </a:rPr>
+              <a:t>conversion</a:t>
+            </a:r>
+            <a:r>
+              <a:rPr sz="3200" spc="-75" dirty="0">
+                <a:latin typeface="Carlito"/>
+                <a:cs typeface="Carlito"/>
+              </a:rPr>
+              <a:t> </a:t>
+            </a:r>
+            <a:r>
+              <a:rPr sz="3200" dirty="0">
+                <a:latin typeface="Carlito"/>
+                <a:cs typeface="Carlito"/>
+              </a:rPr>
+              <a:t>system</a:t>
+            </a:r>
+            <a:r>
+              <a:rPr sz="3200" spc="-70" dirty="0">
+                <a:latin typeface="Carlito"/>
+                <a:cs typeface="Carlito"/>
+              </a:rPr>
+              <a:t> </a:t>
+            </a:r>
+            <a:r>
+              <a:rPr sz="3200" dirty="0">
+                <a:latin typeface="Carlito"/>
+                <a:cs typeface="Carlito"/>
+              </a:rPr>
+              <a:t>requires</a:t>
+            </a:r>
+            <a:r>
+              <a:rPr sz="3200" spc="-75" dirty="0">
+                <a:latin typeface="Carlito"/>
+                <a:cs typeface="Carlito"/>
+              </a:rPr>
+              <a:t> </a:t>
+            </a:r>
+            <a:r>
+              <a:rPr sz="3200" spc="-25" dirty="0">
+                <a:latin typeface="Carlito"/>
+                <a:cs typeface="Carlito"/>
+              </a:rPr>
+              <a:t>ADC </a:t>
+            </a:r>
+            <a:r>
+              <a:rPr sz="3200" dirty="0">
+                <a:latin typeface="Carlito"/>
+                <a:cs typeface="Carlito"/>
+              </a:rPr>
+              <a:t>and</a:t>
+            </a:r>
+            <a:r>
+              <a:rPr sz="3200" spc="-65" dirty="0">
+                <a:latin typeface="Carlito"/>
+                <a:cs typeface="Carlito"/>
+              </a:rPr>
+              <a:t> </a:t>
+            </a:r>
+            <a:r>
+              <a:rPr sz="3200" spc="-20" dirty="0">
+                <a:latin typeface="Carlito"/>
+                <a:cs typeface="Carlito"/>
+              </a:rPr>
+              <a:t>DAC.</a:t>
+            </a:r>
+            <a:endParaRPr sz="3200" dirty="0">
+              <a:latin typeface="Carlito"/>
+              <a:cs typeface="Carlito"/>
+            </a:endParaRPr>
+          </a:p>
+        </p:txBody>
+      </p:sp>
+    </p:spTree>
+  </p:cSld>
+  <p:clrMapOvr>
+    <a:masterClrMapping/>
+  </p:clrMapOvr>
+</p:sld>
+</file>
+
+<file path=ppt/slides/slide30.xml><?xml version="1.0" encoding="utf-8"?>
 <p:sld xmlns:a="http://schemas.openxmlformats.org/drawingml/2006/main" xmlns:r="http://schemas.openxmlformats.org/officeDocument/2006/relationships" xmlns:p="http://schemas.openxmlformats.org/presentationml/2006/main" showMasterSp="0">
   <p:cSld>
     <p:spTree>
@@ -13261,7 +14453,7 @@
 </p:sld>
 </file>
 
-<file path=ppt/slides/slide27.xml><?xml version="1.0" encoding="utf-8"?>
+<file path=ppt/slides/slide31.xml><?xml version="1.0" encoding="utf-8"?>
 <p:sld xmlns:a="http://schemas.openxmlformats.org/drawingml/2006/main" xmlns:r="http://schemas.openxmlformats.org/officeDocument/2006/relationships" xmlns:p="http://schemas.openxmlformats.org/presentationml/2006/main" showMasterSp="0">
   <p:cSld>
     <p:spTree>
@@ -13636,7 +14828,7 @@
 </p:sld>
 </file>
 
-<file path=ppt/slides/slide28.xml><?xml version="1.0" encoding="utf-8"?>
+<file path=ppt/slides/slide32.xml><?xml version="1.0" encoding="utf-8"?>
 <p:sld xmlns:a="http://schemas.openxmlformats.org/drawingml/2006/main" xmlns:r="http://schemas.openxmlformats.org/officeDocument/2006/relationships" xmlns:p="http://schemas.openxmlformats.org/presentationml/2006/main" showMasterSp="0">
   <p:cSld>
     <p:spTree>
@@ -14096,7 +15288,7 @@
 </p:sld>
 </file>
 
-<file path=ppt/slides/slide29.xml><?xml version="1.0" encoding="utf-8"?>
+<file path=ppt/slides/slide33.xml><?xml version="1.0" encoding="utf-8"?>
 <p:sld xmlns:a="http://schemas.openxmlformats.org/drawingml/2006/main" xmlns:r="http://schemas.openxmlformats.org/officeDocument/2006/relationships" xmlns:p="http://schemas.openxmlformats.org/presentationml/2006/main" showMasterSp="0">
   <p:cSld>
     <p:spTree>
@@ -14751,820 +15943,7 @@
 </p:sld>
 </file>
 
-<file path=ppt/slides/slide3.xml><?xml version="1.0" encoding="utf-8"?>
-<p:sld xmlns:a="http://schemas.openxmlformats.org/drawingml/2006/main" xmlns:r="http://schemas.openxmlformats.org/officeDocument/2006/relationships" xmlns:p="http://schemas.openxmlformats.org/presentationml/2006/main" showMasterSp="0">
-  <p:cSld>
-    <p:spTree>
-      <p:nvGrpSpPr>
-        <p:cNvPr id="1" name=""/>
-        <p:cNvGrpSpPr/>
-        <p:nvPr/>
-      </p:nvGrpSpPr>
-      <p:grpSpPr>
-        <a:xfrm>
-          <a:off x="0" y="0"/>
-          <a:ext cx="0" cy="0"/>
-          <a:chOff x="0" y="0"/>
-          <a:chExt cx="0" cy="0"/>
-        </a:xfrm>
-      </p:grpSpPr>
-      <p:sp>
-        <p:nvSpPr>
-          <p:cNvPr id="2" name="object 2"/>
-          <p:cNvSpPr txBox="1"/>
-          <p:nvPr/>
-        </p:nvSpPr>
-        <p:spPr>
-          <a:xfrm>
-            <a:off x="591179" y="1609340"/>
-            <a:ext cx="8004809" cy="4485005"/>
-          </a:xfrm>
-          <a:prstGeom prst="rect">
-            <a:avLst/>
-          </a:prstGeom>
-        </p:spPr>
-        <p:txBody>
-          <a:bodyPr vert="horz" wrap="square" lIns="0" tIns="30480" rIns="0" bIns="0" rtlCol="0">
-            <a:spAutoFit/>
-          </a:bodyPr>
-          <a:lstStyle/>
-          <a:p>
-            <a:pPr marL="237490" marR="629920" indent="-224790">
-              <a:lnSpc>
-                <a:spcPts val="3820"/>
-              </a:lnSpc>
-              <a:spcBef>
-                <a:spcPts val="240"/>
-              </a:spcBef>
-              <a:buFont typeface="Arial"/>
-              <a:buChar char="•"/>
-              <a:tabLst>
-                <a:tab pos="237490" algn="l"/>
-              </a:tabLst>
-            </a:pPr>
-            <a:r>
-              <a:rPr sz="3200" dirty="0">
-                <a:latin typeface="Carlito"/>
-                <a:cs typeface="Carlito"/>
-              </a:rPr>
-              <a:t>In</a:t>
-            </a:r>
-            <a:r>
-              <a:rPr sz="3200" spc="-55" dirty="0">
-                <a:latin typeface="Carlito"/>
-                <a:cs typeface="Carlito"/>
-              </a:rPr>
-              <a:t> </a:t>
-            </a:r>
-            <a:r>
-              <a:rPr sz="3200" dirty="0">
-                <a:latin typeface="Carlito"/>
-                <a:cs typeface="Carlito"/>
-              </a:rPr>
-              <a:t>order</a:t>
-            </a:r>
-            <a:r>
-              <a:rPr sz="3200" spc="-50" dirty="0">
-                <a:latin typeface="Carlito"/>
-                <a:cs typeface="Carlito"/>
-              </a:rPr>
-              <a:t> </a:t>
-            </a:r>
-            <a:r>
-              <a:rPr sz="3200" dirty="0">
-                <a:latin typeface="Carlito"/>
-                <a:cs typeface="Carlito"/>
-              </a:rPr>
-              <a:t>to</a:t>
-            </a:r>
-            <a:r>
-              <a:rPr sz="3200" spc="-50" dirty="0">
-                <a:latin typeface="Carlito"/>
-                <a:cs typeface="Carlito"/>
-              </a:rPr>
-              <a:t> </a:t>
-            </a:r>
-            <a:r>
-              <a:rPr sz="3200" dirty="0">
-                <a:latin typeface="Carlito"/>
-                <a:cs typeface="Carlito"/>
-              </a:rPr>
-              <a:t>interface</a:t>
-            </a:r>
-            <a:r>
-              <a:rPr sz="3200" spc="-55" dirty="0">
-                <a:latin typeface="Carlito"/>
-                <a:cs typeface="Carlito"/>
-              </a:rPr>
-              <a:t> </a:t>
-            </a:r>
-            <a:r>
-              <a:rPr sz="3200" dirty="0">
-                <a:latin typeface="Carlito"/>
-                <a:cs typeface="Carlito"/>
-              </a:rPr>
-              <a:t>digital</a:t>
-            </a:r>
-            <a:r>
-              <a:rPr sz="3200" spc="-50" dirty="0">
-                <a:latin typeface="Carlito"/>
-                <a:cs typeface="Carlito"/>
-              </a:rPr>
-              <a:t> </a:t>
-            </a:r>
-            <a:r>
-              <a:rPr sz="3200" dirty="0">
-                <a:latin typeface="Carlito"/>
-                <a:cs typeface="Carlito"/>
-              </a:rPr>
-              <a:t>processors</a:t>
-            </a:r>
-            <a:r>
-              <a:rPr sz="3200" spc="-50" dirty="0">
-                <a:latin typeface="Carlito"/>
-                <a:cs typeface="Carlito"/>
-              </a:rPr>
-              <a:t> </a:t>
-            </a:r>
-            <a:r>
-              <a:rPr sz="3200" spc="-20" dirty="0">
-                <a:latin typeface="Carlito"/>
-                <a:cs typeface="Carlito"/>
-              </a:rPr>
-              <a:t>with </a:t>
-            </a:r>
-            <a:r>
-              <a:rPr sz="3200" dirty="0">
-                <a:latin typeface="Carlito"/>
-                <a:cs typeface="Carlito"/>
-              </a:rPr>
-              <a:t>the</a:t>
-            </a:r>
-            <a:r>
-              <a:rPr sz="3200" spc="-90" dirty="0">
-                <a:latin typeface="Carlito"/>
-                <a:cs typeface="Carlito"/>
-              </a:rPr>
-              <a:t> </a:t>
-            </a:r>
-            <a:r>
-              <a:rPr sz="3200" dirty="0">
-                <a:latin typeface="Carlito"/>
-                <a:cs typeface="Carlito"/>
-              </a:rPr>
-              <a:t>analog</a:t>
-            </a:r>
-            <a:r>
-              <a:rPr sz="3200" spc="-90" dirty="0">
-                <a:latin typeface="Carlito"/>
-                <a:cs typeface="Carlito"/>
-              </a:rPr>
-              <a:t> </a:t>
-            </a:r>
-            <a:r>
-              <a:rPr sz="3200" dirty="0">
-                <a:latin typeface="Carlito"/>
-                <a:cs typeface="Carlito"/>
-              </a:rPr>
-              <a:t>world,</a:t>
-            </a:r>
-            <a:r>
-              <a:rPr sz="3200" spc="-85" dirty="0">
-                <a:latin typeface="Carlito"/>
-                <a:cs typeface="Carlito"/>
-              </a:rPr>
-              <a:t> </a:t>
-            </a:r>
-            <a:r>
-              <a:rPr sz="3200" dirty="0">
-                <a:latin typeface="Carlito"/>
-                <a:cs typeface="Carlito"/>
-              </a:rPr>
-              <a:t>data</a:t>
-            </a:r>
-            <a:r>
-              <a:rPr sz="3200" spc="-90" dirty="0">
-                <a:latin typeface="Carlito"/>
-                <a:cs typeface="Carlito"/>
-              </a:rPr>
-              <a:t> </a:t>
-            </a:r>
-            <a:r>
-              <a:rPr sz="3200" spc="-10" dirty="0">
-                <a:latin typeface="Carlito"/>
-                <a:cs typeface="Carlito"/>
-              </a:rPr>
-              <a:t>acquisition</a:t>
-            </a:r>
-            <a:r>
-              <a:rPr sz="3200" spc="-85" dirty="0">
-                <a:latin typeface="Carlito"/>
-                <a:cs typeface="Carlito"/>
-              </a:rPr>
-              <a:t> </a:t>
-            </a:r>
-            <a:r>
-              <a:rPr sz="3200" spc="-25" dirty="0">
-                <a:latin typeface="Carlito"/>
-                <a:cs typeface="Carlito"/>
-              </a:rPr>
-              <a:t>and </a:t>
-            </a:r>
-            <a:r>
-              <a:rPr sz="3200" spc="-10" dirty="0">
-                <a:latin typeface="Carlito"/>
-                <a:cs typeface="Carlito"/>
-              </a:rPr>
-              <a:t>reconstruction</a:t>
-            </a:r>
-            <a:r>
-              <a:rPr sz="3200" spc="-100" dirty="0">
-                <a:latin typeface="Carlito"/>
-                <a:cs typeface="Carlito"/>
-              </a:rPr>
-              <a:t> </a:t>
-            </a:r>
-            <a:r>
-              <a:rPr sz="3200" dirty="0">
-                <a:latin typeface="Carlito"/>
-                <a:cs typeface="Carlito"/>
-              </a:rPr>
-              <a:t>circuits</a:t>
-            </a:r>
-            <a:r>
-              <a:rPr sz="3200" spc="-95" dirty="0">
-                <a:latin typeface="Carlito"/>
-                <a:cs typeface="Carlito"/>
-              </a:rPr>
-              <a:t> </a:t>
-            </a:r>
-            <a:r>
-              <a:rPr sz="3200" dirty="0">
-                <a:latin typeface="Carlito"/>
-                <a:cs typeface="Carlito"/>
-              </a:rPr>
-              <a:t>must</a:t>
-            </a:r>
-            <a:r>
-              <a:rPr sz="3200" spc="-95" dirty="0">
-                <a:latin typeface="Carlito"/>
-                <a:cs typeface="Carlito"/>
-              </a:rPr>
-              <a:t> </a:t>
-            </a:r>
-            <a:r>
-              <a:rPr sz="3200" dirty="0">
-                <a:latin typeface="Carlito"/>
-                <a:cs typeface="Carlito"/>
-              </a:rPr>
-              <a:t>be</a:t>
-            </a:r>
-            <a:r>
-              <a:rPr sz="3200" spc="-95" dirty="0">
-                <a:latin typeface="Carlito"/>
-                <a:cs typeface="Carlito"/>
-              </a:rPr>
-              <a:t> </a:t>
-            </a:r>
-            <a:r>
-              <a:rPr sz="3200" spc="-10" dirty="0">
-                <a:latin typeface="Carlito"/>
-                <a:cs typeface="Carlito"/>
-              </a:rPr>
-              <a:t>used:</a:t>
-            </a:r>
-            <a:endParaRPr sz="3200">
-              <a:latin typeface="Carlito"/>
-              <a:cs typeface="Carlito"/>
-            </a:endParaRPr>
-          </a:p>
-          <a:p>
-            <a:pPr marL="237490" marR="187960">
-              <a:lnSpc>
-                <a:spcPts val="3820"/>
-              </a:lnSpc>
-              <a:spcBef>
-                <a:spcPts val="15"/>
-              </a:spcBef>
-            </a:pPr>
-            <a:r>
-              <a:rPr sz="3200" spc="-25" dirty="0">
-                <a:latin typeface="Carlito"/>
-                <a:cs typeface="Carlito"/>
-              </a:rPr>
-              <a:t>analog-to-</a:t>
-            </a:r>
-            <a:r>
-              <a:rPr sz="3200" dirty="0">
-                <a:latin typeface="Carlito"/>
-                <a:cs typeface="Carlito"/>
-              </a:rPr>
-              <a:t>digital</a:t>
-            </a:r>
-            <a:r>
-              <a:rPr sz="3200" spc="-65" dirty="0">
-                <a:latin typeface="Carlito"/>
-                <a:cs typeface="Carlito"/>
-              </a:rPr>
-              <a:t> </a:t>
-            </a:r>
-            <a:r>
-              <a:rPr sz="3200" dirty="0">
-                <a:latin typeface="Carlito"/>
-                <a:cs typeface="Carlito"/>
-              </a:rPr>
-              <a:t>converters</a:t>
-            </a:r>
-            <a:r>
-              <a:rPr sz="3200" spc="-65" dirty="0">
-                <a:latin typeface="Carlito"/>
-                <a:cs typeface="Carlito"/>
-              </a:rPr>
-              <a:t> </a:t>
-            </a:r>
-            <a:r>
-              <a:rPr sz="3200" dirty="0">
-                <a:latin typeface="Carlito"/>
-                <a:cs typeface="Carlito"/>
-              </a:rPr>
-              <a:t>(ADCs)</a:t>
-            </a:r>
-            <a:r>
-              <a:rPr sz="3200" spc="-65" dirty="0">
-                <a:latin typeface="Carlito"/>
-                <a:cs typeface="Carlito"/>
-              </a:rPr>
-              <a:t> </a:t>
-            </a:r>
-            <a:r>
-              <a:rPr sz="3200" dirty="0">
-                <a:latin typeface="Carlito"/>
-                <a:cs typeface="Carlito"/>
-              </a:rPr>
-              <a:t>to</a:t>
-            </a:r>
-            <a:r>
-              <a:rPr sz="3200" spc="-60" dirty="0">
-                <a:latin typeface="Carlito"/>
-                <a:cs typeface="Carlito"/>
-              </a:rPr>
-              <a:t> </a:t>
-            </a:r>
-            <a:r>
-              <a:rPr sz="3200" spc="-10" dirty="0">
-                <a:latin typeface="Carlito"/>
-                <a:cs typeface="Carlito"/>
-              </a:rPr>
-              <a:t>acquire </a:t>
-            </a:r>
-            <a:r>
-              <a:rPr sz="3200" dirty="0">
-                <a:latin typeface="Carlito"/>
-                <a:cs typeface="Carlito"/>
-              </a:rPr>
-              <a:t>and</a:t>
-            </a:r>
-            <a:r>
-              <a:rPr sz="3200" spc="-85" dirty="0">
-                <a:latin typeface="Carlito"/>
-                <a:cs typeface="Carlito"/>
-              </a:rPr>
-              <a:t> </a:t>
-            </a:r>
-            <a:r>
-              <a:rPr sz="3200" dirty="0">
-                <a:latin typeface="Carlito"/>
-                <a:cs typeface="Carlito"/>
-              </a:rPr>
-              <a:t>digitize</a:t>
-            </a:r>
-            <a:r>
-              <a:rPr sz="3200" spc="-85" dirty="0">
-                <a:latin typeface="Carlito"/>
-                <a:cs typeface="Carlito"/>
-              </a:rPr>
-              <a:t> </a:t>
-            </a:r>
-            <a:r>
-              <a:rPr sz="3200" dirty="0">
-                <a:latin typeface="Carlito"/>
-                <a:cs typeface="Carlito"/>
-              </a:rPr>
-              <a:t>the</a:t>
-            </a:r>
-            <a:r>
-              <a:rPr sz="3200" spc="-80" dirty="0">
-                <a:latin typeface="Carlito"/>
-                <a:cs typeface="Carlito"/>
-              </a:rPr>
-              <a:t> </a:t>
-            </a:r>
-            <a:r>
-              <a:rPr sz="3200" dirty="0">
-                <a:latin typeface="Carlito"/>
-                <a:cs typeface="Carlito"/>
-              </a:rPr>
-              <a:t>analog</a:t>
-            </a:r>
-            <a:r>
-              <a:rPr sz="3200" spc="-85" dirty="0">
-                <a:latin typeface="Carlito"/>
-                <a:cs typeface="Carlito"/>
-              </a:rPr>
-              <a:t> </a:t>
-            </a:r>
-            <a:r>
-              <a:rPr sz="3200" dirty="0">
-                <a:latin typeface="Carlito"/>
-                <a:cs typeface="Carlito"/>
-              </a:rPr>
-              <a:t>signal</a:t>
-            </a:r>
-            <a:r>
-              <a:rPr sz="3200" spc="-80" dirty="0">
-                <a:latin typeface="Carlito"/>
-                <a:cs typeface="Carlito"/>
-              </a:rPr>
-              <a:t> </a:t>
-            </a:r>
-            <a:r>
-              <a:rPr sz="3200" dirty="0">
-                <a:latin typeface="Carlito"/>
-                <a:cs typeface="Carlito"/>
-              </a:rPr>
-              <a:t>at</a:t>
-            </a:r>
-            <a:r>
-              <a:rPr sz="3200" spc="-85" dirty="0">
-                <a:latin typeface="Carlito"/>
-                <a:cs typeface="Carlito"/>
-              </a:rPr>
-              <a:t> </a:t>
-            </a:r>
-            <a:r>
-              <a:rPr sz="3200" dirty="0">
-                <a:latin typeface="Carlito"/>
-                <a:cs typeface="Carlito"/>
-              </a:rPr>
-              <a:t>the</a:t>
-            </a:r>
-            <a:r>
-              <a:rPr sz="3200" spc="-80" dirty="0">
-                <a:latin typeface="Carlito"/>
-                <a:cs typeface="Carlito"/>
-              </a:rPr>
-              <a:t> </a:t>
-            </a:r>
-            <a:r>
-              <a:rPr sz="3200" dirty="0">
-                <a:latin typeface="Carlito"/>
-                <a:cs typeface="Carlito"/>
-              </a:rPr>
-              <a:t>front</a:t>
-            </a:r>
-            <a:r>
-              <a:rPr sz="3200" spc="-85" dirty="0">
-                <a:latin typeface="Carlito"/>
-                <a:cs typeface="Carlito"/>
-              </a:rPr>
-              <a:t> </a:t>
-            </a:r>
-            <a:r>
-              <a:rPr sz="3200" spc="-20" dirty="0">
-                <a:latin typeface="Carlito"/>
-                <a:cs typeface="Carlito"/>
-              </a:rPr>
-              <a:t>end, </a:t>
-            </a:r>
-            <a:r>
-              <a:rPr sz="3200" dirty="0">
-                <a:latin typeface="Carlito"/>
-                <a:cs typeface="Carlito"/>
-              </a:rPr>
-              <a:t>and</a:t>
-            </a:r>
-            <a:r>
-              <a:rPr sz="3200" spc="-65" dirty="0">
-                <a:latin typeface="Carlito"/>
-                <a:cs typeface="Carlito"/>
-              </a:rPr>
-              <a:t> </a:t>
-            </a:r>
-            <a:r>
-              <a:rPr sz="3200" spc="-25" dirty="0">
-                <a:latin typeface="Carlito"/>
-                <a:cs typeface="Carlito"/>
-              </a:rPr>
-              <a:t>digital-to-</a:t>
-            </a:r>
-            <a:r>
-              <a:rPr sz="3200" dirty="0">
-                <a:latin typeface="Carlito"/>
-                <a:cs typeface="Carlito"/>
-              </a:rPr>
-              <a:t>analog</a:t>
-            </a:r>
-            <a:r>
-              <a:rPr sz="3200" spc="-65" dirty="0">
-                <a:latin typeface="Carlito"/>
-                <a:cs typeface="Carlito"/>
-              </a:rPr>
-              <a:t> </a:t>
-            </a:r>
-            <a:r>
-              <a:rPr sz="3200" dirty="0">
-                <a:latin typeface="Carlito"/>
-                <a:cs typeface="Carlito"/>
-              </a:rPr>
-              <a:t>converters</a:t>
-            </a:r>
-            <a:r>
-              <a:rPr sz="3200" spc="-65" dirty="0">
-                <a:latin typeface="Carlito"/>
-                <a:cs typeface="Carlito"/>
-              </a:rPr>
-              <a:t> </a:t>
-            </a:r>
-            <a:r>
-              <a:rPr sz="3200" dirty="0">
-                <a:latin typeface="Carlito"/>
-                <a:cs typeface="Carlito"/>
-              </a:rPr>
-              <a:t>(DACs)</a:t>
-            </a:r>
-            <a:r>
-              <a:rPr sz="3200" spc="-65" dirty="0">
-                <a:latin typeface="Carlito"/>
-                <a:cs typeface="Carlito"/>
-              </a:rPr>
-              <a:t> </a:t>
-            </a:r>
-            <a:r>
-              <a:rPr sz="3200" spc="-25" dirty="0">
-                <a:latin typeface="Carlito"/>
-                <a:cs typeface="Carlito"/>
-              </a:rPr>
-              <a:t>to </a:t>
-            </a:r>
-            <a:r>
-              <a:rPr sz="3200" dirty="0">
-                <a:latin typeface="Carlito"/>
-                <a:cs typeface="Carlito"/>
-              </a:rPr>
-              <a:t>reproduce</a:t>
-            </a:r>
-            <a:r>
-              <a:rPr sz="3200" spc="-85" dirty="0">
-                <a:latin typeface="Carlito"/>
-                <a:cs typeface="Carlito"/>
-              </a:rPr>
-              <a:t> </a:t>
-            </a:r>
-            <a:r>
-              <a:rPr sz="3200" dirty="0">
-                <a:latin typeface="Carlito"/>
-                <a:cs typeface="Carlito"/>
-              </a:rPr>
-              <a:t>the</a:t>
-            </a:r>
-            <a:r>
-              <a:rPr sz="3200" spc="-70" dirty="0">
-                <a:latin typeface="Carlito"/>
-                <a:cs typeface="Carlito"/>
-              </a:rPr>
-              <a:t> </a:t>
-            </a:r>
-            <a:r>
-              <a:rPr sz="3200" dirty="0">
-                <a:latin typeface="Carlito"/>
-                <a:cs typeface="Carlito"/>
-              </a:rPr>
-              <a:t>analog</a:t>
-            </a:r>
-            <a:r>
-              <a:rPr sz="3200" spc="-70" dirty="0">
-                <a:latin typeface="Carlito"/>
-                <a:cs typeface="Carlito"/>
-              </a:rPr>
-              <a:t> </a:t>
-            </a:r>
-            <a:r>
-              <a:rPr sz="3200" dirty="0">
-                <a:latin typeface="Carlito"/>
-                <a:cs typeface="Carlito"/>
-              </a:rPr>
-              <a:t>signal</a:t>
-            </a:r>
-            <a:r>
-              <a:rPr sz="3200" spc="-75" dirty="0">
-                <a:latin typeface="Carlito"/>
-                <a:cs typeface="Carlito"/>
-              </a:rPr>
-              <a:t> </a:t>
-            </a:r>
-            <a:r>
-              <a:rPr sz="3200" dirty="0">
-                <a:latin typeface="Carlito"/>
-                <a:cs typeface="Carlito"/>
-              </a:rPr>
-              <a:t>at</a:t>
-            </a:r>
-            <a:r>
-              <a:rPr sz="3200" spc="-70" dirty="0">
-                <a:latin typeface="Carlito"/>
-                <a:cs typeface="Carlito"/>
-              </a:rPr>
-              <a:t> </a:t>
-            </a:r>
-            <a:r>
-              <a:rPr sz="3200" dirty="0">
-                <a:latin typeface="Carlito"/>
-                <a:cs typeface="Carlito"/>
-              </a:rPr>
-              <a:t>the</a:t>
-            </a:r>
-            <a:r>
-              <a:rPr sz="3200" spc="-70" dirty="0">
-                <a:latin typeface="Carlito"/>
-                <a:cs typeface="Carlito"/>
-              </a:rPr>
-              <a:t> </a:t>
-            </a:r>
-            <a:r>
-              <a:rPr sz="3200" dirty="0">
-                <a:latin typeface="Carlito"/>
-                <a:cs typeface="Carlito"/>
-              </a:rPr>
-              <a:t>back</a:t>
-            </a:r>
-            <a:r>
-              <a:rPr sz="3200" spc="-70" dirty="0">
-                <a:latin typeface="Carlito"/>
-                <a:cs typeface="Carlito"/>
-              </a:rPr>
-              <a:t> </a:t>
-            </a:r>
-            <a:r>
-              <a:rPr sz="3200" spc="-20" dirty="0">
-                <a:latin typeface="Carlito"/>
-                <a:cs typeface="Carlito"/>
-              </a:rPr>
-              <a:t>end.</a:t>
-            </a:r>
-            <a:endParaRPr sz="3200">
-              <a:latin typeface="Carlito"/>
-              <a:cs typeface="Carlito"/>
-            </a:endParaRPr>
-          </a:p>
-          <a:p>
-            <a:pPr marL="237490" marR="5080" indent="-224790">
-              <a:lnSpc>
-                <a:spcPct val="100499"/>
-              </a:lnSpc>
-              <a:spcBef>
-                <a:spcPts val="500"/>
-              </a:spcBef>
-              <a:buChar char="•"/>
-              <a:tabLst>
-                <a:tab pos="237490" algn="l"/>
-                <a:tab pos="408305" algn="l"/>
-              </a:tabLst>
-            </a:pPr>
-            <a:r>
-              <a:rPr sz="3200" dirty="0">
-                <a:latin typeface="Arial"/>
-                <a:cs typeface="Arial"/>
-              </a:rPr>
-              <a:t>	</a:t>
-            </a:r>
-            <a:r>
-              <a:rPr sz="3200" spc="130" dirty="0">
-                <a:latin typeface="Carlito"/>
-                <a:cs typeface="Carlito"/>
-              </a:rPr>
-              <a:t>?</a:t>
-            </a:r>
-            <a:r>
-              <a:rPr sz="3200" spc="-75" dirty="0">
-                <a:latin typeface="Carlito"/>
-                <a:cs typeface="Carlito"/>
-              </a:rPr>
-              <a:t> </a:t>
-            </a:r>
-            <a:r>
-              <a:rPr sz="3200" dirty="0">
-                <a:latin typeface="Carlito"/>
-                <a:cs typeface="Carlito"/>
-              </a:rPr>
-              <a:t>Digital</a:t>
-            </a:r>
-            <a:r>
-              <a:rPr sz="3200" spc="-75" dirty="0">
-                <a:latin typeface="Carlito"/>
-                <a:cs typeface="Carlito"/>
-              </a:rPr>
-              <a:t> </a:t>
-            </a:r>
-            <a:r>
-              <a:rPr sz="3200" dirty="0">
-                <a:latin typeface="Carlito"/>
-                <a:cs typeface="Carlito"/>
-              </a:rPr>
-              <a:t>data</a:t>
-            </a:r>
-            <a:r>
-              <a:rPr sz="3200" spc="-70" dirty="0">
-                <a:latin typeface="Carlito"/>
-                <a:cs typeface="Carlito"/>
-              </a:rPr>
-              <a:t> </a:t>
-            </a:r>
-            <a:r>
-              <a:rPr sz="3200" spc="-10" dirty="0">
-                <a:latin typeface="Carlito"/>
-                <a:cs typeface="Carlito"/>
-              </a:rPr>
-              <a:t>conversion</a:t>
-            </a:r>
-            <a:r>
-              <a:rPr sz="3200" spc="-75" dirty="0">
-                <a:latin typeface="Carlito"/>
-                <a:cs typeface="Carlito"/>
-              </a:rPr>
-              <a:t> </a:t>
-            </a:r>
-            <a:r>
-              <a:rPr sz="3200" dirty="0">
-                <a:latin typeface="Carlito"/>
-                <a:cs typeface="Carlito"/>
-              </a:rPr>
-              <a:t>system</a:t>
-            </a:r>
-            <a:r>
-              <a:rPr sz="3200" spc="-70" dirty="0">
-                <a:latin typeface="Carlito"/>
-                <a:cs typeface="Carlito"/>
-              </a:rPr>
-              <a:t> </a:t>
-            </a:r>
-            <a:r>
-              <a:rPr sz="3200" dirty="0">
-                <a:latin typeface="Carlito"/>
-                <a:cs typeface="Carlito"/>
-              </a:rPr>
-              <a:t>requires</a:t>
-            </a:r>
-            <a:r>
-              <a:rPr sz="3200" spc="-75" dirty="0">
-                <a:latin typeface="Carlito"/>
-                <a:cs typeface="Carlito"/>
-              </a:rPr>
-              <a:t> </a:t>
-            </a:r>
-            <a:r>
-              <a:rPr sz="3200" spc="-25" dirty="0">
-                <a:latin typeface="Carlito"/>
-                <a:cs typeface="Carlito"/>
-              </a:rPr>
-              <a:t>ADC </a:t>
-            </a:r>
-            <a:r>
-              <a:rPr sz="3200" dirty="0">
-                <a:latin typeface="Carlito"/>
-                <a:cs typeface="Carlito"/>
-              </a:rPr>
-              <a:t>and</a:t>
-            </a:r>
-            <a:r>
-              <a:rPr sz="3200" spc="-65" dirty="0">
-                <a:latin typeface="Carlito"/>
-                <a:cs typeface="Carlito"/>
-              </a:rPr>
-              <a:t> </a:t>
-            </a:r>
-            <a:r>
-              <a:rPr sz="3200" spc="-20" dirty="0">
-                <a:latin typeface="Carlito"/>
-                <a:cs typeface="Carlito"/>
-              </a:rPr>
-              <a:t>DAC.</a:t>
-            </a:r>
-            <a:endParaRPr sz="3200">
-              <a:latin typeface="Carlito"/>
-              <a:cs typeface="Carlito"/>
-            </a:endParaRPr>
-          </a:p>
-        </p:txBody>
-      </p:sp>
-    </p:spTree>
-  </p:cSld>
-  <p:clrMapOvr>
-    <a:masterClrMapping/>
-  </p:clrMapOvr>
-</p:sld>
-</file>
-
-<file path=ppt/slides/slide30.xml><?xml version="1.0" encoding="utf-8"?>
+<file path=ppt/slides/slide34.xml><?xml version="1.0" encoding="utf-8"?>
 <p:sld xmlns:a="http://schemas.openxmlformats.org/drawingml/2006/main" xmlns:r="http://schemas.openxmlformats.org/officeDocument/2006/relationships" xmlns:p="http://schemas.openxmlformats.org/presentationml/2006/main" showMasterSp="0">
   <p:cSld>
     <p:spTree>
@@ -15592,6 +15971,10 @@
           </p:nvPr>
         </p:nvSpPr>
         <p:spPr>
+          <a:xfrm>
+            <a:off x="652169" y="91916"/>
+            <a:ext cx="7838365" cy="635000"/>
+          </a:xfrm>
           <a:prstGeom prst="rect">
             <a:avLst/>
           </a:prstGeom>
@@ -15649,8 +16032,8 @@
         </p:nvSpPr>
         <p:spPr>
           <a:xfrm>
-            <a:off x="427356" y="1390139"/>
-            <a:ext cx="3571240" cy="957580"/>
+            <a:off x="427355" y="1390139"/>
+            <a:ext cx="3699985" cy="957580"/>
           </a:xfrm>
           <a:prstGeom prst="rect">
             <a:avLst/>
@@ -15711,7 +16094,7 @@
               </a:rPr>
               <a:t>Op-amp</a:t>
             </a:r>
-            <a:endParaRPr sz="2600">
+            <a:endParaRPr sz="2600" dirty="0">
               <a:latin typeface="Carlito"/>
               <a:cs typeface="Carlito"/>
             </a:endParaRPr>
@@ -15780,7 +16163,7 @@
               </a:rPr>
               <a:t>op-amp</a:t>
             </a:r>
-            <a:endParaRPr sz="2600">
+            <a:endParaRPr sz="2600" dirty="0">
               <a:latin typeface="Carlito"/>
               <a:cs typeface="Carlito"/>
             </a:endParaRPr>
@@ -15795,8 +16178,8 @@
         </p:nvSpPr>
         <p:spPr>
           <a:xfrm>
-            <a:off x="427356" y="2392798"/>
-            <a:ext cx="2595880" cy="822325"/>
+            <a:off x="370919" y="2752525"/>
+            <a:ext cx="2836244" cy="822325"/>
           </a:xfrm>
           <a:prstGeom prst="rect">
             <a:avLst/>
@@ -15877,7 +16260,7 @@
               </a:rPr>
               <a:t>input</a:t>
             </a:r>
-            <a:endParaRPr sz="2600">
+            <a:endParaRPr sz="2600" dirty="0">
               <a:latin typeface="Carlito"/>
               <a:cs typeface="Carlito"/>
             </a:endParaRPr>
@@ -15892,7 +16275,7 @@
         </p:nvSpPr>
         <p:spPr>
           <a:xfrm>
-            <a:off x="401956" y="3259571"/>
+            <a:off x="586258" y="3987075"/>
             <a:ext cx="1542415" cy="421640"/>
           </a:xfrm>
           <a:prstGeom prst="rect">
@@ -15946,7 +16329,7 @@
               </a:rPr>
               <a:t>IR</a:t>
             </a:r>
-            <a:endParaRPr sz="2600">
+            <a:endParaRPr sz="2600" dirty="0">
               <a:latin typeface="Times New Roman"/>
               <a:cs typeface="Times New Roman"/>
             </a:endParaRPr>
@@ -15961,7 +16344,7 @@
         </p:nvSpPr>
         <p:spPr>
           <a:xfrm>
-            <a:off x="1893810" y="3493463"/>
+            <a:off x="2057712" y="4193995"/>
             <a:ext cx="99060" cy="289560"/>
           </a:xfrm>
           <a:prstGeom prst="rect">
@@ -15989,7 +16372,7 @@
               </a:rPr>
               <a:t>f</a:t>
             </a:r>
-            <a:endParaRPr sz="1700">
+            <a:endParaRPr sz="1700" dirty="0">
               <a:latin typeface="Times New Roman"/>
               <a:cs typeface="Times New Roman"/>
             </a:endParaRPr>
@@ -18602,7 +18985,7 @@
 </p:sld>
 </file>
 
-<file path=ppt/slides/slide31.xml><?xml version="1.0" encoding="utf-8"?>
+<file path=ppt/slides/slide35.xml><?xml version="1.0" encoding="utf-8"?>
 <p:sld xmlns:a="http://schemas.openxmlformats.org/drawingml/2006/main" xmlns:r="http://schemas.openxmlformats.org/officeDocument/2006/relationships" xmlns:p="http://schemas.openxmlformats.org/presentationml/2006/main" showMasterSp="0">
   <p:cSld>
     <p:spTree>
@@ -18630,6 +19013,10 @@
           </p:nvPr>
         </p:nvSpPr>
         <p:spPr>
+          <a:xfrm>
+            <a:off x="605833" y="228600"/>
+            <a:ext cx="7838365" cy="635000"/>
+          </a:xfrm>
           <a:prstGeom prst="rect">
             <a:avLst/>
           </a:prstGeom>
@@ -18720,7 +19107,7 @@
               </a:rPr>
               <a:t>Advantages</a:t>
             </a:r>
-            <a:endParaRPr sz="2400">
+            <a:endParaRPr sz="2400" dirty="0">
               <a:latin typeface="Carlito"/>
               <a:cs typeface="Carlito"/>
             </a:endParaRPr>
@@ -18760,7 +19147,7 @@
               </a:rPr>
               <a:t>Construction/Analysis</a:t>
             </a:r>
-            <a:endParaRPr sz="2400">
+            <a:endParaRPr sz="2400" dirty="0">
               <a:latin typeface="Carlito"/>
               <a:cs typeface="Carlito"/>
             </a:endParaRPr>
@@ -18800,7 +19187,7 @@
               </a:rPr>
               <a:t>Conversion</a:t>
             </a:r>
-            <a:endParaRPr sz="2400">
+            <a:endParaRPr sz="2400" dirty="0">
               <a:latin typeface="Carlito"/>
               <a:cs typeface="Carlito"/>
             </a:endParaRPr>
@@ -18826,7 +19213,7 @@
               </a:rPr>
               <a:t>Disadvantages</a:t>
             </a:r>
-            <a:endParaRPr sz="2400">
+            <a:endParaRPr sz="2400" dirty="0">
               <a:latin typeface="Carlito"/>
               <a:cs typeface="Carlito"/>
             </a:endParaRPr>
@@ -19062,7 +19449,7 @@
               </a:rPr>
               <a:t>resistors</a:t>
             </a:r>
-            <a:endParaRPr sz="2400">
+            <a:endParaRPr sz="2400" dirty="0">
               <a:latin typeface="Carlito"/>
               <a:cs typeface="Carlito"/>
             </a:endParaRPr>
@@ -19158,7 +19545,7 @@
               </a:rPr>
               <a:t>transistors</a:t>
             </a:r>
-            <a:endParaRPr sz="2400">
+            <a:endParaRPr sz="2400" dirty="0">
               <a:latin typeface="Carlito"/>
               <a:cs typeface="Carlito"/>
             </a:endParaRPr>
@@ -19297,7 +19684,7 @@
               </a:rPr>
               <a:t>resolution.</a:t>
             </a:r>
-            <a:endParaRPr sz="2400">
+            <a:endParaRPr sz="2400" dirty="0">
               <a:latin typeface="Carlito"/>
               <a:cs typeface="Carlito"/>
             </a:endParaRPr>
@@ -19312,7 +19699,7 @@
 </p:sld>
 </file>
 
-<file path=ppt/slides/slide32.xml><?xml version="1.0" encoding="utf-8"?>
+<file path=ppt/slides/slide36.xml><?xml version="1.0" encoding="utf-8"?>
 <p:sld xmlns:a="http://schemas.openxmlformats.org/drawingml/2006/main" xmlns:r="http://schemas.openxmlformats.org/officeDocument/2006/relationships" xmlns:p="http://schemas.openxmlformats.org/presentationml/2006/main" showMasterSp="0">
   <p:cSld>
     <p:spTree>
@@ -20373,7 +20760,7 @@
 </p:sld>
 </file>
 
-<file path=ppt/slides/slide33.xml><?xml version="1.0" encoding="utf-8"?>
+<file path=ppt/slides/slide37.xml><?xml version="1.0" encoding="utf-8"?>
 <p:sld xmlns:a="http://schemas.openxmlformats.org/drawingml/2006/main" xmlns:r="http://schemas.openxmlformats.org/officeDocument/2006/relationships" xmlns:p="http://schemas.openxmlformats.org/presentationml/2006/main" showMasterSp="0">
   <p:cSld>
     <p:spTree>
@@ -20837,7 +21224,7 @@
 </p:sld>
 </file>
 
-<file path=ppt/slides/slide34.xml><?xml version="1.0" encoding="utf-8"?>
+<file path=ppt/slides/slide38.xml><?xml version="1.0" encoding="utf-8"?>
 <p:sld xmlns:a="http://schemas.openxmlformats.org/drawingml/2006/main" xmlns:r="http://schemas.openxmlformats.org/officeDocument/2006/relationships" xmlns:p="http://schemas.openxmlformats.org/presentationml/2006/main" showMasterSp="0">
   <p:cSld>
     <p:spTree>
@@ -21420,7 +21807,7 @@
 </p:sld>
 </file>
 
-<file path=ppt/slides/slide35.xml><?xml version="1.0" encoding="utf-8"?>
+<file path=ppt/slides/slide39.xml><?xml version="1.0" encoding="utf-8"?>
 <p:sld xmlns:a="http://schemas.openxmlformats.org/drawingml/2006/main" xmlns:r="http://schemas.openxmlformats.org/officeDocument/2006/relationships" xmlns:p="http://schemas.openxmlformats.org/presentationml/2006/main" showMasterSp="0">
   <p:cSld>
     <p:spTree>
@@ -21514,6 +21901,200 @@
 </p:sld>
 </file>
 
+<file path=ppt/slides/slide40.xml><?xml version="1.0" encoding="utf-8"?>
+<p:sld xmlns:a="http://schemas.openxmlformats.org/drawingml/2006/main" xmlns:r="http://schemas.openxmlformats.org/officeDocument/2006/relationships" xmlns:p="http://schemas.openxmlformats.org/presentationml/2006/main" showMasterSp="0">
+  <p:cSld>
+    <p:spTree>
+      <p:nvGrpSpPr>
+        <p:cNvPr id="1" name=""/>
+        <p:cNvGrpSpPr/>
+        <p:nvPr/>
+      </p:nvGrpSpPr>
+      <p:grpSpPr>
+        <a:xfrm>
+          <a:off x="0" y="0"/>
+          <a:ext cx="0" cy="0"/>
+          <a:chOff x="0" y="0"/>
+          <a:chExt cx="0" cy="0"/>
+        </a:xfrm>
+      </p:grpSpPr>
+      <p:pic>
+        <p:nvPicPr>
+          <p:cNvPr id="8" name="Picture 7"/>
+          <p:cNvPicPr>
+            <a:picLocks noChangeAspect="1"/>
+          </p:cNvPicPr>
+          <p:nvPr/>
+        </p:nvPicPr>
+        <p:blipFill>
+          <a:blip r:embed="rId2"/>
+          <a:stretch>
+            <a:fillRect/>
+          </a:stretch>
+        </p:blipFill>
+        <p:spPr>
+          <a:xfrm>
+            <a:off x="3657600" y="2906256"/>
+            <a:ext cx="5410200" cy="3951744"/>
+          </a:xfrm>
+          <a:prstGeom prst="rect">
+            <a:avLst/>
+          </a:prstGeom>
+        </p:spPr>
+      </p:pic>
+      <p:sp>
+        <p:nvSpPr>
+          <p:cNvPr id="9" name="TextBox 8"/>
+          <p:cNvSpPr txBox="1"/>
+          <p:nvPr/>
+        </p:nvSpPr>
+        <p:spPr>
+          <a:xfrm>
+            <a:off x="152400" y="228600"/>
+            <a:ext cx="8763000" cy="3139321"/>
+          </a:xfrm>
+          <a:prstGeom prst="rect">
+            <a:avLst/>
+          </a:prstGeom>
+          <a:noFill/>
+        </p:spPr>
+        <p:txBody>
+          <a:bodyPr wrap="square" rtlCol="0">
+            <a:spAutoFit/>
+          </a:bodyPr>
+          <a:lstStyle/>
+          <a:p>
+            <a:pPr algn="l" fontAlgn="base"/>
+            <a:r>
+              <a:rPr lang="en-US" b="1" i="0" dirty="0" smtClean="0">
+                <a:solidFill>
+                  <a:srgbClr val="0000FF"/>
+                </a:solidFill>
+                <a:effectLst/>
+                <a:latin typeface="inherit"/>
+              </a:rPr>
+              <a:t>Interfacing DAC 0830 with 8086:</a:t>
+            </a:r>
+            <a:endParaRPr lang="en-US" b="1" i="0" dirty="0" smtClean="0">
+              <a:solidFill>
+                <a:srgbClr val="0000FF"/>
+              </a:solidFill>
+              <a:effectLst/>
+              <a:latin typeface="MS Sans Serif"/>
+            </a:endParaRPr>
+          </a:p>
+          <a:p>
+            <a:pPr algn="just" fontAlgn="base"/>
+            <a:r>
+              <a:rPr lang="en-US" b="0" i="0" dirty="0" smtClean="0">
+                <a:solidFill>
+                  <a:srgbClr val="000000"/>
+                </a:solidFill>
+                <a:effectLst/>
+                <a:latin typeface="Open Sans"/>
+              </a:rPr>
+              <a:t>The DAC0830 Digital to Analog Converter is connected to 8086 microprocessor, as shown in the Fig. 14.118. Here, I/O port address is decoded using_ OR gate. The digital data is loaded into DAC0830 when A</a:t>
+            </a:r>
+            <a:r>
+              <a:rPr lang="en-US" b="0" i="0" baseline="-25000" dirty="0" smtClean="0">
+                <a:solidFill>
+                  <a:srgbClr val="000000"/>
+                </a:solidFill>
+                <a:effectLst/>
+                <a:latin typeface="inherit"/>
+              </a:rPr>
+              <a:t>0</a:t>
+            </a:r>
+            <a:r>
+              <a:rPr lang="en-US" b="0" i="0" dirty="0" smtClean="0">
+                <a:solidFill>
+                  <a:srgbClr val="000000"/>
+                </a:solidFill>
+                <a:effectLst/>
+                <a:latin typeface="Open Sans"/>
+              </a:rPr>
+              <a:t>-A</a:t>
+            </a:r>
+            <a:r>
+              <a:rPr lang="en-US" b="0" i="0" baseline="-25000" dirty="0" smtClean="0">
+                <a:solidFill>
+                  <a:srgbClr val="000000"/>
+                </a:solidFill>
+                <a:effectLst/>
+                <a:latin typeface="inherit"/>
+              </a:rPr>
+              <a:t>7</a:t>
+            </a:r>
+            <a:r>
+              <a:rPr lang="en-US" b="0" i="0" dirty="0" smtClean="0">
+                <a:solidFill>
+                  <a:srgbClr val="000000"/>
+                </a:solidFill>
+                <a:effectLst/>
+                <a:latin typeface="Open Sans"/>
+              </a:rPr>
+              <a:t> lines, WR and IO/M signals are low. This gives us the address for DAC0830 as 00H and the data can be loaded in the DAC0830 by OUT 00H,AL instruction, where AL register contains the digital data to be sent to DAC0830. The IC 741, the operational amplifier is used to convert current output of DAC0830 to voltage output. The voltage output of the operational amplifier is used to </a:t>
+            </a:r>
+            <a:r>
+              <a:rPr lang="en-US" b="0" i="0" u="sng" dirty="0" smtClean="0">
+                <a:solidFill>
+                  <a:srgbClr val="0000FF"/>
+                </a:solidFill>
+                <a:effectLst/>
+                <a:latin typeface="inherit"/>
+                <a:hlinkClick r:id="rId3"/>
+              </a:rPr>
+              <a:t>drive</a:t>
+            </a:r>
+            <a:r>
+              <a:rPr lang="en-US" b="0" i="0" dirty="0" smtClean="0">
+                <a:solidFill>
+                  <a:srgbClr val="000000"/>
+                </a:solidFill>
+                <a:effectLst/>
+                <a:latin typeface="Open Sans"/>
+              </a:rPr>
+              <a:t> the DC motor after increasing the driving capacity. The driving capacity is increased by using the </a:t>
+            </a:r>
+            <a:r>
+              <a:rPr lang="en-US" b="0" i="0" dirty="0" err="1" smtClean="0">
+                <a:solidFill>
+                  <a:srgbClr val="000000"/>
+                </a:solidFill>
+                <a:effectLst/>
+                <a:latin typeface="Open Sans"/>
+              </a:rPr>
+              <a:t>darlington</a:t>
+            </a:r>
+            <a:r>
+              <a:rPr lang="en-US" b="0" i="0" dirty="0" smtClean="0">
+                <a:solidFill>
+                  <a:srgbClr val="000000"/>
+                </a:solidFill>
+                <a:effectLst/>
+                <a:latin typeface="Open Sans"/>
+              </a:rPr>
+              <a:t> transistor.</a:t>
+            </a:r>
+          </a:p>
+          <a:p>
+            <a:endParaRPr lang="en-US" dirty="0"/>
+          </a:p>
+        </p:txBody>
+      </p:sp>
+    </p:spTree>
+    <p:extLst>
+      <p:ext uri="{BB962C8B-B14F-4D97-AF65-F5344CB8AC3E}">
+        <p14:creationId xmlns:p14="http://schemas.microsoft.com/office/powerpoint/2010/main" val="3333727060"/>
+      </p:ext>
+    </p:extLst>
+  </p:cSld>
+  <p:clrMapOvr>
+    <a:masterClrMapping/>
+  </p:clrMapOvr>
+</p:sld>
+</file>
+
 <file path=ppt/slides/slide5.xml><?xml version="1.0" encoding="utf-8"?>
 <p:sld xmlns:a="http://schemas.openxmlformats.org/drawingml/2006/main" xmlns:r="http://schemas.openxmlformats.org/officeDocument/2006/relationships" xmlns:p="http://schemas.openxmlformats.org/presentationml/2006/main" showMasterSp="0">
   <p:cSld>
@@ -21542,6 +22123,10 @@
           </p:nvPr>
         </p:nvSpPr>
         <p:spPr>
+          <a:xfrm>
+            <a:off x="706189" y="153414"/>
+            <a:ext cx="7838365" cy="635000"/>
+          </a:xfrm>
           <a:prstGeom prst="rect">
             <a:avLst/>
           </a:prstGeom>
@@ -21795,7 +22380,7 @@
         </p:nvSpPr>
         <p:spPr>
           <a:xfrm>
-            <a:off x="419286" y="1612388"/>
+            <a:off x="533400" y="457200"/>
             <a:ext cx="8090534" cy="4622165"/>
           </a:xfrm>
           <a:prstGeom prst="rect">
@@ -22198,7 +22783,7 @@
               </a:rPr>
               <a:t>band.</a:t>
             </a:r>
-            <a:endParaRPr sz="2600">
+            <a:endParaRPr sz="2600" dirty="0">
               <a:latin typeface="Carlito"/>
               <a:cs typeface="Carlito"/>
             </a:endParaRPr>
@@ -22482,7 +23067,7 @@
               </a:rPr>
               <a:t>signal.</a:t>
             </a:r>
-            <a:endParaRPr sz="2600">
+            <a:endParaRPr sz="2600" dirty="0">
               <a:latin typeface="Carlito"/>
               <a:cs typeface="Carlito"/>
             </a:endParaRPr>
@@ -22829,7 +23414,7 @@
               </a:rPr>
               <a:t>signal.</a:t>
             </a:r>
-            <a:endParaRPr sz="2600">
+            <a:endParaRPr sz="2600" dirty="0">
               <a:latin typeface="Carlito"/>
               <a:cs typeface="Carlito"/>
             </a:endParaRPr>
@@ -23078,7 +23663,7 @@
               </a:rPr>
               <a:t>output.</a:t>
             </a:r>
-            <a:endParaRPr sz="2600">
+            <a:endParaRPr sz="2600" dirty="0">
               <a:latin typeface="Carlito"/>
               <a:cs typeface="Carlito"/>
             </a:endParaRPr>
@@ -23965,6 +24550,10 @@
           </p:nvPr>
         </p:nvSpPr>
         <p:spPr>
+          <a:xfrm>
+            <a:off x="591179" y="1609340"/>
+            <a:ext cx="8552821" cy="5116785"/>
+          </a:xfrm>
           <a:prstGeom prst="rect">
             <a:avLst/>
           </a:prstGeom>
@@ -23989,11 +24578,50 @@
               </a:tabLst>
             </a:pPr>
             <a:r>
-              <a:rPr dirty="0"/>
+              <a:rPr lang="en-US" dirty="0" smtClean="0"/>
+              <a:t>Flash ADC is fastest among all ADC</a:t>
+            </a:r>
+          </a:p>
+          <a:p>
+            <a:pPr marL="294640" marR="212725" indent="-281940">
+              <a:lnSpc>
+                <a:spcPts val="3820"/>
+              </a:lnSpc>
+              <a:spcBef>
+                <a:spcPts val="240"/>
+              </a:spcBef>
+              <a:buFont typeface="Arial"/>
+              <a:buChar char="•"/>
+              <a:tabLst>
+                <a:tab pos="294640" algn="l"/>
+              </a:tabLst>
+            </a:pPr>
+            <a:r>
+              <a:rPr lang="en-US" dirty="0" smtClean="0"/>
+              <a:t>It takes only one clock cycle to have conversion</a:t>
+            </a:r>
+            <a:endParaRPr lang="en-US" dirty="0" smtClean="0"/>
+          </a:p>
+          <a:p>
+            <a:pPr marL="294640" marR="212725" indent="-281940">
+              <a:lnSpc>
+                <a:spcPts val="3820"/>
+              </a:lnSpc>
+              <a:spcBef>
+                <a:spcPts val="240"/>
+              </a:spcBef>
+              <a:buFont typeface="Arial"/>
+              <a:buChar char="•"/>
+              <a:tabLst>
+                <a:tab pos="294640" algn="l"/>
+              </a:tabLst>
+            </a:pPr>
+            <a:r>
+              <a:rPr dirty="0" smtClean="0"/>
               <a:t>Consists</a:t>
             </a:r>
             <a:r>
-              <a:rPr spc="-60" dirty="0"/>
+              <a:rPr spc="-60" dirty="0" smtClean="0"/>
               <a:t> </a:t>
             </a:r>
             <a:r>
@@ -24268,6 +24896,11 @@
         </p:txBody>
       </p:sp>
     </p:spTree>
+    <p:extLst>
+      <p:ext uri="{BB962C8B-B14F-4D97-AF65-F5344CB8AC3E}">
+        <p14:creationId xmlns:p14="http://schemas.microsoft.com/office/powerpoint/2010/main" val="698430380"/>
+      </p:ext>
+    </p:extLst>
   </p:cSld>
   <p:clrMapOvr>
     <a:masterClrMapping/>
